--- a/Algoritmos.pptx
+++ b/Algoritmos.pptx
@@ -5,17 +5,36 @@
     <p:sldMasterId id="2147483648" r:id="rId1"/>
   </p:sldMasterIdLst>
   <p:sldIdLst>
-    <p:sldId id="256" r:id="rId2"/>
-    <p:sldId id="257" r:id="rId3"/>
-    <p:sldId id="258" r:id="rId4"/>
-    <p:sldId id="259" r:id="rId5"/>
-    <p:sldId id="260" r:id="rId6"/>
-    <p:sldId id="261" r:id="rId7"/>
-    <p:sldId id="262" r:id="rId8"/>
-    <p:sldId id="263" r:id="rId9"/>
-    <p:sldId id="264" r:id="rId10"/>
-    <p:sldId id="265" r:id="rId11"/>
-    <p:sldId id="266" r:id="rId12"/>
+    <p:sldId id="562" r:id="rId2"/>
+    <p:sldId id="256" r:id="rId3"/>
+    <p:sldId id="564" r:id="rId4"/>
+    <p:sldId id="565" r:id="rId5"/>
+    <p:sldId id="566" r:id="rId6"/>
+    <p:sldId id="567" r:id="rId7"/>
+    <p:sldId id="568" r:id="rId8"/>
+    <p:sldId id="569" r:id="rId9"/>
+    <p:sldId id="570" r:id="rId10"/>
+    <p:sldId id="563" r:id="rId11"/>
+    <p:sldId id="257" r:id="rId12"/>
+    <p:sldId id="261" r:id="rId13"/>
+    <p:sldId id="262" r:id="rId14"/>
+    <p:sldId id="263" r:id="rId15"/>
+    <p:sldId id="264" r:id="rId16"/>
+    <p:sldId id="265" r:id="rId17"/>
+    <p:sldId id="266" r:id="rId18"/>
+    <p:sldId id="268" r:id="rId19"/>
+    <p:sldId id="269" r:id="rId20"/>
+    <p:sldId id="270" r:id="rId21"/>
+    <p:sldId id="271" r:id="rId22"/>
+    <p:sldId id="258" r:id="rId23"/>
+    <p:sldId id="259" r:id="rId24"/>
+    <p:sldId id="260" r:id="rId25"/>
+    <p:sldId id="267" r:id="rId26"/>
+    <p:sldId id="273" r:id="rId27"/>
+    <p:sldId id="571" r:id="rId28"/>
+    <p:sldId id="572" r:id="rId29"/>
+    <p:sldId id="573" r:id="rId30"/>
+    <p:sldId id="574" r:id="rId31"/>
   </p:sldIdLst>
   <p:sldSz cx="12192000" cy="6858000"/>
   <p:notesSz cx="6858000" cy="9144000"/>
@@ -114,6 +133,11 @@
       </a:defRPr>
     </a:lvl9pPr>
   </p:defaultTextStyle>
+  <p:extLst>
+    <p:ext uri="{EFAFB233-063F-42B5-8137-9DF3F51BA10A}">
+      <p15:sldGuideLst xmlns:p15="http://schemas.microsoft.com/office/powerpoint/2012/main"/>
+    </p:ext>
+  </p:extLst>
 </p:presentation>
 </file>
 
@@ -264,7 +288,7 @@
           <a:p>
             <a:fld id="{BFDCF865-813D-40F4-8A48-79E207196735}" type="datetimeFigureOut">
               <a:rPr lang="pt-PT" smtClean="0"/>
-              <a:t>28/10/2022</a:t>
+              <a:t>03/11/2022</a:t>
             </a:fld>
             <a:endParaRPr lang="pt-PT"/>
           </a:p>
@@ -462,7 +486,7 @@
           <a:p>
             <a:fld id="{BFDCF865-813D-40F4-8A48-79E207196735}" type="datetimeFigureOut">
               <a:rPr lang="pt-PT" smtClean="0"/>
-              <a:t>28/10/2022</a:t>
+              <a:t>03/11/2022</a:t>
             </a:fld>
             <a:endParaRPr lang="pt-PT"/>
           </a:p>
@@ -670,7 +694,7 @@
           <a:p>
             <a:fld id="{BFDCF865-813D-40F4-8A48-79E207196735}" type="datetimeFigureOut">
               <a:rPr lang="pt-PT" smtClean="0"/>
-              <a:t>28/10/2022</a:t>
+              <a:t>03/11/2022</a:t>
             </a:fld>
             <a:endParaRPr lang="pt-PT"/>
           </a:p>
@@ -868,7 +892,7 @@
           <a:p>
             <a:fld id="{BFDCF865-813D-40F4-8A48-79E207196735}" type="datetimeFigureOut">
               <a:rPr lang="pt-PT" smtClean="0"/>
-              <a:t>28/10/2022</a:t>
+              <a:t>03/11/2022</a:t>
             </a:fld>
             <a:endParaRPr lang="pt-PT"/>
           </a:p>
@@ -1143,7 +1167,7 @@
           <a:p>
             <a:fld id="{BFDCF865-813D-40F4-8A48-79E207196735}" type="datetimeFigureOut">
               <a:rPr lang="pt-PT" smtClean="0"/>
-              <a:t>28/10/2022</a:t>
+              <a:t>03/11/2022</a:t>
             </a:fld>
             <a:endParaRPr lang="pt-PT"/>
           </a:p>
@@ -1408,7 +1432,7 @@
           <a:p>
             <a:fld id="{BFDCF865-813D-40F4-8A48-79E207196735}" type="datetimeFigureOut">
               <a:rPr lang="pt-PT" smtClean="0"/>
-              <a:t>28/10/2022</a:t>
+              <a:t>03/11/2022</a:t>
             </a:fld>
             <a:endParaRPr lang="pt-PT"/>
           </a:p>
@@ -1820,7 +1844,7 @@
           <a:p>
             <a:fld id="{BFDCF865-813D-40F4-8A48-79E207196735}" type="datetimeFigureOut">
               <a:rPr lang="pt-PT" smtClean="0"/>
-              <a:t>28/10/2022</a:t>
+              <a:t>03/11/2022</a:t>
             </a:fld>
             <a:endParaRPr lang="pt-PT"/>
           </a:p>
@@ -1961,7 +1985,7 @@
           <a:p>
             <a:fld id="{BFDCF865-813D-40F4-8A48-79E207196735}" type="datetimeFigureOut">
               <a:rPr lang="pt-PT" smtClean="0"/>
-              <a:t>28/10/2022</a:t>
+              <a:t>03/11/2022</a:t>
             </a:fld>
             <a:endParaRPr lang="pt-PT"/>
           </a:p>
@@ -2074,7 +2098,7 @@
           <a:p>
             <a:fld id="{BFDCF865-813D-40F4-8A48-79E207196735}" type="datetimeFigureOut">
               <a:rPr lang="pt-PT" smtClean="0"/>
-              <a:t>28/10/2022</a:t>
+              <a:t>03/11/2022</a:t>
             </a:fld>
             <a:endParaRPr lang="pt-PT"/>
           </a:p>
@@ -2385,7 +2409,7 @@
           <a:p>
             <a:fld id="{BFDCF865-813D-40F4-8A48-79E207196735}" type="datetimeFigureOut">
               <a:rPr lang="pt-PT" smtClean="0"/>
-              <a:t>28/10/2022</a:t>
+              <a:t>03/11/2022</a:t>
             </a:fld>
             <a:endParaRPr lang="pt-PT"/>
           </a:p>
@@ -2673,7 +2697,7 @@
           <a:p>
             <a:fld id="{BFDCF865-813D-40F4-8A48-79E207196735}" type="datetimeFigureOut">
               <a:rPr lang="pt-PT" smtClean="0"/>
-              <a:t>28/10/2022</a:t>
+              <a:t>03/11/2022</a:t>
             </a:fld>
             <a:endParaRPr lang="pt-PT"/>
           </a:p>
@@ -2914,7 +2938,7 @@
           <a:p>
             <a:fld id="{BFDCF865-813D-40F4-8A48-79E207196735}" type="datetimeFigureOut">
               <a:rPr lang="pt-PT" smtClean="0"/>
-              <a:t>28/10/2022</a:t>
+              <a:t>03/11/2022</a:t>
             </a:fld>
             <a:endParaRPr lang="pt-PT"/>
           </a:p>
@@ -3317,6 +3341,14 @@
 <file path=ppt/slides/slide1.xml><?xml version="1.0" encoding="utf-8"?>
 <p:sld xmlns:a="http://schemas.openxmlformats.org/drawingml/2006/main" xmlns:r="http://schemas.openxmlformats.org/officeDocument/2006/relationships" xmlns:p="http://schemas.openxmlformats.org/presentationml/2006/main">
   <p:cSld>
+    <p:bg>
+      <p:bgPr>
+        <a:solidFill>
+          <a:schemeClr val="accent1"/>
+        </a:solidFill>
+        <a:effectLst/>
+      </p:bgPr>
+    </p:bg>
     <p:spTree>
       <p:nvGrpSpPr>
         <p:cNvPr id="1" name=""/>
@@ -3333,10 +3365,10 @@
       </p:grpSpPr>
       <p:pic>
         <p:nvPicPr>
-          <p:cNvPr id="7" name="Imagem 6">
-            <a:extLst>
-              <a:ext uri="{FF2B5EF4-FFF2-40B4-BE49-F238E27FC236}">
-                <a16:creationId xmlns:a16="http://schemas.microsoft.com/office/drawing/2014/main" id="{71A76C42-F75B-41DC-A416-1399B3D2E328}"/>
+          <p:cNvPr id="5" name="Imagem 4">
+            <a:extLst>
+              <a:ext uri="{FF2B5EF4-FFF2-40B4-BE49-F238E27FC236}">
+                <a16:creationId xmlns:a16="http://schemas.microsoft.com/office/drawing/2014/main" id="{6B00E2F6-B619-0369-8E57-25851AC881F0}"/>
               </a:ext>
             </a:extLst>
           </p:cNvPr>
@@ -3347,11 +3379,7 @@
         </p:nvPicPr>
         <p:blipFill>
           <a:blip r:embed="rId2">
-            <a:extLst>
-              <a:ext uri="{28A0092B-C50C-407E-A947-70E740481C1C}">
-                <a14:useLocalDpi xmlns:a14="http://schemas.microsoft.com/office/drawing/2010/main" val="0"/>
-              </a:ext>
-            </a:extLst>
+            <a:alphaModFix amt="50000"/>
           </a:blip>
           <a:stretch>
             <a:fillRect/>
@@ -3359,8 +3387,8 @@
         </p:blipFill>
         <p:spPr>
           <a:xfrm>
-            <a:off x="7019466" y="528145"/>
-            <a:ext cx="2145295" cy="5801710"/>
+            <a:off x="0" y="0"/>
+            <a:ext cx="12192000" cy="6855935"/>
           </a:xfrm>
           <a:prstGeom prst="rect">
             <a:avLst/>
@@ -3369,10 +3397,53 @@
       </p:pic>
       <p:sp>
         <p:nvSpPr>
-          <p:cNvPr id="8" name="Retângulo 7">
-            <a:extLst>
-              <a:ext uri="{FF2B5EF4-FFF2-40B4-BE49-F238E27FC236}">
-                <a16:creationId xmlns:a16="http://schemas.microsoft.com/office/drawing/2014/main" id="{F6941BB2-163C-44BC-BB17-BDCE14728A10}"/>
+          <p:cNvPr id="4" name="TextBox 3"/>
+          <p:cNvSpPr txBox="1"/>
+          <p:nvPr/>
+        </p:nvSpPr>
+        <p:spPr>
+          <a:xfrm>
+            <a:off x="282229" y="454544"/>
+            <a:ext cx="4200994" cy="553998"/>
+          </a:xfrm>
+          <a:prstGeom prst="rect">
+            <a:avLst/>
+          </a:prstGeom>
+          <a:noFill/>
+        </p:spPr>
+        <p:txBody>
+          <a:bodyPr wrap="square" rtlCol="0">
+            <a:spAutoFit/>
+          </a:bodyPr>
+          <a:lstStyle/>
+          <a:p>
+            <a:r>
+              <a:rPr lang="pt-PT" b="1" dirty="0">
+                <a:solidFill>
+                  <a:schemeClr val="bg1"/>
+                </a:solidFill>
+              </a:rPr>
+              <a:t>LINGUAGENS DE PROGRAMAÇÃO</a:t>
+            </a:r>
+          </a:p>
+          <a:p>
+            <a:r>
+              <a:rPr lang="pt-PT" sz="1200" dirty="0">
+                <a:solidFill>
+                  <a:schemeClr val="bg1"/>
+                </a:solidFill>
+              </a:rPr>
+              <a:t>ESCOLA PROFISSIONAL DE SALVATERRA DE MAGOS</a:t>
+            </a:r>
+          </a:p>
+        </p:txBody>
+      </p:sp>
+      <p:sp>
+        <p:nvSpPr>
+          <p:cNvPr id="7" name="Retângulo: Cantos Arredondados 6">
+            <a:extLst>
+              <a:ext uri="{FF2B5EF4-FFF2-40B4-BE49-F238E27FC236}">
+                <a16:creationId xmlns:a16="http://schemas.microsoft.com/office/drawing/2014/main" id="{37182AE2-D906-F323-AA8B-F69554A4278F}"/>
               </a:ext>
             </a:extLst>
           </p:cNvPr>
@@ -3380,13 +3451,18 @@
           <p:nvPr/>
         </p:nvSpPr>
         <p:spPr>
-          <a:xfrm>
-            <a:off x="0" y="0"/>
-            <a:ext cx="3247697" cy="6858000"/>
-          </a:xfrm>
-          <a:prstGeom prst="rect">
-            <a:avLst/>
-          </a:prstGeom>
+          <a:xfrm rot="18900000">
+            <a:off x="4414344" y="1746313"/>
+            <a:ext cx="3363310" cy="3363310"/>
+          </a:xfrm>
+          <a:prstGeom prst="roundRect">
+            <a:avLst>
+              <a:gd name="adj" fmla="val 14792"/>
+            </a:avLst>
+          </a:prstGeom>
+          <a:solidFill>
+            <a:schemeClr val="bg1"/>
+          </a:solidFill>
         </p:spPr>
         <p:style>
           <a:lnRef idx="2">
@@ -3409,54 +3485,44 @@
           <a:lstStyle/>
           <a:p>
             <a:pPr algn="ctr"/>
-            <a:endParaRPr lang="pt-PT" dirty="0"/>
-          </a:p>
-        </p:txBody>
-      </p:sp>
-      <p:sp>
-        <p:nvSpPr>
-          <p:cNvPr id="9" name="CaixaDeTexto 8">
-            <a:extLst>
-              <a:ext uri="{FF2B5EF4-FFF2-40B4-BE49-F238E27FC236}">
-                <a16:creationId xmlns:a16="http://schemas.microsoft.com/office/drawing/2014/main" id="{CC5477A7-B874-44B2-970F-630E9EAEDF7B}"/>
-              </a:ext>
-            </a:extLst>
-          </p:cNvPr>
-          <p:cNvSpPr txBox="1"/>
-          <p:nvPr/>
-        </p:nvSpPr>
-        <p:spPr>
-          <a:xfrm>
-            <a:off x="1531317" y="788275"/>
-            <a:ext cx="1495922" cy="707886"/>
-          </a:xfrm>
-          <a:prstGeom prst="rect">
-            <a:avLst/>
-          </a:prstGeom>
-          <a:noFill/>
-        </p:spPr>
-        <p:txBody>
-          <a:bodyPr wrap="none" rtlCol="0">
-            <a:spAutoFit/>
-          </a:bodyPr>
-          <a:lstStyle/>
-          <a:p>
-            <a:pPr algn="r"/>
-            <a:r>
-              <a:rPr lang="pt-PT" sz="4000" dirty="0">
-                <a:solidFill>
-                  <a:schemeClr val="bg1"/>
-                </a:solidFill>
-              </a:rPr>
-              <a:t>SOMA</a:t>
-            </a:r>
-          </a:p>
-        </p:txBody>
-      </p:sp>
+            <a:endParaRPr lang="en-GB"/>
+          </a:p>
+        </p:txBody>
+      </p:sp>
+      <p:pic>
+        <p:nvPicPr>
+          <p:cNvPr id="9" name="Imagem 8">
+            <a:extLst>
+              <a:ext uri="{FF2B5EF4-FFF2-40B4-BE49-F238E27FC236}">
+                <a16:creationId xmlns:a16="http://schemas.microsoft.com/office/drawing/2014/main" id="{AAF70AFF-C5EF-4DDE-54BF-C2E02B4F92A2}"/>
+              </a:ext>
+            </a:extLst>
+          </p:cNvPr>
+          <p:cNvPicPr>
+            <a:picLocks noChangeAspect="1"/>
+          </p:cNvPicPr>
+          <p:nvPr/>
+        </p:nvPicPr>
+        <p:blipFill>
+          <a:blip r:embed="rId3"/>
+          <a:stretch>
+            <a:fillRect/>
+          </a:stretch>
+        </p:blipFill>
+        <p:spPr>
+          <a:xfrm>
+            <a:off x="4904052" y="2454407"/>
+            <a:ext cx="2383896" cy="1949186"/>
+          </a:xfrm>
+          <a:prstGeom prst="rect">
+            <a:avLst/>
+          </a:prstGeom>
+        </p:spPr>
+      </p:pic>
     </p:spTree>
     <p:extLst>
       <p:ext uri="{BB962C8B-B14F-4D97-AF65-F5344CB8AC3E}">
-        <p14:creationId xmlns:p14="http://schemas.microsoft.com/office/powerpoint/2010/main" val="1063916429"/>
+        <p14:creationId xmlns:p14="http://schemas.microsoft.com/office/powerpoint/2010/main" val="1338570032"/>
       </p:ext>
     </p:extLst>
   </p:cSld>
@@ -3511,8 +3577,8 @@
         </p:blipFill>
         <p:spPr>
           <a:xfrm>
-            <a:off x="5551686" y="470265"/>
-            <a:ext cx="4617071" cy="5917469"/>
+            <a:off x="7019466" y="528145"/>
+            <a:ext cx="2145295" cy="5801710"/>
           </a:xfrm>
           <a:prstGeom prst="rect">
             <a:avLst/>
@@ -3521,10 +3587,10 @@
       </p:pic>
       <p:sp>
         <p:nvSpPr>
-          <p:cNvPr id="3" name="Retângulo 2">
-            <a:extLst>
-              <a:ext uri="{FF2B5EF4-FFF2-40B4-BE49-F238E27FC236}">
-                <a16:creationId xmlns:a16="http://schemas.microsoft.com/office/drawing/2014/main" id="{5B3DF94F-34C4-4CDD-A818-0135FD8CBA3A}"/>
+          <p:cNvPr id="8" name="Retângulo 7">
+            <a:extLst>
+              <a:ext uri="{FF2B5EF4-FFF2-40B4-BE49-F238E27FC236}">
+                <a16:creationId xmlns:a16="http://schemas.microsoft.com/office/drawing/2014/main" id="{F6941BB2-163C-44BC-BB17-BDCE14728A10}"/>
               </a:ext>
             </a:extLst>
           </p:cNvPr>
@@ -3567,10 +3633,10 @@
       </p:sp>
       <p:sp>
         <p:nvSpPr>
-          <p:cNvPr id="4" name="CaixaDeTexto 3">
-            <a:extLst>
-              <a:ext uri="{FF2B5EF4-FFF2-40B4-BE49-F238E27FC236}">
-                <a16:creationId xmlns:a16="http://schemas.microsoft.com/office/drawing/2014/main" id="{5B9D7D62-2AD0-498C-BB75-FE8E16B8E913}"/>
+          <p:cNvPr id="9" name="CaixaDeTexto 8">
+            <a:extLst>
+              <a:ext uri="{FF2B5EF4-FFF2-40B4-BE49-F238E27FC236}">
+                <a16:creationId xmlns:a16="http://schemas.microsoft.com/office/drawing/2014/main" id="{CC5477A7-B874-44B2-970F-630E9EAEDF7B}"/>
               </a:ext>
             </a:extLst>
           </p:cNvPr>
@@ -3579,8 +3645,8 @@
         </p:nvSpPr>
         <p:spPr>
           <a:xfrm>
-            <a:off x="1230466" y="788275"/>
-            <a:ext cx="1786066" cy="707886"/>
+            <a:off x="1531317" y="788275"/>
+            <a:ext cx="1495922" cy="707886"/>
           </a:xfrm>
           <a:prstGeom prst="rect">
             <a:avLst/>
@@ -3600,15 +3666,68 @@
                   <a:schemeClr val="bg1"/>
                 </a:solidFill>
               </a:rPr>
-              <a:t>MAZE 5</a:t>
-            </a:r>
+              <a:t>SOMA</a:t>
+            </a:r>
+          </a:p>
+        </p:txBody>
+      </p:sp>
+      <p:sp>
+        <p:nvSpPr>
+          <p:cNvPr id="2" name="CaixaDeTexto 1">
+            <a:extLst>
+              <a:ext uri="{FF2B5EF4-FFF2-40B4-BE49-F238E27FC236}">
+                <a16:creationId xmlns:a16="http://schemas.microsoft.com/office/drawing/2014/main" id="{5934AFDF-CEDB-66F5-D026-93E12F1D142E}"/>
+              </a:ext>
+            </a:extLst>
+          </p:cNvPr>
+          <p:cNvSpPr txBox="1"/>
+          <p:nvPr/>
+        </p:nvSpPr>
+        <p:spPr>
+          <a:xfrm>
+            <a:off x="258531" y="1496161"/>
+            <a:ext cx="2768708" cy="1028423"/>
+          </a:xfrm>
+          <a:prstGeom prst="rect">
+            <a:avLst/>
+          </a:prstGeom>
+          <a:noFill/>
+        </p:spPr>
+        <p:txBody>
+          <a:bodyPr wrap="square" rtlCol="0">
+            <a:spAutoFit/>
+          </a:bodyPr>
+          <a:lstStyle/>
+          <a:p>
+            <a:pPr algn="r">
+              <a:lnSpc>
+                <a:spcPct val="150000"/>
+              </a:lnSpc>
+            </a:pPr>
+            <a:r>
+              <a:rPr lang="pt-BR" sz="1400" dirty="0">
+                <a:solidFill>
+                  <a:schemeClr val="bg1">
+                    <a:lumMod val="95000"/>
+                  </a:schemeClr>
+                </a:solidFill>
+              </a:rPr>
+              <a:t>Desenha um algoritmo que permita receber dois numeros e mostrar a soma de ambos.</a:t>
+            </a:r>
+            <a:endParaRPr lang="pt-PT" sz="1400" dirty="0">
+              <a:solidFill>
+                <a:schemeClr val="bg1">
+                  <a:lumMod val="95000"/>
+                </a:schemeClr>
+              </a:solidFill>
+            </a:endParaRPr>
           </a:p>
         </p:txBody>
       </p:sp>
     </p:spTree>
     <p:extLst>
       <p:ext uri="{BB962C8B-B14F-4D97-AF65-F5344CB8AC3E}">
-        <p14:creationId xmlns:p14="http://schemas.microsoft.com/office/powerpoint/2010/main" val="2085432066"/>
+        <p14:creationId xmlns:p14="http://schemas.microsoft.com/office/powerpoint/2010/main" val="4048083675"/>
       </p:ext>
     </p:extLst>
   </p:cSld>
@@ -3663,8 +3782,8 @@
         </p:blipFill>
         <p:spPr>
           <a:xfrm>
-            <a:off x="4999892" y="556743"/>
-            <a:ext cx="6114797" cy="5744514"/>
+            <a:off x="4779014" y="788275"/>
+            <a:ext cx="6223568" cy="5432276"/>
           </a:xfrm>
           <a:prstGeom prst="rect">
             <a:avLst/>
@@ -3676,7 +3795,7 @@
           <p:cNvPr id="3" name="Retângulo 2">
             <a:extLst>
               <a:ext uri="{FF2B5EF4-FFF2-40B4-BE49-F238E27FC236}">
-                <a16:creationId xmlns:a16="http://schemas.microsoft.com/office/drawing/2014/main" id="{565E9407-2F11-40C1-8E59-CC9D455597F8}"/>
+                <a16:creationId xmlns:a16="http://schemas.microsoft.com/office/drawing/2014/main" id="{434D8558-887C-4E18-8929-06BEA9B0AEBD}"/>
               </a:ext>
             </a:extLst>
           </p:cNvPr>
@@ -3722,6 +3841,1461 @@
           <p:cNvPr id="4" name="CaixaDeTexto 3">
             <a:extLst>
               <a:ext uri="{FF2B5EF4-FFF2-40B4-BE49-F238E27FC236}">
+                <a16:creationId xmlns:a16="http://schemas.microsoft.com/office/drawing/2014/main" id="{6C31A331-7546-4193-B14E-D6397C31FDA4}"/>
+              </a:ext>
+            </a:extLst>
+          </p:cNvPr>
+          <p:cNvSpPr txBox="1"/>
+          <p:nvPr/>
+        </p:nvSpPr>
+        <p:spPr>
+          <a:xfrm>
+            <a:off x="1531317" y="788275"/>
+            <a:ext cx="1485215" cy="707886"/>
+          </a:xfrm>
+          <a:prstGeom prst="rect">
+            <a:avLst/>
+          </a:prstGeom>
+          <a:noFill/>
+        </p:spPr>
+        <p:txBody>
+          <a:bodyPr wrap="none" rtlCol="0">
+            <a:spAutoFit/>
+          </a:bodyPr>
+          <a:lstStyle/>
+          <a:p>
+            <a:pPr algn="r"/>
+            <a:r>
+              <a:rPr lang="pt-PT" sz="4000" dirty="0">
+                <a:solidFill>
+                  <a:schemeClr val="bg1"/>
+                </a:solidFill>
+              </a:rPr>
+              <a:t>IDADE</a:t>
+            </a:r>
+          </a:p>
+        </p:txBody>
+      </p:sp>
+      <p:sp>
+        <p:nvSpPr>
+          <p:cNvPr id="2" name="CaixaDeTexto 1">
+            <a:extLst>
+              <a:ext uri="{FF2B5EF4-FFF2-40B4-BE49-F238E27FC236}">
+                <a16:creationId xmlns:a16="http://schemas.microsoft.com/office/drawing/2014/main" id="{C6D51D78-FC78-6EF9-4646-2C2D84BD9C82}"/>
+              </a:ext>
+            </a:extLst>
+          </p:cNvPr>
+          <p:cNvSpPr txBox="1"/>
+          <p:nvPr/>
+        </p:nvSpPr>
+        <p:spPr>
+          <a:xfrm>
+            <a:off x="247824" y="1496161"/>
+            <a:ext cx="2768708" cy="1351588"/>
+          </a:xfrm>
+          <a:prstGeom prst="rect">
+            <a:avLst/>
+          </a:prstGeom>
+          <a:noFill/>
+        </p:spPr>
+        <p:txBody>
+          <a:bodyPr wrap="square" rtlCol="0">
+            <a:spAutoFit/>
+          </a:bodyPr>
+          <a:lstStyle/>
+          <a:p>
+            <a:pPr algn="r">
+              <a:lnSpc>
+                <a:spcPct val="150000"/>
+              </a:lnSpc>
+            </a:pPr>
+            <a:r>
+              <a:rPr lang="pt-BR" sz="1400" dirty="0">
+                <a:solidFill>
+                  <a:schemeClr val="bg1">
+                    <a:lumMod val="95000"/>
+                  </a:schemeClr>
+                </a:solidFill>
+              </a:rPr>
+              <a:t>Desenha um algoritmo que recebe uma idade e indica se essa mesma idade é de um jovem ou de um adulto.</a:t>
+            </a:r>
+            <a:endParaRPr lang="pt-PT" sz="1400" dirty="0">
+              <a:solidFill>
+                <a:schemeClr val="bg1">
+                  <a:lumMod val="95000"/>
+                </a:schemeClr>
+              </a:solidFill>
+            </a:endParaRPr>
+          </a:p>
+        </p:txBody>
+      </p:sp>
+    </p:spTree>
+    <p:extLst>
+      <p:ext uri="{BB962C8B-B14F-4D97-AF65-F5344CB8AC3E}">
+        <p14:creationId xmlns:p14="http://schemas.microsoft.com/office/powerpoint/2010/main" val="585264445"/>
+      </p:ext>
+    </p:extLst>
+  </p:cSld>
+  <p:clrMapOvr>
+    <a:masterClrMapping/>
+  </p:clrMapOvr>
+</p:sld>
+</file>
+
+<file path=ppt/slides/slide12.xml><?xml version="1.0" encoding="utf-8"?>
+<p:sld xmlns:a="http://schemas.openxmlformats.org/drawingml/2006/main" xmlns:r="http://schemas.openxmlformats.org/officeDocument/2006/relationships" xmlns:p="http://schemas.openxmlformats.org/presentationml/2006/main">
+  <p:cSld>
+    <p:spTree>
+      <p:nvGrpSpPr>
+        <p:cNvPr id="1" name=""/>
+        <p:cNvGrpSpPr/>
+        <p:nvPr/>
+      </p:nvGrpSpPr>
+      <p:grpSpPr>
+        <a:xfrm>
+          <a:off x="0" y="0"/>
+          <a:ext cx="0" cy="0"/>
+          <a:chOff x="0" y="0"/>
+          <a:chExt cx="0" cy="0"/>
+        </a:xfrm>
+      </p:grpSpPr>
+      <p:pic>
+        <p:nvPicPr>
+          <p:cNvPr id="7" name="Imagem 6">
+            <a:extLst>
+              <a:ext uri="{FF2B5EF4-FFF2-40B4-BE49-F238E27FC236}">
+                <a16:creationId xmlns:a16="http://schemas.microsoft.com/office/drawing/2014/main" id="{71A76C42-F75B-41DC-A416-1399B3D2E328}"/>
+              </a:ext>
+            </a:extLst>
+          </p:cNvPr>
+          <p:cNvPicPr>
+            <a:picLocks noChangeAspect="1"/>
+          </p:cNvPicPr>
+          <p:nvPr/>
+        </p:nvPicPr>
+        <p:blipFill>
+          <a:blip r:embed="rId2">
+            <a:extLst>
+              <a:ext uri="{28A0092B-C50C-407E-A947-70E740481C1C}">
+                <a14:useLocalDpi xmlns:a14="http://schemas.microsoft.com/office/drawing/2010/main" val="0"/>
+              </a:ext>
+            </a:extLst>
+          </a:blip>
+          <a:stretch>
+            <a:fillRect/>
+          </a:stretch>
+        </p:blipFill>
+        <p:spPr>
+          <a:xfrm>
+            <a:off x="9625793" y="2043542"/>
+            <a:ext cx="1996777" cy="2770912"/>
+          </a:xfrm>
+          <a:prstGeom prst="rect">
+            <a:avLst/>
+          </a:prstGeom>
+        </p:spPr>
+      </p:pic>
+      <p:sp>
+        <p:nvSpPr>
+          <p:cNvPr id="3" name="Retângulo 2">
+            <a:extLst>
+              <a:ext uri="{FF2B5EF4-FFF2-40B4-BE49-F238E27FC236}">
+                <a16:creationId xmlns:a16="http://schemas.microsoft.com/office/drawing/2014/main" id="{61DC775C-550C-4DE8-88DC-7975BAB46F72}"/>
+              </a:ext>
+            </a:extLst>
+          </p:cNvPr>
+          <p:cNvSpPr/>
+          <p:nvPr/>
+        </p:nvSpPr>
+        <p:spPr>
+          <a:xfrm>
+            <a:off x="0" y="0"/>
+            <a:ext cx="3247697" cy="6858000"/>
+          </a:xfrm>
+          <a:prstGeom prst="rect">
+            <a:avLst/>
+          </a:prstGeom>
+        </p:spPr>
+        <p:style>
+          <a:lnRef idx="2">
+            <a:schemeClr val="accent1">
+              <a:shade val="50000"/>
+            </a:schemeClr>
+          </a:lnRef>
+          <a:fillRef idx="1">
+            <a:schemeClr val="accent1"/>
+          </a:fillRef>
+          <a:effectRef idx="0">
+            <a:schemeClr val="accent1"/>
+          </a:effectRef>
+          <a:fontRef idx="minor">
+            <a:schemeClr val="lt1"/>
+          </a:fontRef>
+        </p:style>
+        <p:txBody>
+          <a:bodyPr rtlCol="0" anchor="ctr"/>
+          <a:lstStyle/>
+          <a:p>
+            <a:pPr algn="ctr"/>
+            <a:endParaRPr lang="pt-PT" dirty="0"/>
+          </a:p>
+        </p:txBody>
+      </p:sp>
+      <p:sp>
+        <p:nvSpPr>
+          <p:cNvPr id="4" name="CaixaDeTexto 3">
+            <a:extLst>
+              <a:ext uri="{FF2B5EF4-FFF2-40B4-BE49-F238E27FC236}">
+                <a16:creationId xmlns:a16="http://schemas.microsoft.com/office/drawing/2014/main" id="{7BC07592-3346-406E-AA01-6ED88FD65CCD}"/>
+              </a:ext>
+            </a:extLst>
+          </p:cNvPr>
+          <p:cNvSpPr txBox="1"/>
+          <p:nvPr/>
+        </p:nvSpPr>
+        <p:spPr>
+          <a:xfrm>
+            <a:off x="1230466" y="788275"/>
+            <a:ext cx="1786066" cy="707886"/>
+          </a:xfrm>
+          <a:prstGeom prst="rect">
+            <a:avLst/>
+          </a:prstGeom>
+          <a:noFill/>
+        </p:spPr>
+        <p:txBody>
+          <a:bodyPr wrap="none" rtlCol="0">
+            <a:spAutoFit/>
+          </a:bodyPr>
+          <a:lstStyle/>
+          <a:p>
+            <a:pPr algn="r"/>
+            <a:r>
+              <a:rPr lang="pt-PT" sz="4000" dirty="0">
+                <a:solidFill>
+                  <a:schemeClr val="bg1"/>
+                </a:solidFill>
+              </a:rPr>
+              <a:t>MAZE 1</a:t>
+            </a:r>
+          </a:p>
+        </p:txBody>
+      </p:sp>
+      <p:pic>
+        <p:nvPicPr>
+          <p:cNvPr id="5" name="Imagem 4">
+            <a:extLst>
+              <a:ext uri="{FF2B5EF4-FFF2-40B4-BE49-F238E27FC236}">
+                <a16:creationId xmlns:a16="http://schemas.microsoft.com/office/drawing/2014/main" id="{1FD19BEF-A28A-53F8-3869-C2E63BD832B4}"/>
+              </a:ext>
+            </a:extLst>
+          </p:cNvPr>
+          <p:cNvPicPr>
+            <a:picLocks noChangeAspect="1"/>
+          </p:cNvPicPr>
+          <p:nvPr/>
+        </p:nvPicPr>
+        <p:blipFill>
+          <a:blip r:embed="rId3"/>
+          <a:stretch>
+            <a:fillRect/>
+          </a:stretch>
+        </p:blipFill>
+        <p:spPr>
+          <a:xfrm>
+            <a:off x="3857971" y="2121720"/>
+            <a:ext cx="2588672" cy="2614558"/>
+          </a:xfrm>
+          <a:prstGeom prst="rect">
+            <a:avLst/>
+          </a:prstGeom>
+        </p:spPr>
+      </p:pic>
+      <p:pic>
+        <p:nvPicPr>
+          <p:cNvPr id="8" name="Imagem 7">
+            <a:extLst>
+              <a:ext uri="{FF2B5EF4-FFF2-40B4-BE49-F238E27FC236}">
+                <a16:creationId xmlns:a16="http://schemas.microsoft.com/office/drawing/2014/main" id="{1D9407A6-6F0B-6C5E-DD14-5B0A301AFE23}"/>
+              </a:ext>
+            </a:extLst>
+          </p:cNvPr>
+          <p:cNvPicPr>
+            <a:picLocks noChangeAspect="1"/>
+          </p:cNvPicPr>
+          <p:nvPr/>
+        </p:nvPicPr>
+        <p:blipFill>
+          <a:blip r:embed="rId4"/>
+          <a:stretch>
+            <a:fillRect/>
+          </a:stretch>
+        </p:blipFill>
+        <p:spPr>
+          <a:xfrm>
+            <a:off x="6963513" y="2957445"/>
+            <a:ext cx="2029108" cy="943107"/>
+          </a:xfrm>
+          <a:prstGeom prst="rect">
+            <a:avLst/>
+          </a:prstGeom>
+        </p:spPr>
+      </p:pic>
+      <p:sp>
+        <p:nvSpPr>
+          <p:cNvPr id="9" name="CaixaDeTexto 8">
+            <a:extLst>
+              <a:ext uri="{FF2B5EF4-FFF2-40B4-BE49-F238E27FC236}">
+                <a16:creationId xmlns:a16="http://schemas.microsoft.com/office/drawing/2014/main" id="{790816D7-506E-C11F-A403-68B723B82136}"/>
+              </a:ext>
+            </a:extLst>
+          </p:cNvPr>
+          <p:cNvSpPr txBox="1"/>
+          <p:nvPr/>
+        </p:nvSpPr>
+        <p:spPr>
+          <a:xfrm>
+            <a:off x="5506330" y="6152226"/>
+            <a:ext cx="4441152" cy="369332"/>
+          </a:xfrm>
+          <a:prstGeom prst="rect">
+            <a:avLst/>
+          </a:prstGeom>
+          <a:noFill/>
+        </p:spPr>
+        <p:txBody>
+          <a:bodyPr wrap="none" rtlCol="0">
+            <a:spAutoFit/>
+          </a:bodyPr>
+          <a:lstStyle/>
+          <a:p>
+            <a:r>
+              <a:rPr lang="en-GB" dirty="0">
+                <a:hlinkClick r:id="rId5"/>
+              </a:rPr>
+              <a:t>https://blockly.games/maze?lang=pt&amp;level=1</a:t>
+            </a:r>
+            <a:endParaRPr lang="en-GB" dirty="0"/>
+          </a:p>
+        </p:txBody>
+      </p:sp>
+    </p:spTree>
+    <p:extLst>
+      <p:ext uri="{BB962C8B-B14F-4D97-AF65-F5344CB8AC3E}">
+        <p14:creationId xmlns:p14="http://schemas.microsoft.com/office/powerpoint/2010/main" val="3618305838"/>
+      </p:ext>
+    </p:extLst>
+  </p:cSld>
+  <p:clrMapOvr>
+    <a:masterClrMapping/>
+  </p:clrMapOvr>
+</p:sld>
+</file>
+
+<file path=ppt/slides/slide13.xml><?xml version="1.0" encoding="utf-8"?>
+<p:sld xmlns:a="http://schemas.openxmlformats.org/drawingml/2006/main" xmlns:r="http://schemas.openxmlformats.org/officeDocument/2006/relationships" xmlns:p="http://schemas.openxmlformats.org/presentationml/2006/main">
+  <p:cSld>
+    <p:spTree>
+      <p:nvGrpSpPr>
+        <p:cNvPr id="1" name=""/>
+        <p:cNvGrpSpPr/>
+        <p:nvPr/>
+      </p:nvGrpSpPr>
+      <p:grpSpPr>
+        <a:xfrm>
+          <a:off x="0" y="0"/>
+          <a:ext cx="0" cy="0"/>
+          <a:chOff x="0" y="0"/>
+          <a:chExt cx="0" cy="0"/>
+        </a:xfrm>
+      </p:grpSpPr>
+      <p:pic>
+        <p:nvPicPr>
+          <p:cNvPr id="7" name="Imagem 6">
+            <a:extLst>
+              <a:ext uri="{FF2B5EF4-FFF2-40B4-BE49-F238E27FC236}">
+                <a16:creationId xmlns:a16="http://schemas.microsoft.com/office/drawing/2014/main" id="{71A76C42-F75B-41DC-A416-1399B3D2E328}"/>
+              </a:ext>
+            </a:extLst>
+          </p:cNvPr>
+          <p:cNvPicPr>
+            <a:picLocks noChangeAspect="1"/>
+          </p:cNvPicPr>
+          <p:nvPr/>
+        </p:nvPicPr>
+        <p:blipFill>
+          <a:blip r:embed="rId2">
+            <a:extLst>
+              <a:ext uri="{28A0092B-C50C-407E-A947-70E740481C1C}">
+                <a14:useLocalDpi xmlns:a14="http://schemas.microsoft.com/office/drawing/2010/main" val="0"/>
+              </a:ext>
+            </a:extLst>
+          </a:blip>
+          <a:stretch>
+            <a:fillRect/>
+          </a:stretch>
+        </p:blipFill>
+        <p:spPr>
+          <a:xfrm>
+            <a:off x="9664059" y="1030950"/>
+            <a:ext cx="1817609" cy="4636302"/>
+          </a:xfrm>
+          <a:prstGeom prst="rect">
+            <a:avLst/>
+          </a:prstGeom>
+        </p:spPr>
+      </p:pic>
+      <p:sp>
+        <p:nvSpPr>
+          <p:cNvPr id="3" name="Retângulo 2">
+            <a:extLst>
+              <a:ext uri="{FF2B5EF4-FFF2-40B4-BE49-F238E27FC236}">
+                <a16:creationId xmlns:a16="http://schemas.microsoft.com/office/drawing/2014/main" id="{002C2AD8-5C59-4CA9-AF8F-22A91B1F2841}"/>
+              </a:ext>
+            </a:extLst>
+          </p:cNvPr>
+          <p:cNvSpPr/>
+          <p:nvPr/>
+        </p:nvSpPr>
+        <p:spPr>
+          <a:xfrm>
+            <a:off x="0" y="0"/>
+            <a:ext cx="3247697" cy="6858000"/>
+          </a:xfrm>
+          <a:prstGeom prst="rect">
+            <a:avLst/>
+          </a:prstGeom>
+        </p:spPr>
+        <p:style>
+          <a:lnRef idx="2">
+            <a:schemeClr val="accent1">
+              <a:shade val="50000"/>
+            </a:schemeClr>
+          </a:lnRef>
+          <a:fillRef idx="1">
+            <a:schemeClr val="accent1"/>
+          </a:fillRef>
+          <a:effectRef idx="0">
+            <a:schemeClr val="accent1"/>
+          </a:effectRef>
+          <a:fontRef idx="minor">
+            <a:schemeClr val="lt1"/>
+          </a:fontRef>
+        </p:style>
+        <p:txBody>
+          <a:bodyPr rtlCol="0" anchor="ctr"/>
+          <a:lstStyle/>
+          <a:p>
+            <a:pPr algn="ctr"/>
+            <a:endParaRPr lang="pt-PT" dirty="0"/>
+          </a:p>
+        </p:txBody>
+      </p:sp>
+      <p:sp>
+        <p:nvSpPr>
+          <p:cNvPr id="4" name="CaixaDeTexto 3">
+            <a:extLst>
+              <a:ext uri="{FF2B5EF4-FFF2-40B4-BE49-F238E27FC236}">
+                <a16:creationId xmlns:a16="http://schemas.microsoft.com/office/drawing/2014/main" id="{B8AAE748-A093-42AD-B794-F1FC374EBD7F}"/>
+              </a:ext>
+            </a:extLst>
+          </p:cNvPr>
+          <p:cNvSpPr txBox="1"/>
+          <p:nvPr/>
+        </p:nvSpPr>
+        <p:spPr>
+          <a:xfrm>
+            <a:off x="1230466" y="788275"/>
+            <a:ext cx="1786066" cy="707886"/>
+          </a:xfrm>
+          <a:prstGeom prst="rect">
+            <a:avLst/>
+          </a:prstGeom>
+          <a:noFill/>
+        </p:spPr>
+        <p:txBody>
+          <a:bodyPr wrap="none" rtlCol="0">
+            <a:spAutoFit/>
+          </a:bodyPr>
+          <a:lstStyle/>
+          <a:p>
+            <a:pPr algn="r"/>
+            <a:r>
+              <a:rPr lang="pt-PT" sz="4000" dirty="0">
+                <a:solidFill>
+                  <a:schemeClr val="bg1"/>
+                </a:solidFill>
+              </a:rPr>
+              <a:t>MAZE 2</a:t>
+            </a:r>
+          </a:p>
+        </p:txBody>
+      </p:sp>
+      <p:pic>
+        <p:nvPicPr>
+          <p:cNvPr id="5" name="Imagem 4">
+            <a:extLst>
+              <a:ext uri="{FF2B5EF4-FFF2-40B4-BE49-F238E27FC236}">
+                <a16:creationId xmlns:a16="http://schemas.microsoft.com/office/drawing/2014/main" id="{D6D732F5-098E-A71B-3B55-F3570CD05C7C}"/>
+              </a:ext>
+            </a:extLst>
+          </p:cNvPr>
+          <p:cNvPicPr>
+            <a:picLocks noChangeAspect="1"/>
+          </p:cNvPicPr>
+          <p:nvPr/>
+        </p:nvPicPr>
+        <p:blipFill>
+          <a:blip r:embed="rId3"/>
+          <a:stretch>
+            <a:fillRect/>
+          </a:stretch>
+        </p:blipFill>
+        <p:spPr>
+          <a:xfrm>
+            <a:off x="3722969" y="1985415"/>
+            <a:ext cx="2551245" cy="2532063"/>
+          </a:xfrm>
+          <a:prstGeom prst="rect">
+            <a:avLst/>
+          </a:prstGeom>
+        </p:spPr>
+      </p:pic>
+      <p:pic>
+        <p:nvPicPr>
+          <p:cNvPr id="8" name="Imagem 7">
+            <a:extLst>
+              <a:ext uri="{FF2B5EF4-FFF2-40B4-BE49-F238E27FC236}">
+                <a16:creationId xmlns:a16="http://schemas.microsoft.com/office/drawing/2014/main" id="{832B100E-B143-997A-2792-F50BF0B2D3E4}"/>
+              </a:ext>
+            </a:extLst>
+          </p:cNvPr>
+          <p:cNvPicPr>
+            <a:picLocks noChangeAspect="1"/>
+          </p:cNvPicPr>
+          <p:nvPr/>
+        </p:nvPicPr>
+        <p:blipFill>
+          <a:blip r:embed="rId4"/>
+          <a:stretch>
+            <a:fillRect/>
+          </a:stretch>
+        </p:blipFill>
+        <p:spPr>
+          <a:xfrm>
+            <a:off x="6749486" y="2251181"/>
+            <a:ext cx="2591162" cy="2000529"/>
+          </a:xfrm>
+          <a:prstGeom prst="rect">
+            <a:avLst/>
+          </a:prstGeom>
+        </p:spPr>
+      </p:pic>
+      <p:sp>
+        <p:nvSpPr>
+          <p:cNvPr id="9" name="CaixaDeTexto 8">
+            <a:extLst>
+              <a:ext uri="{FF2B5EF4-FFF2-40B4-BE49-F238E27FC236}">
+                <a16:creationId xmlns:a16="http://schemas.microsoft.com/office/drawing/2014/main" id="{5ED45AB7-B004-DE1E-A73D-E07AAC7D7734}"/>
+              </a:ext>
+            </a:extLst>
+          </p:cNvPr>
+          <p:cNvSpPr txBox="1"/>
+          <p:nvPr/>
+        </p:nvSpPr>
+        <p:spPr>
+          <a:xfrm>
+            <a:off x="5506330" y="6152226"/>
+            <a:ext cx="4441152" cy="369332"/>
+          </a:xfrm>
+          <a:prstGeom prst="rect">
+            <a:avLst/>
+          </a:prstGeom>
+          <a:noFill/>
+        </p:spPr>
+        <p:txBody>
+          <a:bodyPr wrap="none" rtlCol="0">
+            <a:spAutoFit/>
+          </a:bodyPr>
+          <a:lstStyle/>
+          <a:p>
+            <a:r>
+              <a:rPr lang="en-GB" dirty="0">
+                <a:hlinkClick r:id="rId5"/>
+              </a:rPr>
+              <a:t>https://blockly.games/maze?lang=pt&amp;level=2</a:t>
+            </a:r>
+            <a:endParaRPr lang="en-GB" dirty="0"/>
+          </a:p>
+        </p:txBody>
+      </p:sp>
+    </p:spTree>
+    <p:extLst>
+      <p:ext uri="{BB962C8B-B14F-4D97-AF65-F5344CB8AC3E}">
+        <p14:creationId xmlns:p14="http://schemas.microsoft.com/office/powerpoint/2010/main" val="3267855121"/>
+      </p:ext>
+    </p:extLst>
+  </p:cSld>
+  <p:clrMapOvr>
+    <a:masterClrMapping/>
+  </p:clrMapOvr>
+</p:sld>
+</file>
+
+<file path=ppt/slides/slide14.xml><?xml version="1.0" encoding="utf-8"?>
+<p:sld xmlns:a="http://schemas.openxmlformats.org/drawingml/2006/main" xmlns:r="http://schemas.openxmlformats.org/officeDocument/2006/relationships" xmlns:p="http://schemas.openxmlformats.org/presentationml/2006/main">
+  <p:cSld>
+    <p:spTree>
+      <p:nvGrpSpPr>
+        <p:cNvPr id="1" name=""/>
+        <p:cNvGrpSpPr/>
+        <p:nvPr/>
+      </p:nvGrpSpPr>
+      <p:grpSpPr>
+        <a:xfrm>
+          <a:off x="0" y="0"/>
+          <a:ext cx="0" cy="0"/>
+          <a:chOff x="0" y="0"/>
+          <a:chExt cx="0" cy="0"/>
+        </a:xfrm>
+      </p:grpSpPr>
+      <p:pic>
+        <p:nvPicPr>
+          <p:cNvPr id="7" name="Imagem 6">
+            <a:extLst>
+              <a:ext uri="{FF2B5EF4-FFF2-40B4-BE49-F238E27FC236}">
+                <a16:creationId xmlns:a16="http://schemas.microsoft.com/office/drawing/2014/main" id="{71A76C42-F75B-41DC-A416-1399B3D2E328}"/>
+              </a:ext>
+            </a:extLst>
+          </p:cNvPr>
+          <p:cNvPicPr>
+            <a:picLocks noChangeAspect="1"/>
+          </p:cNvPicPr>
+          <p:nvPr/>
+        </p:nvPicPr>
+        <p:blipFill>
+          <a:blip r:embed="rId2">
+            <a:extLst>
+              <a:ext uri="{28A0092B-C50C-407E-A947-70E740481C1C}">
+                <a14:useLocalDpi xmlns:a14="http://schemas.microsoft.com/office/drawing/2010/main" val="0"/>
+              </a:ext>
+            </a:extLst>
+          </a:blip>
+          <a:stretch>
+            <a:fillRect/>
+          </a:stretch>
+        </p:blipFill>
+        <p:spPr>
+          <a:xfrm>
+            <a:off x="7430059" y="2504965"/>
+            <a:ext cx="4126881" cy="3070211"/>
+          </a:xfrm>
+          <a:prstGeom prst="rect">
+            <a:avLst/>
+          </a:prstGeom>
+        </p:spPr>
+      </p:pic>
+      <p:sp>
+        <p:nvSpPr>
+          <p:cNvPr id="3" name="Retângulo 2">
+            <a:extLst>
+              <a:ext uri="{FF2B5EF4-FFF2-40B4-BE49-F238E27FC236}">
+                <a16:creationId xmlns:a16="http://schemas.microsoft.com/office/drawing/2014/main" id="{69C67544-0726-45EE-8C8A-256C18C09390}"/>
+              </a:ext>
+            </a:extLst>
+          </p:cNvPr>
+          <p:cNvSpPr/>
+          <p:nvPr/>
+        </p:nvSpPr>
+        <p:spPr>
+          <a:xfrm>
+            <a:off x="0" y="0"/>
+            <a:ext cx="3247697" cy="6858000"/>
+          </a:xfrm>
+          <a:prstGeom prst="rect">
+            <a:avLst/>
+          </a:prstGeom>
+        </p:spPr>
+        <p:style>
+          <a:lnRef idx="2">
+            <a:schemeClr val="accent1">
+              <a:shade val="50000"/>
+            </a:schemeClr>
+          </a:lnRef>
+          <a:fillRef idx="1">
+            <a:schemeClr val="accent1"/>
+          </a:fillRef>
+          <a:effectRef idx="0">
+            <a:schemeClr val="accent1"/>
+          </a:effectRef>
+          <a:fontRef idx="minor">
+            <a:schemeClr val="lt1"/>
+          </a:fontRef>
+        </p:style>
+        <p:txBody>
+          <a:bodyPr rtlCol="0" anchor="ctr"/>
+          <a:lstStyle/>
+          <a:p>
+            <a:pPr algn="ctr"/>
+            <a:endParaRPr lang="pt-PT" dirty="0"/>
+          </a:p>
+        </p:txBody>
+      </p:sp>
+      <p:sp>
+        <p:nvSpPr>
+          <p:cNvPr id="4" name="CaixaDeTexto 3">
+            <a:extLst>
+              <a:ext uri="{FF2B5EF4-FFF2-40B4-BE49-F238E27FC236}">
+                <a16:creationId xmlns:a16="http://schemas.microsoft.com/office/drawing/2014/main" id="{C834E58C-66C5-445B-B90A-64A730CECB94}"/>
+              </a:ext>
+            </a:extLst>
+          </p:cNvPr>
+          <p:cNvSpPr txBox="1"/>
+          <p:nvPr/>
+        </p:nvSpPr>
+        <p:spPr>
+          <a:xfrm>
+            <a:off x="1230466" y="788275"/>
+            <a:ext cx="1786066" cy="707886"/>
+          </a:xfrm>
+          <a:prstGeom prst="rect">
+            <a:avLst/>
+          </a:prstGeom>
+          <a:noFill/>
+        </p:spPr>
+        <p:txBody>
+          <a:bodyPr wrap="none" rtlCol="0">
+            <a:spAutoFit/>
+          </a:bodyPr>
+          <a:lstStyle/>
+          <a:p>
+            <a:pPr algn="r"/>
+            <a:r>
+              <a:rPr lang="pt-PT" sz="4000" dirty="0">
+                <a:solidFill>
+                  <a:schemeClr val="bg1"/>
+                </a:solidFill>
+              </a:rPr>
+              <a:t>MAZE 3</a:t>
+            </a:r>
+          </a:p>
+        </p:txBody>
+      </p:sp>
+      <p:sp>
+        <p:nvSpPr>
+          <p:cNvPr id="2" name="CaixaDeTexto 1">
+            <a:extLst>
+              <a:ext uri="{FF2B5EF4-FFF2-40B4-BE49-F238E27FC236}">
+                <a16:creationId xmlns:a16="http://schemas.microsoft.com/office/drawing/2014/main" id="{7F63758A-A336-932D-9A8C-38361E6AE321}"/>
+              </a:ext>
+            </a:extLst>
+          </p:cNvPr>
+          <p:cNvSpPr txBox="1"/>
+          <p:nvPr/>
+        </p:nvSpPr>
+        <p:spPr>
+          <a:xfrm>
+            <a:off x="5506330" y="6152226"/>
+            <a:ext cx="4441152" cy="369332"/>
+          </a:xfrm>
+          <a:prstGeom prst="rect">
+            <a:avLst/>
+          </a:prstGeom>
+          <a:noFill/>
+        </p:spPr>
+        <p:txBody>
+          <a:bodyPr wrap="none" rtlCol="0">
+            <a:spAutoFit/>
+          </a:bodyPr>
+          <a:lstStyle/>
+          <a:p>
+            <a:r>
+              <a:rPr lang="en-GB" dirty="0">
+                <a:hlinkClick r:id="rId3"/>
+              </a:rPr>
+              <a:t>https://blockly.games/maze?lang=pt&amp;level=3</a:t>
+            </a:r>
+            <a:endParaRPr lang="en-GB" dirty="0"/>
+          </a:p>
+        </p:txBody>
+      </p:sp>
+      <p:pic>
+        <p:nvPicPr>
+          <p:cNvPr id="6" name="Imagem 5">
+            <a:extLst>
+              <a:ext uri="{FF2B5EF4-FFF2-40B4-BE49-F238E27FC236}">
+                <a16:creationId xmlns:a16="http://schemas.microsoft.com/office/drawing/2014/main" id="{B0A64251-792F-56CC-A1A6-F0082A04FA82}"/>
+              </a:ext>
+            </a:extLst>
+          </p:cNvPr>
+          <p:cNvPicPr>
+            <a:picLocks noChangeAspect="1"/>
+          </p:cNvPicPr>
+          <p:nvPr/>
+        </p:nvPicPr>
+        <p:blipFill>
+          <a:blip r:embed="rId4"/>
+          <a:stretch>
+            <a:fillRect/>
+          </a:stretch>
+        </p:blipFill>
+        <p:spPr>
+          <a:xfrm>
+            <a:off x="3831288" y="1963803"/>
+            <a:ext cx="2915741" cy="2930394"/>
+          </a:xfrm>
+          <a:prstGeom prst="rect">
+            <a:avLst/>
+          </a:prstGeom>
+        </p:spPr>
+      </p:pic>
+      <p:pic>
+        <p:nvPicPr>
+          <p:cNvPr id="9" name="Imagem 8">
+            <a:extLst>
+              <a:ext uri="{FF2B5EF4-FFF2-40B4-BE49-F238E27FC236}">
+                <a16:creationId xmlns:a16="http://schemas.microsoft.com/office/drawing/2014/main" id="{0661E6A2-1F8E-4E50-3FF9-AD9644A014E4}"/>
+              </a:ext>
+            </a:extLst>
+          </p:cNvPr>
+          <p:cNvPicPr>
+            <a:picLocks noChangeAspect="1"/>
+          </p:cNvPicPr>
+          <p:nvPr/>
+        </p:nvPicPr>
+        <p:blipFill>
+          <a:blip r:embed="rId5"/>
+          <a:stretch>
+            <a:fillRect/>
+          </a:stretch>
+        </p:blipFill>
+        <p:spPr>
+          <a:xfrm>
+            <a:off x="7391098" y="479394"/>
+            <a:ext cx="3759319" cy="1601443"/>
+          </a:xfrm>
+          <a:prstGeom prst="rect">
+            <a:avLst/>
+          </a:prstGeom>
+        </p:spPr>
+      </p:pic>
+    </p:spTree>
+    <p:extLst>
+      <p:ext uri="{BB962C8B-B14F-4D97-AF65-F5344CB8AC3E}">
+        <p14:creationId xmlns:p14="http://schemas.microsoft.com/office/powerpoint/2010/main" val="4260068151"/>
+      </p:ext>
+    </p:extLst>
+  </p:cSld>
+  <p:clrMapOvr>
+    <a:masterClrMapping/>
+  </p:clrMapOvr>
+</p:sld>
+</file>
+
+<file path=ppt/slides/slide15.xml><?xml version="1.0" encoding="utf-8"?>
+<p:sld xmlns:a="http://schemas.openxmlformats.org/drawingml/2006/main" xmlns:r="http://schemas.openxmlformats.org/officeDocument/2006/relationships" xmlns:p="http://schemas.openxmlformats.org/presentationml/2006/main">
+  <p:cSld>
+    <p:spTree>
+      <p:nvGrpSpPr>
+        <p:cNvPr id="1" name=""/>
+        <p:cNvGrpSpPr/>
+        <p:nvPr/>
+      </p:nvGrpSpPr>
+      <p:grpSpPr>
+        <a:xfrm>
+          <a:off x="0" y="0"/>
+          <a:ext cx="0" cy="0"/>
+          <a:chOff x="0" y="0"/>
+          <a:chExt cx="0" cy="0"/>
+        </a:xfrm>
+      </p:grpSpPr>
+      <p:pic>
+        <p:nvPicPr>
+          <p:cNvPr id="7" name="Imagem 6">
+            <a:extLst>
+              <a:ext uri="{FF2B5EF4-FFF2-40B4-BE49-F238E27FC236}">
+                <a16:creationId xmlns:a16="http://schemas.microsoft.com/office/drawing/2014/main" id="{71A76C42-F75B-41DC-A416-1399B3D2E328}"/>
+              </a:ext>
+            </a:extLst>
+          </p:cNvPr>
+          <p:cNvPicPr>
+            <a:picLocks noChangeAspect="1"/>
+          </p:cNvPicPr>
+          <p:nvPr/>
+        </p:nvPicPr>
+        <p:blipFill>
+          <a:blip r:embed="rId2">
+            <a:extLst>
+              <a:ext uri="{28A0092B-C50C-407E-A947-70E740481C1C}">
+                <a14:useLocalDpi xmlns:a14="http://schemas.microsoft.com/office/drawing/2010/main" val="0"/>
+              </a:ext>
+            </a:extLst>
+          </a:blip>
+          <a:stretch>
+            <a:fillRect/>
+          </a:stretch>
+        </p:blipFill>
+        <p:spPr>
+          <a:xfrm>
+            <a:off x="8078906" y="1072933"/>
+            <a:ext cx="3528964" cy="4522899"/>
+          </a:xfrm>
+          <a:prstGeom prst="rect">
+            <a:avLst/>
+          </a:prstGeom>
+        </p:spPr>
+      </p:pic>
+      <p:sp>
+        <p:nvSpPr>
+          <p:cNvPr id="3" name="Retângulo 2">
+            <a:extLst>
+              <a:ext uri="{FF2B5EF4-FFF2-40B4-BE49-F238E27FC236}">
+                <a16:creationId xmlns:a16="http://schemas.microsoft.com/office/drawing/2014/main" id="{D8EA5D82-17F3-46E5-B477-815603C807B0}"/>
+              </a:ext>
+            </a:extLst>
+          </p:cNvPr>
+          <p:cNvSpPr/>
+          <p:nvPr/>
+        </p:nvSpPr>
+        <p:spPr>
+          <a:xfrm>
+            <a:off x="0" y="0"/>
+            <a:ext cx="3247697" cy="6858000"/>
+          </a:xfrm>
+          <a:prstGeom prst="rect">
+            <a:avLst/>
+          </a:prstGeom>
+        </p:spPr>
+        <p:style>
+          <a:lnRef idx="2">
+            <a:schemeClr val="accent1">
+              <a:shade val="50000"/>
+            </a:schemeClr>
+          </a:lnRef>
+          <a:fillRef idx="1">
+            <a:schemeClr val="accent1"/>
+          </a:fillRef>
+          <a:effectRef idx="0">
+            <a:schemeClr val="accent1"/>
+          </a:effectRef>
+          <a:fontRef idx="minor">
+            <a:schemeClr val="lt1"/>
+          </a:fontRef>
+        </p:style>
+        <p:txBody>
+          <a:bodyPr rtlCol="0" anchor="ctr"/>
+          <a:lstStyle/>
+          <a:p>
+            <a:pPr algn="ctr"/>
+            <a:endParaRPr lang="pt-PT" dirty="0"/>
+          </a:p>
+        </p:txBody>
+      </p:sp>
+      <p:sp>
+        <p:nvSpPr>
+          <p:cNvPr id="4" name="CaixaDeTexto 3">
+            <a:extLst>
+              <a:ext uri="{FF2B5EF4-FFF2-40B4-BE49-F238E27FC236}">
+                <a16:creationId xmlns:a16="http://schemas.microsoft.com/office/drawing/2014/main" id="{4AADB2BB-AC53-4CE1-A7E5-3E2473B5A70F}"/>
+              </a:ext>
+            </a:extLst>
+          </p:cNvPr>
+          <p:cNvSpPr txBox="1"/>
+          <p:nvPr/>
+        </p:nvSpPr>
+        <p:spPr>
+          <a:xfrm>
+            <a:off x="1230466" y="788275"/>
+            <a:ext cx="1786066" cy="707886"/>
+          </a:xfrm>
+          <a:prstGeom prst="rect">
+            <a:avLst/>
+          </a:prstGeom>
+          <a:noFill/>
+        </p:spPr>
+        <p:txBody>
+          <a:bodyPr wrap="none" rtlCol="0">
+            <a:spAutoFit/>
+          </a:bodyPr>
+          <a:lstStyle/>
+          <a:p>
+            <a:pPr algn="r"/>
+            <a:r>
+              <a:rPr lang="pt-PT" sz="4000" dirty="0">
+                <a:solidFill>
+                  <a:schemeClr val="bg1"/>
+                </a:solidFill>
+              </a:rPr>
+              <a:t>MAZE 4</a:t>
+            </a:r>
+          </a:p>
+        </p:txBody>
+      </p:sp>
+      <p:pic>
+        <p:nvPicPr>
+          <p:cNvPr id="5" name="Imagem 4">
+            <a:extLst>
+              <a:ext uri="{FF2B5EF4-FFF2-40B4-BE49-F238E27FC236}">
+                <a16:creationId xmlns:a16="http://schemas.microsoft.com/office/drawing/2014/main" id="{EF574EC7-B2CE-C872-DBBC-3A120CA54D6F}"/>
+              </a:ext>
+            </a:extLst>
+          </p:cNvPr>
+          <p:cNvPicPr>
+            <a:picLocks noChangeAspect="1"/>
+          </p:cNvPicPr>
+          <p:nvPr/>
+        </p:nvPicPr>
+        <p:blipFill>
+          <a:blip r:embed="rId3"/>
+          <a:stretch>
+            <a:fillRect/>
+          </a:stretch>
+        </p:blipFill>
+        <p:spPr>
+          <a:xfrm>
+            <a:off x="4375605" y="752518"/>
+            <a:ext cx="2575393" cy="2581864"/>
+          </a:xfrm>
+          <a:prstGeom prst="rect">
+            <a:avLst/>
+          </a:prstGeom>
+        </p:spPr>
+      </p:pic>
+      <p:pic>
+        <p:nvPicPr>
+          <p:cNvPr id="8" name="Imagem 7">
+            <a:extLst>
+              <a:ext uri="{FF2B5EF4-FFF2-40B4-BE49-F238E27FC236}">
+                <a16:creationId xmlns:a16="http://schemas.microsoft.com/office/drawing/2014/main" id="{9F58959A-963B-FBDF-4580-A5125ACF5034}"/>
+              </a:ext>
+            </a:extLst>
+          </p:cNvPr>
+          <p:cNvPicPr>
+            <a:picLocks noChangeAspect="1"/>
+          </p:cNvPicPr>
+          <p:nvPr/>
+        </p:nvPicPr>
+        <p:blipFill>
+          <a:blip r:embed="rId4"/>
+          <a:stretch>
+            <a:fillRect/>
+          </a:stretch>
+        </p:blipFill>
+        <p:spPr>
+          <a:xfrm>
+            <a:off x="4375605" y="4019135"/>
+            <a:ext cx="3010320" cy="1962424"/>
+          </a:xfrm>
+          <a:prstGeom prst="rect">
+            <a:avLst/>
+          </a:prstGeom>
+        </p:spPr>
+      </p:pic>
+      <p:sp>
+        <p:nvSpPr>
+          <p:cNvPr id="9" name="CaixaDeTexto 8">
+            <a:extLst>
+              <a:ext uri="{FF2B5EF4-FFF2-40B4-BE49-F238E27FC236}">
+                <a16:creationId xmlns:a16="http://schemas.microsoft.com/office/drawing/2014/main" id="{A186E500-2822-1CE7-33BA-0246C827AF40}"/>
+              </a:ext>
+            </a:extLst>
+          </p:cNvPr>
+          <p:cNvSpPr txBox="1"/>
+          <p:nvPr/>
+        </p:nvSpPr>
+        <p:spPr>
+          <a:xfrm>
+            <a:off x="5506330" y="6152226"/>
+            <a:ext cx="4441152" cy="369332"/>
+          </a:xfrm>
+          <a:prstGeom prst="rect">
+            <a:avLst/>
+          </a:prstGeom>
+          <a:noFill/>
+        </p:spPr>
+        <p:txBody>
+          <a:bodyPr wrap="none" rtlCol="0">
+            <a:spAutoFit/>
+          </a:bodyPr>
+          <a:lstStyle/>
+          <a:p>
+            <a:r>
+              <a:rPr lang="en-GB" dirty="0">
+                <a:hlinkClick r:id="rId5"/>
+              </a:rPr>
+              <a:t>https://blockly.games/maze?lang=pt&amp;level=4</a:t>
+            </a:r>
+            <a:endParaRPr lang="en-GB" dirty="0"/>
+          </a:p>
+        </p:txBody>
+      </p:sp>
+    </p:spTree>
+    <p:extLst>
+      <p:ext uri="{BB962C8B-B14F-4D97-AF65-F5344CB8AC3E}">
+        <p14:creationId xmlns:p14="http://schemas.microsoft.com/office/powerpoint/2010/main" val="1941665871"/>
+      </p:ext>
+    </p:extLst>
+  </p:cSld>
+  <p:clrMapOvr>
+    <a:masterClrMapping/>
+  </p:clrMapOvr>
+</p:sld>
+</file>
+
+<file path=ppt/slides/slide16.xml><?xml version="1.0" encoding="utf-8"?>
+<p:sld xmlns:a="http://schemas.openxmlformats.org/drawingml/2006/main" xmlns:r="http://schemas.openxmlformats.org/officeDocument/2006/relationships" xmlns:p="http://schemas.openxmlformats.org/presentationml/2006/main">
+  <p:cSld>
+    <p:spTree>
+      <p:nvGrpSpPr>
+        <p:cNvPr id="1" name=""/>
+        <p:cNvGrpSpPr/>
+        <p:nvPr/>
+      </p:nvGrpSpPr>
+      <p:grpSpPr>
+        <a:xfrm>
+          <a:off x="0" y="0"/>
+          <a:ext cx="0" cy="0"/>
+          <a:chOff x="0" y="0"/>
+          <a:chExt cx="0" cy="0"/>
+        </a:xfrm>
+      </p:grpSpPr>
+      <p:pic>
+        <p:nvPicPr>
+          <p:cNvPr id="7" name="Imagem 6">
+            <a:extLst>
+              <a:ext uri="{FF2B5EF4-FFF2-40B4-BE49-F238E27FC236}">
+                <a16:creationId xmlns:a16="http://schemas.microsoft.com/office/drawing/2014/main" id="{71A76C42-F75B-41DC-A416-1399B3D2E328}"/>
+              </a:ext>
+            </a:extLst>
+          </p:cNvPr>
+          <p:cNvPicPr>
+            <a:picLocks noChangeAspect="1"/>
+          </p:cNvPicPr>
+          <p:nvPr/>
+        </p:nvPicPr>
+        <p:blipFill>
+          <a:blip r:embed="rId2">
+            <a:extLst>
+              <a:ext uri="{28A0092B-C50C-407E-A947-70E740481C1C}">
+                <a14:useLocalDpi xmlns:a14="http://schemas.microsoft.com/office/drawing/2010/main" val="0"/>
+              </a:ext>
+            </a:extLst>
+          </a:blip>
+          <a:stretch>
+            <a:fillRect/>
+          </a:stretch>
+        </p:blipFill>
+        <p:spPr>
+          <a:xfrm>
+            <a:off x="7926622" y="561640"/>
+            <a:ext cx="3795659" cy="4864707"/>
+          </a:xfrm>
+          <a:prstGeom prst="rect">
+            <a:avLst/>
+          </a:prstGeom>
+        </p:spPr>
+      </p:pic>
+      <p:sp>
+        <p:nvSpPr>
+          <p:cNvPr id="3" name="Retângulo 2">
+            <a:extLst>
+              <a:ext uri="{FF2B5EF4-FFF2-40B4-BE49-F238E27FC236}">
+                <a16:creationId xmlns:a16="http://schemas.microsoft.com/office/drawing/2014/main" id="{5B3DF94F-34C4-4CDD-A818-0135FD8CBA3A}"/>
+              </a:ext>
+            </a:extLst>
+          </p:cNvPr>
+          <p:cNvSpPr/>
+          <p:nvPr/>
+        </p:nvSpPr>
+        <p:spPr>
+          <a:xfrm>
+            <a:off x="0" y="0"/>
+            <a:ext cx="3247697" cy="6858000"/>
+          </a:xfrm>
+          <a:prstGeom prst="rect">
+            <a:avLst/>
+          </a:prstGeom>
+        </p:spPr>
+        <p:style>
+          <a:lnRef idx="2">
+            <a:schemeClr val="accent1">
+              <a:shade val="50000"/>
+            </a:schemeClr>
+          </a:lnRef>
+          <a:fillRef idx="1">
+            <a:schemeClr val="accent1"/>
+          </a:fillRef>
+          <a:effectRef idx="0">
+            <a:schemeClr val="accent1"/>
+          </a:effectRef>
+          <a:fontRef idx="minor">
+            <a:schemeClr val="lt1"/>
+          </a:fontRef>
+        </p:style>
+        <p:txBody>
+          <a:bodyPr rtlCol="0" anchor="ctr"/>
+          <a:lstStyle/>
+          <a:p>
+            <a:pPr algn="ctr"/>
+            <a:endParaRPr lang="pt-PT" dirty="0"/>
+          </a:p>
+        </p:txBody>
+      </p:sp>
+      <p:sp>
+        <p:nvSpPr>
+          <p:cNvPr id="4" name="CaixaDeTexto 3">
+            <a:extLst>
+              <a:ext uri="{FF2B5EF4-FFF2-40B4-BE49-F238E27FC236}">
+                <a16:creationId xmlns:a16="http://schemas.microsoft.com/office/drawing/2014/main" id="{5B9D7D62-2AD0-498C-BB75-FE8E16B8E913}"/>
+              </a:ext>
+            </a:extLst>
+          </p:cNvPr>
+          <p:cNvSpPr txBox="1"/>
+          <p:nvPr/>
+        </p:nvSpPr>
+        <p:spPr>
+          <a:xfrm>
+            <a:off x="1230466" y="788275"/>
+            <a:ext cx="1786066" cy="707886"/>
+          </a:xfrm>
+          <a:prstGeom prst="rect">
+            <a:avLst/>
+          </a:prstGeom>
+          <a:noFill/>
+        </p:spPr>
+        <p:txBody>
+          <a:bodyPr wrap="none" rtlCol="0">
+            <a:spAutoFit/>
+          </a:bodyPr>
+          <a:lstStyle/>
+          <a:p>
+            <a:pPr algn="r"/>
+            <a:r>
+              <a:rPr lang="pt-PT" sz="4000" dirty="0">
+                <a:solidFill>
+                  <a:schemeClr val="bg1"/>
+                </a:solidFill>
+              </a:rPr>
+              <a:t>MAZE 5</a:t>
+            </a:r>
+          </a:p>
+        </p:txBody>
+      </p:sp>
+      <p:pic>
+        <p:nvPicPr>
+          <p:cNvPr id="5" name="Imagem 4">
+            <a:extLst>
+              <a:ext uri="{FF2B5EF4-FFF2-40B4-BE49-F238E27FC236}">
+                <a16:creationId xmlns:a16="http://schemas.microsoft.com/office/drawing/2014/main" id="{B7195E94-047E-6DF4-78B8-FDEF22BE4A6E}"/>
+              </a:ext>
+            </a:extLst>
+          </p:cNvPr>
+          <p:cNvPicPr>
+            <a:picLocks noChangeAspect="1"/>
+          </p:cNvPicPr>
+          <p:nvPr/>
+        </p:nvPicPr>
+        <p:blipFill>
+          <a:blip r:embed="rId3"/>
+          <a:stretch>
+            <a:fillRect/>
+          </a:stretch>
+        </p:blipFill>
+        <p:spPr>
+          <a:xfrm>
+            <a:off x="4190537" y="336442"/>
+            <a:ext cx="2929157" cy="2936480"/>
+          </a:xfrm>
+          <a:prstGeom prst="rect">
+            <a:avLst/>
+          </a:prstGeom>
+        </p:spPr>
+      </p:pic>
+      <p:pic>
+        <p:nvPicPr>
+          <p:cNvPr id="8" name="Imagem 7">
+            <a:extLst>
+              <a:ext uri="{FF2B5EF4-FFF2-40B4-BE49-F238E27FC236}">
+                <a16:creationId xmlns:a16="http://schemas.microsoft.com/office/drawing/2014/main" id="{13C427DF-6486-6E06-9611-0F9F3951603F}"/>
+              </a:ext>
+            </a:extLst>
+          </p:cNvPr>
+          <p:cNvPicPr>
+            <a:picLocks noChangeAspect="1"/>
+          </p:cNvPicPr>
+          <p:nvPr/>
+        </p:nvPicPr>
+        <p:blipFill>
+          <a:blip r:embed="rId4"/>
+          <a:stretch>
+            <a:fillRect/>
+          </a:stretch>
+        </p:blipFill>
+        <p:spPr>
+          <a:xfrm>
+            <a:off x="4190537" y="3585079"/>
+            <a:ext cx="3272468" cy="2579045"/>
+          </a:xfrm>
+          <a:prstGeom prst="rect">
+            <a:avLst/>
+          </a:prstGeom>
+        </p:spPr>
+      </p:pic>
+      <p:sp>
+        <p:nvSpPr>
+          <p:cNvPr id="9" name="CaixaDeTexto 8">
+            <a:extLst>
+              <a:ext uri="{FF2B5EF4-FFF2-40B4-BE49-F238E27FC236}">
+                <a16:creationId xmlns:a16="http://schemas.microsoft.com/office/drawing/2014/main" id="{C70937D6-3344-3AD7-7022-126065BB0550}"/>
+              </a:ext>
+            </a:extLst>
+          </p:cNvPr>
+          <p:cNvSpPr txBox="1"/>
+          <p:nvPr/>
+        </p:nvSpPr>
+        <p:spPr>
+          <a:xfrm>
+            <a:off x="5506330" y="6152226"/>
+            <a:ext cx="4441152" cy="369332"/>
+          </a:xfrm>
+          <a:prstGeom prst="rect">
+            <a:avLst/>
+          </a:prstGeom>
+          <a:noFill/>
+        </p:spPr>
+        <p:txBody>
+          <a:bodyPr wrap="none" rtlCol="0">
+            <a:spAutoFit/>
+          </a:bodyPr>
+          <a:lstStyle/>
+          <a:p>
+            <a:r>
+              <a:rPr lang="en-GB" dirty="0">
+                <a:hlinkClick r:id="rId5"/>
+              </a:rPr>
+              <a:t>https://blockly.games/maze?lang=pt&amp;level=5</a:t>
+            </a:r>
+            <a:endParaRPr lang="en-GB" dirty="0"/>
+          </a:p>
+        </p:txBody>
+      </p:sp>
+    </p:spTree>
+    <p:extLst>
+      <p:ext uri="{BB962C8B-B14F-4D97-AF65-F5344CB8AC3E}">
+        <p14:creationId xmlns:p14="http://schemas.microsoft.com/office/powerpoint/2010/main" val="2085432066"/>
+      </p:ext>
+    </p:extLst>
+  </p:cSld>
+  <p:clrMapOvr>
+    <a:masterClrMapping/>
+  </p:clrMapOvr>
+</p:sld>
+</file>
+
+<file path=ppt/slides/slide17.xml><?xml version="1.0" encoding="utf-8"?>
+<p:sld xmlns:a="http://schemas.openxmlformats.org/drawingml/2006/main" xmlns:r="http://schemas.openxmlformats.org/officeDocument/2006/relationships" xmlns:p="http://schemas.openxmlformats.org/presentationml/2006/main">
+  <p:cSld>
+    <p:spTree>
+      <p:nvGrpSpPr>
+        <p:cNvPr id="1" name=""/>
+        <p:cNvGrpSpPr/>
+        <p:nvPr/>
+      </p:nvGrpSpPr>
+      <p:grpSpPr>
+        <a:xfrm>
+          <a:off x="0" y="0"/>
+          <a:ext cx="0" cy="0"/>
+          <a:chOff x="0" y="0"/>
+          <a:chExt cx="0" cy="0"/>
+        </a:xfrm>
+      </p:grpSpPr>
+      <p:pic>
+        <p:nvPicPr>
+          <p:cNvPr id="7" name="Imagem 6">
+            <a:extLst>
+              <a:ext uri="{FF2B5EF4-FFF2-40B4-BE49-F238E27FC236}">
+                <a16:creationId xmlns:a16="http://schemas.microsoft.com/office/drawing/2014/main" id="{71A76C42-F75B-41DC-A416-1399B3D2E328}"/>
+              </a:ext>
+            </a:extLst>
+          </p:cNvPr>
+          <p:cNvPicPr>
+            <a:picLocks noChangeAspect="1"/>
+          </p:cNvPicPr>
+          <p:nvPr/>
+        </p:nvPicPr>
+        <p:blipFill>
+          <a:blip r:embed="rId2">
+            <a:extLst>
+              <a:ext uri="{28A0092B-C50C-407E-A947-70E740481C1C}">
+                <a14:useLocalDpi xmlns:a14="http://schemas.microsoft.com/office/drawing/2010/main" val="0"/>
+              </a:ext>
+            </a:extLst>
+          </a:blip>
+          <a:stretch>
+            <a:fillRect/>
+          </a:stretch>
+        </p:blipFill>
+        <p:spPr>
+          <a:xfrm>
+            <a:off x="3554720" y="423578"/>
+            <a:ext cx="4923455" cy="4625314"/>
+          </a:xfrm>
+          <a:prstGeom prst="rect">
+            <a:avLst/>
+          </a:prstGeom>
+        </p:spPr>
+      </p:pic>
+      <p:sp>
+        <p:nvSpPr>
+          <p:cNvPr id="3" name="Retângulo 2">
+            <a:extLst>
+              <a:ext uri="{FF2B5EF4-FFF2-40B4-BE49-F238E27FC236}">
+                <a16:creationId xmlns:a16="http://schemas.microsoft.com/office/drawing/2014/main" id="{565E9407-2F11-40C1-8E59-CC9D455597F8}"/>
+              </a:ext>
+            </a:extLst>
+          </p:cNvPr>
+          <p:cNvSpPr/>
+          <p:nvPr/>
+        </p:nvSpPr>
+        <p:spPr>
+          <a:xfrm>
+            <a:off x="0" y="0"/>
+            <a:ext cx="3247697" cy="6858000"/>
+          </a:xfrm>
+          <a:prstGeom prst="rect">
+            <a:avLst/>
+          </a:prstGeom>
+        </p:spPr>
+        <p:style>
+          <a:lnRef idx="2">
+            <a:schemeClr val="accent1">
+              <a:shade val="50000"/>
+            </a:schemeClr>
+          </a:lnRef>
+          <a:fillRef idx="1">
+            <a:schemeClr val="accent1"/>
+          </a:fillRef>
+          <a:effectRef idx="0">
+            <a:schemeClr val="accent1"/>
+          </a:effectRef>
+          <a:fontRef idx="minor">
+            <a:schemeClr val="lt1"/>
+          </a:fontRef>
+        </p:style>
+        <p:txBody>
+          <a:bodyPr rtlCol="0" anchor="ctr"/>
+          <a:lstStyle/>
+          <a:p>
+            <a:pPr algn="ctr"/>
+            <a:endParaRPr lang="pt-PT" dirty="0"/>
+          </a:p>
+        </p:txBody>
+      </p:sp>
+      <p:sp>
+        <p:nvSpPr>
+          <p:cNvPr id="4" name="CaixaDeTexto 3">
+            <a:extLst>
+              <a:ext uri="{FF2B5EF4-FFF2-40B4-BE49-F238E27FC236}">
                 <a16:creationId xmlns:a16="http://schemas.microsoft.com/office/drawing/2014/main" id="{A89D756D-2C69-47A0-8EC6-6444FEDE0CB0}"/>
               </a:ext>
             </a:extLst>
@@ -3757,10 +5331,476 @@
           </a:p>
         </p:txBody>
       </p:sp>
+      <p:pic>
+        <p:nvPicPr>
+          <p:cNvPr id="5" name="Imagem 4">
+            <a:extLst>
+              <a:ext uri="{FF2B5EF4-FFF2-40B4-BE49-F238E27FC236}">
+                <a16:creationId xmlns:a16="http://schemas.microsoft.com/office/drawing/2014/main" id="{EEB3EB62-551E-31FB-E0B5-5AFCFD9B19A4}"/>
+              </a:ext>
+            </a:extLst>
+          </p:cNvPr>
+          <p:cNvPicPr>
+            <a:picLocks noChangeAspect="1"/>
+          </p:cNvPicPr>
+          <p:nvPr/>
+        </p:nvPicPr>
+        <p:blipFill>
+          <a:blip r:embed="rId3"/>
+          <a:stretch>
+            <a:fillRect/>
+          </a:stretch>
+        </p:blipFill>
+        <p:spPr>
+          <a:xfrm>
+            <a:off x="9359177" y="260082"/>
+            <a:ext cx="2465976" cy="2472157"/>
+          </a:xfrm>
+          <a:prstGeom prst="rect">
+            <a:avLst/>
+          </a:prstGeom>
+        </p:spPr>
+      </p:pic>
+      <p:pic>
+        <p:nvPicPr>
+          <p:cNvPr id="8" name="Imagem 7">
+            <a:extLst>
+              <a:ext uri="{FF2B5EF4-FFF2-40B4-BE49-F238E27FC236}">
+                <a16:creationId xmlns:a16="http://schemas.microsoft.com/office/drawing/2014/main" id="{672E3037-4FC5-3674-19DF-12AA947E5D9C}"/>
+              </a:ext>
+            </a:extLst>
+          </p:cNvPr>
+          <p:cNvPicPr>
+            <a:picLocks noChangeAspect="1"/>
+          </p:cNvPicPr>
+          <p:nvPr/>
+        </p:nvPicPr>
+        <p:blipFill>
+          <a:blip r:embed="rId4"/>
+          <a:stretch>
+            <a:fillRect/>
+          </a:stretch>
+        </p:blipFill>
+        <p:spPr>
+          <a:xfrm>
+            <a:off x="8194518" y="4125762"/>
+            <a:ext cx="3630635" cy="1742054"/>
+          </a:xfrm>
+          <a:prstGeom prst="rect">
+            <a:avLst/>
+          </a:prstGeom>
+        </p:spPr>
+      </p:pic>
+      <p:sp>
+        <p:nvSpPr>
+          <p:cNvPr id="9" name="CaixaDeTexto 8">
+            <a:extLst>
+              <a:ext uri="{FF2B5EF4-FFF2-40B4-BE49-F238E27FC236}">
+                <a16:creationId xmlns:a16="http://schemas.microsoft.com/office/drawing/2014/main" id="{EB412A61-DDA1-04C6-FE7C-6EF0C9359526}"/>
+              </a:ext>
+            </a:extLst>
+          </p:cNvPr>
+          <p:cNvSpPr txBox="1"/>
+          <p:nvPr/>
+        </p:nvSpPr>
+        <p:spPr>
+          <a:xfrm>
+            <a:off x="5506330" y="6152226"/>
+            <a:ext cx="4441152" cy="369332"/>
+          </a:xfrm>
+          <a:prstGeom prst="rect">
+            <a:avLst/>
+          </a:prstGeom>
+          <a:noFill/>
+        </p:spPr>
+        <p:txBody>
+          <a:bodyPr wrap="none" rtlCol="0">
+            <a:spAutoFit/>
+          </a:bodyPr>
+          <a:lstStyle/>
+          <a:p>
+            <a:r>
+              <a:rPr lang="en-GB" dirty="0">
+                <a:hlinkClick r:id="rId5"/>
+              </a:rPr>
+              <a:t>https://blockly.games/maze?lang=pt&amp;level=6</a:t>
+            </a:r>
+            <a:endParaRPr lang="en-GB" dirty="0"/>
+          </a:p>
+        </p:txBody>
+      </p:sp>
     </p:spTree>
     <p:extLst>
       <p:ext uri="{BB962C8B-B14F-4D97-AF65-F5344CB8AC3E}">
         <p14:creationId xmlns:p14="http://schemas.microsoft.com/office/powerpoint/2010/main" val="3985553572"/>
+      </p:ext>
+    </p:extLst>
+  </p:cSld>
+  <p:clrMapOvr>
+    <a:masterClrMapping/>
+  </p:clrMapOvr>
+</p:sld>
+</file>
+
+<file path=ppt/slides/slide18.xml><?xml version="1.0" encoding="utf-8"?>
+<p:sld xmlns:a="http://schemas.openxmlformats.org/drawingml/2006/main" xmlns:r="http://schemas.openxmlformats.org/officeDocument/2006/relationships" xmlns:p="http://schemas.openxmlformats.org/presentationml/2006/main">
+  <p:cSld>
+    <p:spTree>
+      <p:nvGrpSpPr>
+        <p:cNvPr id="1" name=""/>
+        <p:cNvGrpSpPr/>
+        <p:nvPr/>
+      </p:nvGrpSpPr>
+      <p:grpSpPr>
+        <a:xfrm>
+          <a:off x="0" y="0"/>
+          <a:ext cx="0" cy="0"/>
+          <a:chOff x="0" y="0"/>
+          <a:chExt cx="0" cy="0"/>
+        </a:xfrm>
+      </p:grpSpPr>
+      <p:sp>
+        <p:nvSpPr>
+          <p:cNvPr id="3" name="Retângulo 2">
+            <a:extLst>
+              <a:ext uri="{FF2B5EF4-FFF2-40B4-BE49-F238E27FC236}">
+                <a16:creationId xmlns:a16="http://schemas.microsoft.com/office/drawing/2014/main" id="{565E9407-2F11-40C1-8E59-CC9D455597F8}"/>
+              </a:ext>
+            </a:extLst>
+          </p:cNvPr>
+          <p:cNvSpPr/>
+          <p:nvPr/>
+        </p:nvSpPr>
+        <p:spPr>
+          <a:xfrm>
+            <a:off x="0" y="0"/>
+            <a:ext cx="3247697" cy="6858000"/>
+          </a:xfrm>
+          <a:prstGeom prst="rect">
+            <a:avLst/>
+          </a:prstGeom>
+        </p:spPr>
+        <p:style>
+          <a:lnRef idx="2">
+            <a:schemeClr val="accent1">
+              <a:shade val="50000"/>
+            </a:schemeClr>
+          </a:lnRef>
+          <a:fillRef idx="1">
+            <a:schemeClr val="accent1"/>
+          </a:fillRef>
+          <a:effectRef idx="0">
+            <a:schemeClr val="accent1"/>
+          </a:effectRef>
+          <a:fontRef idx="minor">
+            <a:schemeClr val="lt1"/>
+          </a:fontRef>
+        </p:style>
+        <p:txBody>
+          <a:bodyPr rtlCol="0" anchor="ctr"/>
+          <a:lstStyle/>
+          <a:p>
+            <a:pPr algn="ctr"/>
+            <a:endParaRPr lang="pt-PT" dirty="0"/>
+          </a:p>
+        </p:txBody>
+      </p:sp>
+      <p:sp>
+        <p:nvSpPr>
+          <p:cNvPr id="4" name="CaixaDeTexto 3">
+            <a:extLst>
+              <a:ext uri="{FF2B5EF4-FFF2-40B4-BE49-F238E27FC236}">
+                <a16:creationId xmlns:a16="http://schemas.microsoft.com/office/drawing/2014/main" id="{A89D756D-2C69-47A0-8EC6-6444FEDE0CB0}"/>
+              </a:ext>
+            </a:extLst>
+          </p:cNvPr>
+          <p:cNvSpPr txBox="1"/>
+          <p:nvPr/>
+        </p:nvSpPr>
+        <p:spPr>
+          <a:xfrm>
+            <a:off x="1230466" y="788275"/>
+            <a:ext cx="1786066" cy="707886"/>
+          </a:xfrm>
+          <a:prstGeom prst="rect">
+            <a:avLst/>
+          </a:prstGeom>
+          <a:noFill/>
+        </p:spPr>
+        <p:txBody>
+          <a:bodyPr wrap="none" rtlCol="0">
+            <a:spAutoFit/>
+          </a:bodyPr>
+          <a:lstStyle/>
+          <a:p>
+            <a:pPr algn="r"/>
+            <a:r>
+              <a:rPr lang="pt-PT" sz="4000" dirty="0">
+                <a:solidFill>
+                  <a:schemeClr val="bg1"/>
+                </a:solidFill>
+              </a:rPr>
+              <a:t>MAZE 7</a:t>
+            </a:r>
+          </a:p>
+        </p:txBody>
+      </p:sp>
+      <p:sp>
+        <p:nvSpPr>
+          <p:cNvPr id="9" name="CaixaDeTexto 8">
+            <a:extLst>
+              <a:ext uri="{FF2B5EF4-FFF2-40B4-BE49-F238E27FC236}">
+                <a16:creationId xmlns:a16="http://schemas.microsoft.com/office/drawing/2014/main" id="{EB412A61-DDA1-04C6-FE7C-6EF0C9359526}"/>
+              </a:ext>
+            </a:extLst>
+          </p:cNvPr>
+          <p:cNvSpPr txBox="1"/>
+          <p:nvPr/>
+        </p:nvSpPr>
+        <p:spPr>
+          <a:xfrm>
+            <a:off x="5506330" y="6152226"/>
+            <a:ext cx="4441152" cy="369332"/>
+          </a:xfrm>
+          <a:prstGeom prst="rect">
+            <a:avLst/>
+          </a:prstGeom>
+          <a:noFill/>
+        </p:spPr>
+        <p:txBody>
+          <a:bodyPr wrap="none" rtlCol="0">
+            <a:spAutoFit/>
+          </a:bodyPr>
+          <a:lstStyle/>
+          <a:p>
+            <a:r>
+              <a:rPr lang="en-GB" dirty="0">
+                <a:hlinkClick r:id="rId2"/>
+              </a:rPr>
+              <a:t>https://blockly.games/maze?lang=pt&amp;level=7</a:t>
+            </a:r>
+            <a:endParaRPr lang="en-GB" dirty="0"/>
+          </a:p>
+        </p:txBody>
+      </p:sp>
+      <p:pic>
+        <p:nvPicPr>
+          <p:cNvPr id="6" name="Imagem 5">
+            <a:extLst>
+              <a:ext uri="{FF2B5EF4-FFF2-40B4-BE49-F238E27FC236}">
+                <a16:creationId xmlns:a16="http://schemas.microsoft.com/office/drawing/2014/main" id="{9EAC4434-4108-D940-1264-2C2F87A71D80}"/>
+              </a:ext>
+            </a:extLst>
+          </p:cNvPr>
+          <p:cNvPicPr>
+            <a:picLocks noChangeAspect="1"/>
+          </p:cNvPicPr>
+          <p:nvPr/>
+        </p:nvPicPr>
+        <p:blipFill>
+          <a:blip r:embed="rId3"/>
+          <a:stretch>
+            <a:fillRect/>
+          </a:stretch>
+        </p:blipFill>
+        <p:spPr>
+          <a:xfrm>
+            <a:off x="5826403" y="1528497"/>
+            <a:ext cx="3801005" cy="3801005"/>
+          </a:xfrm>
+          <a:prstGeom prst="rect">
+            <a:avLst/>
+          </a:prstGeom>
+        </p:spPr>
+      </p:pic>
+    </p:spTree>
+    <p:extLst>
+      <p:ext uri="{BB962C8B-B14F-4D97-AF65-F5344CB8AC3E}">
+        <p14:creationId xmlns:p14="http://schemas.microsoft.com/office/powerpoint/2010/main" val="2911227197"/>
+      </p:ext>
+    </p:extLst>
+  </p:cSld>
+  <p:clrMapOvr>
+    <a:masterClrMapping/>
+  </p:clrMapOvr>
+</p:sld>
+</file>
+
+<file path=ppt/slides/slide19.xml><?xml version="1.0" encoding="utf-8"?>
+<p:sld xmlns:a="http://schemas.openxmlformats.org/drawingml/2006/main" xmlns:r="http://schemas.openxmlformats.org/officeDocument/2006/relationships" xmlns:p="http://schemas.openxmlformats.org/presentationml/2006/main">
+  <p:cSld>
+    <p:spTree>
+      <p:nvGrpSpPr>
+        <p:cNvPr id="1" name=""/>
+        <p:cNvGrpSpPr/>
+        <p:nvPr/>
+      </p:nvGrpSpPr>
+      <p:grpSpPr>
+        <a:xfrm>
+          <a:off x="0" y="0"/>
+          <a:ext cx="0" cy="0"/>
+          <a:chOff x="0" y="0"/>
+          <a:chExt cx="0" cy="0"/>
+        </a:xfrm>
+      </p:grpSpPr>
+      <p:sp>
+        <p:nvSpPr>
+          <p:cNvPr id="3" name="Retângulo 2">
+            <a:extLst>
+              <a:ext uri="{FF2B5EF4-FFF2-40B4-BE49-F238E27FC236}">
+                <a16:creationId xmlns:a16="http://schemas.microsoft.com/office/drawing/2014/main" id="{565E9407-2F11-40C1-8E59-CC9D455597F8}"/>
+              </a:ext>
+            </a:extLst>
+          </p:cNvPr>
+          <p:cNvSpPr/>
+          <p:nvPr/>
+        </p:nvSpPr>
+        <p:spPr>
+          <a:xfrm>
+            <a:off x="0" y="0"/>
+            <a:ext cx="3247697" cy="6858000"/>
+          </a:xfrm>
+          <a:prstGeom prst="rect">
+            <a:avLst/>
+          </a:prstGeom>
+        </p:spPr>
+        <p:style>
+          <a:lnRef idx="2">
+            <a:schemeClr val="accent1">
+              <a:shade val="50000"/>
+            </a:schemeClr>
+          </a:lnRef>
+          <a:fillRef idx="1">
+            <a:schemeClr val="accent1"/>
+          </a:fillRef>
+          <a:effectRef idx="0">
+            <a:schemeClr val="accent1"/>
+          </a:effectRef>
+          <a:fontRef idx="minor">
+            <a:schemeClr val="lt1"/>
+          </a:fontRef>
+        </p:style>
+        <p:txBody>
+          <a:bodyPr rtlCol="0" anchor="ctr"/>
+          <a:lstStyle/>
+          <a:p>
+            <a:pPr algn="ctr"/>
+            <a:endParaRPr lang="pt-PT" dirty="0"/>
+          </a:p>
+        </p:txBody>
+      </p:sp>
+      <p:sp>
+        <p:nvSpPr>
+          <p:cNvPr id="4" name="CaixaDeTexto 3">
+            <a:extLst>
+              <a:ext uri="{FF2B5EF4-FFF2-40B4-BE49-F238E27FC236}">
+                <a16:creationId xmlns:a16="http://schemas.microsoft.com/office/drawing/2014/main" id="{A89D756D-2C69-47A0-8EC6-6444FEDE0CB0}"/>
+              </a:ext>
+            </a:extLst>
+          </p:cNvPr>
+          <p:cNvSpPr txBox="1"/>
+          <p:nvPr/>
+        </p:nvSpPr>
+        <p:spPr>
+          <a:xfrm>
+            <a:off x="1230466" y="788275"/>
+            <a:ext cx="1786066" cy="707886"/>
+          </a:xfrm>
+          <a:prstGeom prst="rect">
+            <a:avLst/>
+          </a:prstGeom>
+          <a:noFill/>
+        </p:spPr>
+        <p:txBody>
+          <a:bodyPr wrap="none" rtlCol="0">
+            <a:spAutoFit/>
+          </a:bodyPr>
+          <a:lstStyle/>
+          <a:p>
+            <a:pPr algn="r"/>
+            <a:r>
+              <a:rPr lang="pt-PT" sz="4000" dirty="0">
+                <a:solidFill>
+                  <a:schemeClr val="bg1"/>
+                </a:solidFill>
+              </a:rPr>
+              <a:t>MAZE 8</a:t>
+            </a:r>
+          </a:p>
+        </p:txBody>
+      </p:sp>
+      <p:sp>
+        <p:nvSpPr>
+          <p:cNvPr id="9" name="CaixaDeTexto 8">
+            <a:extLst>
+              <a:ext uri="{FF2B5EF4-FFF2-40B4-BE49-F238E27FC236}">
+                <a16:creationId xmlns:a16="http://schemas.microsoft.com/office/drawing/2014/main" id="{EB412A61-DDA1-04C6-FE7C-6EF0C9359526}"/>
+              </a:ext>
+            </a:extLst>
+          </p:cNvPr>
+          <p:cNvSpPr txBox="1"/>
+          <p:nvPr/>
+        </p:nvSpPr>
+        <p:spPr>
+          <a:xfrm>
+            <a:off x="5506330" y="6152226"/>
+            <a:ext cx="4441152" cy="369332"/>
+          </a:xfrm>
+          <a:prstGeom prst="rect">
+            <a:avLst/>
+          </a:prstGeom>
+          <a:noFill/>
+        </p:spPr>
+        <p:txBody>
+          <a:bodyPr wrap="none" rtlCol="0">
+            <a:spAutoFit/>
+          </a:bodyPr>
+          <a:lstStyle/>
+          <a:p>
+            <a:r>
+              <a:rPr lang="en-GB" dirty="0">
+                <a:hlinkClick r:id="rId2"/>
+              </a:rPr>
+              <a:t>https://blockly.games/maze?lang=pt&amp;level=8</a:t>
+            </a:r>
+            <a:endParaRPr lang="en-GB" dirty="0"/>
+          </a:p>
+        </p:txBody>
+      </p:sp>
+      <p:pic>
+        <p:nvPicPr>
+          <p:cNvPr id="6" name="Imagem 5">
+            <a:extLst>
+              <a:ext uri="{FF2B5EF4-FFF2-40B4-BE49-F238E27FC236}">
+                <a16:creationId xmlns:a16="http://schemas.microsoft.com/office/drawing/2014/main" id="{5EE47FD4-943D-66B3-66DA-D34AF79631CE}"/>
+              </a:ext>
+            </a:extLst>
+          </p:cNvPr>
+          <p:cNvPicPr>
+            <a:picLocks noChangeAspect="1"/>
+          </p:cNvPicPr>
+          <p:nvPr/>
+        </p:nvPicPr>
+        <p:blipFill>
+          <a:blip r:embed="rId3"/>
+          <a:stretch>
+            <a:fillRect/>
+          </a:stretch>
+        </p:blipFill>
+        <p:spPr>
+          <a:xfrm>
+            <a:off x="5831166" y="1528497"/>
+            <a:ext cx="3791479" cy="3801005"/>
+          </a:xfrm>
+          <a:prstGeom prst="rect">
+            <a:avLst/>
+          </a:prstGeom>
+        </p:spPr>
+      </p:pic>
+    </p:spTree>
+    <p:extLst>
+      <p:ext uri="{BB962C8B-B14F-4D97-AF65-F5344CB8AC3E}">
+        <p14:creationId xmlns:p14="http://schemas.microsoft.com/office/powerpoint/2010/main" val="2861655933"/>
       </p:ext>
     </p:extLst>
   </p:cSld>
@@ -3787,48 +5827,12 @@
           <a:chExt cx="0" cy="0"/>
         </a:xfrm>
       </p:grpSpPr>
-      <p:pic>
-        <p:nvPicPr>
-          <p:cNvPr id="7" name="Imagem 6">
-            <a:extLst>
-              <a:ext uri="{FF2B5EF4-FFF2-40B4-BE49-F238E27FC236}">
-                <a16:creationId xmlns:a16="http://schemas.microsoft.com/office/drawing/2014/main" id="{71A76C42-F75B-41DC-A416-1399B3D2E328}"/>
-              </a:ext>
-            </a:extLst>
-          </p:cNvPr>
-          <p:cNvPicPr>
-            <a:picLocks noChangeAspect="1"/>
-          </p:cNvPicPr>
-          <p:nvPr/>
-        </p:nvPicPr>
-        <p:blipFill>
-          <a:blip r:embed="rId2">
-            <a:extLst>
-              <a:ext uri="{28A0092B-C50C-407E-A947-70E740481C1C}">
-                <a14:useLocalDpi xmlns:a14="http://schemas.microsoft.com/office/drawing/2010/main" val="0"/>
-              </a:ext>
-            </a:extLst>
-          </a:blip>
-          <a:stretch>
-            <a:fillRect/>
-          </a:stretch>
-        </p:blipFill>
-        <p:spPr>
-          <a:xfrm>
-            <a:off x="4779014" y="788275"/>
-            <a:ext cx="6223568" cy="5432276"/>
-          </a:xfrm>
-          <a:prstGeom prst="rect">
-            <a:avLst/>
-          </a:prstGeom>
-        </p:spPr>
-      </p:pic>
-      <p:sp>
-        <p:nvSpPr>
-          <p:cNvPr id="3" name="Retângulo 2">
-            <a:extLst>
-              <a:ext uri="{FF2B5EF4-FFF2-40B4-BE49-F238E27FC236}">
-                <a16:creationId xmlns:a16="http://schemas.microsoft.com/office/drawing/2014/main" id="{434D8558-887C-4E18-8929-06BEA9B0AEBD}"/>
+      <p:sp>
+        <p:nvSpPr>
+          <p:cNvPr id="8" name="Retângulo 7">
+            <a:extLst>
+              <a:ext uri="{FF2B5EF4-FFF2-40B4-BE49-F238E27FC236}">
+                <a16:creationId xmlns:a16="http://schemas.microsoft.com/office/drawing/2014/main" id="{F6941BB2-163C-44BC-BB17-BDCE14728A10}"/>
               </a:ext>
             </a:extLst>
           </p:cNvPr>
@@ -3871,10 +5875,10 @@
       </p:sp>
       <p:sp>
         <p:nvSpPr>
-          <p:cNvPr id="4" name="CaixaDeTexto 3">
-            <a:extLst>
-              <a:ext uri="{FF2B5EF4-FFF2-40B4-BE49-F238E27FC236}">
-                <a16:creationId xmlns:a16="http://schemas.microsoft.com/office/drawing/2014/main" id="{6C31A331-7546-4193-B14E-D6397C31FDA4}"/>
+          <p:cNvPr id="9" name="CaixaDeTexto 8">
+            <a:extLst>
+              <a:ext uri="{FF2B5EF4-FFF2-40B4-BE49-F238E27FC236}">
+                <a16:creationId xmlns:a16="http://schemas.microsoft.com/office/drawing/2014/main" id="{CC5477A7-B874-44B2-970F-630E9EAEDF7B}"/>
               </a:ext>
             </a:extLst>
           </p:cNvPr>
@@ -3883,8 +5887,8 @@
         </p:nvSpPr>
         <p:spPr>
           <a:xfrm>
-            <a:off x="1531317" y="788275"/>
-            <a:ext cx="1485215" cy="707886"/>
+            <a:off x="4232" y="788275"/>
+            <a:ext cx="3023007" cy="707886"/>
           </a:xfrm>
           <a:prstGeom prst="rect">
             <a:avLst/>
@@ -3904,15 +5908,2672 @@
                   <a:schemeClr val="bg1"/>
                 </a:solidFill>
               </a:rPr>
-              <a:t>IDADE</a:t>
-            </a:r>
+              <a:t>ALGORITMOS</a:t>
+            </a:r>
+          </a:p>
+        </p:txBody>
+      </p:sp>
+      <p:sp>
+        <p:nvSpPr>
+          <p:cNvPr id="2" name="CaixaDeTexto 1">
+            <a:extLst>
+              <a:ext uri="{FF2B5EF4-FFF2-40B4-BE49-F238E27FC236}">
+                <a16:creationId xmlns:a16="http://schemas.microsoft.com/office/drawing/2014/main" id="{5934AFDF-CEDB-66F5-D026-93E12F1D142E}"/>
+              </a:ext>
+            </a:extLst>
+          </p:cNvPr>
+          <p:cNvSpPr txBox="1"/>
+          <p:nvPr/>
+        </p:nvSpPr>
+        <p:spPr>
+          <a:xfrm>
+            <a:off x="258531" y="1496161"/>
+            <a:ext cx="2768708" cy="705258"/>
+          </a:xfrm>
+          <a:prstGeom prst="rect">
+            <a:avLst/>
+          </a:prstGeom>
+          <a:noFill/>
+        </p:spPr>
+        <p:txBody>
+          <a:bodyPr wrap="square" rtlCol="0">
+            <a:spAutoFit/>
+          </a:bodyPr>
+          <a:lstStyle/>
+          <a:p>
+            <a:pPr algn="r">
+              <a:lnSpc>
+                <a:spcPct val="150000"/>
+              </a:lnSpc>
+            </a:pPr>
+            <a:r>
+              <a:rPr lang="pt-BR" sz="1400" dirty="0">
+                <a:solidFill>
+                  <a:schemeClr val="bg1">
+                    <a:lumMod val="95000"/>
+                  </a:schemeClr>
+                </a:solidFill>
+              </a:rPr>
+              <a:t>Normas para a redação de algoritmos</a:t>
+            </a:r>
+            <a:endParaRPr lang="pt-PT" sz="1400" dirty="0">
+              <a:solidFill>
+                <a:schemeClr val="bg1">
+                  <a:lumMod val="95000"/>
+                </a:schemeClr>
+              </a:solidFill>
+            </a:endParaRPr>
+          </a:p>
+        </p:txBody>
+      </p:sp>
+      <p:sp>
+        <p:nvSpPr>
+          <p:cNvPr id="3" name="CaixaDeTexto 2">
+            <a:extLst>
+              <a:ext uri="{FF2B5EF4-FFF2-40B4-BE49-F238E27FC236}">
+                <a16:creationId xmlns:a16="http://schemas.microsoft.com/office/drawing/2014/main" id="{A800A55C-FEFD-5F76-BFA9-17056A9088CD}"/>
+              </a:ext>
+            </a:extLst>
+          </p:cNvPr>
+          <p:cNvSpPr txBox="1"/>
+          <p:nvPr/>
+        </p:nvSpPr>
+        <p:spPr>
+          <a:xfrm>
+            <a:off x="3506228" y="596692"/>
+            <a:ext cx="8427241" cy="5021055"/>
+          </a:xfrm>
+          <a:prstGeom prst="rect">
+            <a:avLst/>
+          </a:prstGeom>
+          <a:noFill/>
+        </p:spPr>
+        <p:txBody>
+          <a:bodyPr wrap="square" rtlCol="0">
+            <a:spAutoFit/>
+          </a:bodyPr>
+          <a:lstStyle/>
+          <a:p>
+            <a:pPr marL="342900" indent="-342900">
+              <a:lnSpc>
+                <a:spcPct val="150000"/>
+              </a:lnSpc>
+              <a:buFont typeface="+mj-lt"/>
+              <a:buAutoNum type="arabicPeriod"/>
+            </a:pPr>
+            <a:r>
+              <a:rPr lang="pt-BR" sz="2400" dirty="0"/>
+              <a:t>Dar um </a:t>
+            </a:r>
+            <a:r>
+              <a:rPr lang="pt-BR" sz="2400" b="1" dirty="0"/>
+              <a:t>NOME</a:t>
+            </a:r>
+            <a:r>
+              <a:rPr lang="pt-BR" sz="2400" dirty="0"/>
+              <a:t> ao algoritmo.</a:t>
+            </a:r>
+          </a:p>
+          <a:p>
+            <a:pPr marL="342900" indent="-342900">
+              <a:lnSpc>
+                <a:spcPct val="150000"/>
+              </a:lnSpc>
+              <a:buFont typeface="+mj-lt"/>
+              <a:buAutoNum type="arabicPeriod"/>
+            </a:pPr>
+            <a:r>
+              <a:rPr lang="pt-BR" sz="2400" dirty="0"/>
+              <a:t>Declarar os </a:t>
+            </a:r>
+            <a:r>
+              <a:rPr lang="pt-BR" sz="2400" b="1" dirty="0"/>
+              <a:t>DADOS</a:t>
+            </a:r>
+            <a:r>
+              <a:rPr lang="pt-BR" sz="2400" dirty="0"/>
+              <a:t> (variáveis, constantes, …). </a:t>
+            </a:r>
+          </a:p>
+          <a:p>
+            <a:pPr marL="342900" indent="-342900">
+              <a:lnSpc>
+                <a:spcPct val="150000"/>
+              </a:lnSpc>
+              <a:buFont typeface="+mj-lt"/>
+              <a:buAutoNum type="arabicPeriod"/>
+            </a:pPr>
+            <a:r>
+              <a:rPr lang="pt-BR" sz="2400" dirty="0"/>
+              <a:t>Marcar o </a:t>
+            </a:r>
+            <a:r>
+              <a:rPr lang="pt-BR" sz="2400" b="1" dirty="0"/>
+              <a:t>INÍCIO</a:t>
+            </a:r>
+            <a:r>
+              <a:rPr lang="pt-BR" sz="2400" dirty="0"/>
+              <a:t> e o </a:t>
+            </a:r>
+            <a:r>
+              <a:rPr lang="pt-BR" sz="2400" b="1" dirty="0"/>
+              <a:t>FIM</a:t>
+            </a:r>
+            <a:r>
+              <a:rPr lang="pt-BR" sz="2400" dirty="0"/>
+              <a:t> das operações do algoritmo. </a:t>
+            </a:r>
+          </a:p>
+          <a:p>
+            <a:pPr marL="342900" indent="-342900">
+              <a:lnSpc>
+                <a:spcPct val="150000"/>
+              </a:lnSpc>
+              <a:buFont typeface="+mj-lt"/>
+              <a:buAutoNum type="arabicPeriod"/>
+            </a:pPr>
+            <a:r>
+              <a:rPr lang="pt-BR" sz="2400" b="1" dirty="0"/>
+              <a:t>NUMERAR</a:t>
+            </a:r>
+            <a:r>
+              <a:rPr lang="pt-BR" sz="2400" dirty="0"/>
+              <a:t> as etapas do algoritmo. </a:t>
+            </a:r>
+          </a:p>
+          <a:p>
+            <a:pPr marL="342900" indent="-342900">
+              <a:lnSpc>
+                <a:spcPct val="150000"/>
+              </a:lnSpc>
+              <a:buFont typeface="+mj-lt"/>
+              <a:buAutoNum type="arabicPeriod"/>
+            </a:pPr>
+            <a:r>
+              <a:rPr lang="pt-BR" sz="2400" dirty="0"/>
+              <a:t>Escrever as etapas aplicando </a:t>
+            </a:r>
+            <a:r>
+              <a:rPr lang="pt-BR" sz="2400" b="1" dirty="0"/>
+              <a:t>PALAVRAS CHAVE</a:t>
+            </a:r>
+            <a:r>
+              <a:rPr lang="pt-BR" sz="2400" dirty="0"/>
+              <a:t> convencionadas.</a:t>
+            </a:r>
+          </a:p>
+          <a:p>
+            <a:pPr marL="342900" indent="-342900">
+              <a:lnSpc>
+                <a:spcPct val="150000"/>
+              </a:lnSpc>
+              <a:buFont typeface="+mj-lt"/>
+              <a:buAutoNum type="arabicPeriod"/>
+            </a:pPr>
+            <a:r>
+              <a:rPr lang="pt-BR" sz="2400" dirty="0"/>
+              <a:t>Usar </a:t>
+            </a:r>
+            <a:r>
+              <a:rPr lang="pt-BR" sz="2400" b="1" dirty="0"/>
+              <a:t>INDENTAÇÃO</a:t>
+            </a:r>
+            <a:r>
+              <a:rPr lang="pt-BR" sz="2400" dirty="0"/>
+              <a:t> adequada. </a:t>
+            </a:r>
+          </a:p>
+          <a:p>
+            <a:pPr marL="342900" indent="-342900">
+              <a:lnSpc>
+                <a:spcPct val="150000"/>
+              </a:lnSpc>
+              <a:buFont typeface="+mj-lt"/>
+              <a:buAutoNum type="arabicPeriod"/>
+            </a:pPr>
+            <a:r>
+              <a:rPr lang="pt-BR" sz="2400" dirty="0"/>
+              <a:t>Garantir a coerência entre o algoritmo e a </a:t>
+            </a:r>
+            <a:r>
+              <a:rPr lang="pt-BR" sz="2400" b="1" dirty="0"/>
+              <a:t>ESPECIFICAÇÃO</a:t>
+            </a:r>
+            <a:r>
+              <a:rPr lang="pt-BR" sz="2400" dirty="0"/>
+              <a:t> do problema</a:t>
+            </a:r>
+            <a:endParaRPr lang="en-GB" sz="2400" dirty="0"/>
           </a:p>
         </p:txBody>
       </p:sp>
     </p:spTree>
     <p:extLst>
       <p:ext uri="{BB962C8B-B14F-4D97-AF65-F5344CB8AC3E}">
-        <p14:creationId xmlns:p14="http://schemas.microsoft.com/office/powerpoint/2010/main" val="585264445"/>
+        <p14:creationId xmlns:p14="http://schemas.microsoft.com/office/powerpoint/2010/main" val="1063916429"/>
+      </p:ext>
+    </p:extLst>
+  </p:cSld>
+  <p:clrMapOvr>
+    <a:masterClrMapping/>
+  </p:clrMapOvr>
+</p:sld>
+</file>
+
+<file path=ppt/slides/slide20.xml><?xml version="1.0" encoding="utf-8"?>
+<p:sld xmlns:a="http://schemas.openxmlformats.org/drawingml/2006/main" xmlns:r="http://schemas.openxmlformats.org/officeDocument/2006/relationships" xmlns:p="http://schemas.openxmlformats.org/presentationml/2006/main">
+  <p:cSld>
+    <p:spTree>
+      <p:nvGrpSpPr>
+        <p:cNvPr id="1" name=""/>
+        <p:cNvGrpSpPr/>
+        <p:nvPr/>
+      </p:nvGrpSpPr>
+      <p:grpSpPr>
+        <a:xfrm>
+          <a:off x="0" y="0"/>
+          <a:ext cx="0" cy="0"/>
+          <a:chOff x="0" y="0"/>
+          <a:chExt cx="0" cy="0"/>
+        </a:xfrm>
+      </p:grpSpPr>
+      <p:sp>
+        <p:nvSpPr>
+          <p:cNvPr id="3" name="Retângulo 2">
+            <a:extLst>
+              <a:ext uri="{FF2B5EF4-FFF2-40B4-BE49-F238E27FC236}">
+                <a16:creationId xmlns:a16="http://schemas.microsoft.com/office/drawing/2014/main" id="{565E9407-2F11-40C1-8E59-CC9D455597F8}"/>
+              </a:ext>
+            </a:extLst>
+          </p:cNvPr>
+          <p:cNvSpPr/>
+          <p:nvPr/>
+        </p:nvSpPr>
+        <p:spPr>
+          <a:xfrm>
+            <a:off x="0" y="0"/>
+            <a:ext cx="3247697" cy="6858000"/>
+          </a:xfrm>
+          <a:prstGeom prst="rect">
+            <a:avLst/>
+          </a:prstGeom>
+        </p:spPr>
+        <p:style>
+          <a:lnRef idx="2">
+            <a:schemeClr val="accent1">
+              <a:shade val="50000"/>
+            </a:schemeClr>
+          </a:lnRef>
+          <a:fillRef idx="1">
+            <a:schemeClr val="accent1"/>
+          </a:fillRef>
+          <a:effectRef idx="0">
+            <a:schemeClr val="accent1"/>
+          </a:effectRef>
+          <a:fontRef idx="minor">
+            <a:schemeClr val="lt1"/>
+          </a:fontRef>
+        </p:style>
+        <p:txBody>
+          <a:bodyPr rtlCol="0" anchor="ctr"/>
+          <a:lstStyle/>
+          <a:p>
+            <a:pPr algn="ctr"/>
+            <a:endParaRPr lang="pt-PT" dirty="0"/>
+          </a:p>
+        </p:txBody>
+      </p:sp>
+      <p:sp>
+        <p:nvSpPr>
+          <p:cNvPr id="4" name="CaixaDeTexto 3">
+            <a:extLst>
+              <a:ext uri="{FF2B5EF4-FFF2-40B4-BE49-F238E27FC236}">
+                <a16:creationId xmlns:a16="http://schemas.microsoft.com/office/drawing/2014/main" id="{A89D756D-2C69-47A0-8EC6-6444FEDE0CB0}"/>
+              </a:ext>
+            </a:extLst>
+          </p:cNvPr>
+          <p:cNvSpPr txBox="1"/>
+          <p:nvPr/>
+        </p:nvSpPr>
+        <p:spPr>
+          <a:xfrm>
+            <a:off x="1230466" y="788275"/>
+            <a:ext cx="1786066" cy="707886"/>
+          </a:xfrm>
+          <a:prstGeom prst="rect">
+            <a:avLst/>
+          </a:prstGeom>
+          <a:noFill/>
+        </p:spPr>
+        <p:txBody>
+          <a:bodyPr wrap="none" rtlCol="0">
+            <a:spAutoFit/>
+          </a:bodyPr>
+          <a:lstStyle/>
+          <a:p>
+            <a:pPr algn="r"/>
+            <a:r>
+              <a:rPr lang="pt-PT" sz="4000" dirty="0">
+                <a:solidFill>
+                  <a:schemeClr val="bg1"/>
+                </a:solidFill>
+              </a:rPr>
+              <a:t>MAZE 9</a:t>
+            </a:r>
+          </a:p>
+        </p:txBody>
+      </p:sp>
+      <p:sp>
+        <p:nvSpPr>
+          <p:cNvPr id="9" name="CaixaDeTexto 8">
+            <a:extLst>
+              <a:ext uri="{FF2B5EF4-FFF2-40B4-BE49-F238E27FC236}">
+                <a16:creationId xmlns:a16="http://schemas.microsoft.com/office/drawing/2014/main" id="{EB412A61-DDA1-04C6-FE7C-6EF0C9359526}"/>
+              </a:ext>
+            </a:extLst>
+          </p:cNvPr>
+          <p:cNvSpPr txBox="1"/>
+          <p:nvPr/>
+        </p:nvSpPr>
+        <p:spPr>
+          <a:xfrm>
+            <a:off x="5506330" y="6152226"/>
+            <a:ext cx="4441152" cy="369332"/>
+          </a:xfrm>
+          <a:prstGeom prst="rect">
+            <a:avLst/>
+          </a:prstGeom>
+          <a:noFill/>
+        </p:spPr>
+        <p:txBody>
+          <a:bodyPr wrap="none" rtlCol="0">
+            <a:spAutoFit/>
+          </a:bodyPr>
+          <a:lstStyle/>
+          <a:p>
+            <a:r>
+              <a:rPr lang="en-GB" dirty="0">
+                <a:hlinkClick r:id="rId2"/>
+              </a:rPr>
+              <a:t>https://blockly.games/maze?lang=pt&amp;level=9</a:t>
+            </a:r>
+            <a:endParaRPr lang="en-GB" dirty="0"/>
+          </a:p>
+        </p:txBody>
+      </p:sp>
+      <p:pic>
+        <p:nvPicPr>
+          <p:cNvPr id="6" name="Imagem 5">
+            <a:extLst>
+              <a:ext uri="{FF2B5EF4-FFF2-40B4-BE49-F238E27FC236}">
+                <a16:creationId xmlns:a16="http://schemas.microsoft.com/office/drawing/2014/main" id="{2C0FE658-1E0E-47B0-AEDA-B28DEB8F842F}"/>
+              </a:ext>
+            </a:extLst>
+          </p:cNvPr>
+          <p:cNvPicPr>
+            <a:picLocks noChangeAspect="1"/>
+          </p:cNvPicPr>
+          <p:nvPr/>
+        </p:nvPicPr>
+        <p:blipFill>
+          <a:blip r:embed="rId3"/>
+          <a:stretch>
+            <a:fillRect/>
+          </a:stretch>
+        </p:blipFill>
+        <p:spPr>
+          <a:xfrm>
+            <a:off x="5816877" y="1518971"/>
+            <a:ext cx="3820058" cy="3820058"/>
+          </a:xfrm>
+          <a:prstGeom prst="rect">
+            <a:avLst/>
+          </a:prstGeom>
+        </p:spPr>
+      </p:pic>
+    </p:spTree>
+    <p:extLst>
+      <p:ext uri="{BB962C8B-B14F-4D97-AF65-F5344CB8AC3E}">
+        <p14:creationId xmlns:p14="http://schemas.microsoft.com/office/powerpoint/2010/main" val="1137287305"/>
+      </p:ext>
+    </p:extLst>
+  </p:cSld>
+  <p:clrMapOvr>
+    <a:masterClrMapping/>
+  </p:clrMapOvr>
+</p:sld>
+</file>
+
+<file path=ppt/slides/slide21.xml><?xml version="1.0" encoding="utf-8"?>
+<p:sld xmlns:a="http://schemas.openxmlformats.org/drawingml/2006/main" xmlns:r="http://schemas.openxmlformats.org/officeDocument/2006/relationships" xmlns:p="http://schemas.openxmlformats.org/presentationml/2006/main">
+  <p:cSld>
+    <p:spTree>
+      <p:nvGrpSpPr>
+        <p:cNvPr id="1" name=""/>
+        <p:cNvGrpSpPr/>
+        <p:nvPr/>
+      </p:nvGrpSpPr>
+      <p:grpSpPr>
+        <a:xfrm>
+          <a:off x="0" y="0"/>
+          <a:ext cx="0" cy="0"/>
+          <a:chOff x="0" y="0"/>
+          <a:chExt cx="0" cy="0"/>
+        </a:xfrm>
+      </p:grpSpPr>
+      <p:sp>
+        <p:nvSpPr>
+          <p:cNvPr id="3" name="Retângulo 2">
+            <a:extLst>
+              <a:ext uri="{FF2B5EF4-FFF2-40B4-BE49-F238E27FC236}">
+                <a16:creationId xmlns:a16="http://schemas.microsoft.com/office/drawing/2014/main" id="{565E9407-2F11-40C1-8E59-CC9D455597F8}"/>
+              </a:ext>
+            </a:extLst>
+          </p:cNvPr>
+          <p:cNvSpPr/>
+          <p:nvPr/>
+        </p:nvSpPr>
+        <p:spPr>
+          <a:xfrm>
+            <a:off x="0" y="0"/>
+            <a:ext cx="3247697" cy="6858000"/>
+          </a:xfrm>
+          <a:prstGeom prst="rect">
+            <a:avLst/>
+          </a:prstGeom>
+        </p:spPr>
+        <p:style>
+          <a:lnRef idx="2">
+            <a:schemeClr val="accent1">
+              <a:shade val="50000"/>
+            </a:schemeClr>
+          </a:lnRef>
+          <a:fillRef idx="1">
+            <a:schemeClr val="accent1"/>
+          </a:fillRef>
+          <a:effectRef idx="0">
+            <a:schemeClr val="accent1"/>
+          </a:effectRef>
+          <a:fontRef idx="minor">
+            <a:schemeClr val="lt1"/>
+          </a:fontRef>
+        </p:style>
+        <p:txBody>
+          <a:bodyPr rtlCol="0" anchor="ctr"/>
+          <a:lstStyle/>
+          <a:p>
+            <a:pPr algn="ctr"/>
+            <a:endParaRPr lang="pt-PT" dirty="0"/>
+          </a:p>
+        </p:txBody>
+      </p:sp>
+      <p:sp>
+        <p:nvSpPr>
+          <p:cNvPr id="4" name="CaixaDeTexto 3">
+            <a:extLst>
+              <a:ext uri="{FF2B5EF4-FFF2-40B4-BE49-F238E27FC236}">
+                <a16:creationId xmlns:a16="http://schemas.microsoft.com/office/drawing/2014/main" id="{A89D756D-2C69-47A0-8EC6-6444FEDE0CB0}"/>
+              </a:ext>
+            </a:extLst>
+          </p:cNvPr>
+          <p:cNvSpPr txBox="1"/>
+          <p:nvPr/>
+        </p:nvSpPr>
+        <p:spPr>
+          <a:xfrm>
+            <a:off x="970779" y="788275"/>
+            <a:ext cx="2045753" cy="707886"/>
+          </a:xfrm>
+          <a:prstGeom prst="rect">
+            <a:avLst/>
+          </a:prstGeom>
+          <a:noFill/>
+        </p:spPr>
+        <p:txBody>
+          <a:bodyPr wrap="none" rtlCol="0">
+            <a:spAutoFit/>
+          </a:bodyPr>
+          <a:lstStyle/>
+          <a:p>
+            <a:pPr algn="r"/>
+            <a:r>
+              <a:rPr lang="pt-PT" sz="4000" dirty="0">
+                <a:solidFill>
+                  <a:schemeClr val="bg1"/>
+                </a:solidFill>
+              </a:rPr>
+              <a:t>MAZE 10</a:t>
+            </a:r>
+          </a:p>
+        </p:txBody>
+      </p:sp>
+      <p:sp>
+        <p:nvSpPr>
+          <p:cNvPr id="9" name="CaixaDeTexto 8">
+            <a:extLst>
+              <a:ext uri="{FF2B5EF4-FFF2-40B4-BE49-F238E27FC236}">
+                <a16:creationId xmlns:a16="http://schemas.microsoft.com/office/drawing/2014/main" id="{EB412A61-DDA1-04C6-FE7C-6EF0C9359526}"/>
+              </a:ext>
+            </a:extLst>
+          </p:cNvPr>
+          <p:cNvSpPr txBox="1"/>
+          <p:nvPr/>
+        </p:nvSpPr>
+        <p:spPr>
+          <a:xfrm>
+            <a:off x="5506330" y="6152226"/>
+            <a:ext cx="4558171" cy="369332"/>
+          </a:xfrm>
+          <a:prstGeom prst="rect">
+            <a:avLst/>
+          </a:prstGeom>
+          <a:noFill/>
+        </p:spPr>
+        <p:txBody>
+          <a:bodyPr wrap="none" rtlCol="0">
+            <a:spAutoFit/>
+          </a:bodyPr>
+          <a:lstStyle/>
+          <a:p>
+            <a:r>
+              <a:rPr lang="en-GB" dirty="0">
+                <a:hlinkClick r:id="rId2"/>
+              </a:rPr>
+              <a:t>https://blockly.games/maze?lang=pt&amp;level=10</a:t>
+            </a:r>
+            <a:endParaRPr lang="en-GB" dirty="0"/>
+          </a:p>
+        </p:txBody>
+      </p:sp>
+      <p:pic>
+        <p:nvPicPr>
+          <p:cNvPr id="6" name="Imagem 5">
+            <a:extLst>
+              <a:ext uri="{FF2B5EF4-FFF2-40B4-BE49-F238E27FC236}">
+                <a16:creationId xmlns:a16="http://schemas.microsoft.com/office/drawing/2014/main" id="{0ED416F6-D227-4201-C359-643722BDAEE0}"/>
+              </a:ext>
+            </a:extLst>
+          </p:cNvPr>
+          <p:cNvPicPr>
+            <a:picLocks noChangeAspect="1"/>
+          </p:cNvPicPr>
+          <p:nvPr/>
+        </p:nvPicPr>
+        <p:blipFill>
+          <a:blip r:embed="rId3"/>
+          <a:stretch>
+            <a:fillRect/>
+          </a:stretch>
+        </p:blipFill>
+        <p:spPr>
+          <a:xfrm>
+            <a:off x="5889675" y="1538023"/>
+            <a:ext cx="3791479" cy="3781953"/>
+          </a:xfrm>
+          <a:prstGeom prst="rect">
+            <a:avLst/>
+          </a:prstGeom>
+        </p:spPr>
+      </p:pic>
+    </p:spTree>
+    <p:extLst>
+      <p:ext uri="{BB962C8B-B14F-4D97-AF65-F5344CB8AC3E}">
+        <p14:creationId xmlns:p14="http://schemas.microsoft.com/office/powerpoint/2010/main" val="2177088533"/>
+      </p:ext>
+    </p:extLst>
+  </p:cSld>
+  <p:clrMapOvr>
+    <a:masterClrMapping/>
+  </p:clrMapOvr>
+</p:sld>
+</file>
+
+<file path=ppt/slides/slide22.xml><?xml version="1.0" encoding="utf-8"?>
+<p:sld xmlns:a="http://schemas.openxmlformats.org/drawingml/2006/main" xmlns:r="http://schemas.openxmlformats.org/officeDocument/2006/relationships" xmlns:p="http://schemas.openxmlformats.org/presentationml/2006/main">
+  <p:cSld>
+    <p:spTree>
+      <p:nvGrpSpPr>
+        <p:cNvPr id="1" name=""/>
+        <p:cNvGrpSpPr/>
+        <p:nvPr/>
+      </p:nvGrpSpPr>
+      <p:grpSpPr>
+        <a:xfrm>
+          <a:off x="0" y="0"/>
+          <a:ext cx="0" cy="0"/>
+          <a:chOff x="0" y="0"/>
+          <a:chExt cx="0" cy="0"/>
+        </a:xfrm>
+      </p:grpSpPr>
+      <p:pic>
+        <p:nvPicPr>
+          <p:cNvPr id="7" name="Imagem 6">
+            <a:extLst>
+              <a:ext uri="{FF2B5EF4-FFF2-40B4-BE49-F238E27FC236}">
+                <a16:creationId xmlns:a16="http://schemas.microsoft.com/office/drawing/2014/main" id="{71A76C42-F75B-41DC-A416-1399B3D2E328}"/>
+              </a:ext>
+            </a:extLst>
+          </p:cNvPr>
+          <p:cNvPicPr>
+            <a:picLocks noChangeAspect="1"/>
+          </p:cNvPicPr>
+          <p:nvPr/>
+        </p:nvPicPr>
+        <p:blipFill>
+          <a:blip r:embed="rId2">
+            <a:extLst>
+              <a:ext uri="{28A0092B-C50C-407E-A947-70E740481C1C}">
+                <a14:useLocalDpi xmlns:a14="http://schemas.microsoft.com/office/drawing/2010/main" val="0"/>
+              </a:ext>
+            </a:extLst>
+          </a:blip>
+          <a:stretch>
+            <a:fillRect/>
+          </a:stretch>
+        </p:blipFill>
+        <p:spPr>
+          <a:xfrm>
+            <a:off x="3854410" y="400530"/>
+            <a:ext cx="4984312" cy="6056940"/>
+          </a:xfrm>
+          <a:prstGeom prst="rect">
+            <a:avLst/>
+          </a:prstGeom>
+        </p:spPr>
+      </p:pic>
+      <p:sp>
+        <p:nvSpPr>
+          <p:cNvPr id="3" name="Retângulo 2">
+            <a:extLst>
+              <a:ext uri="{FF2B5EF4-FFF2-40B4-BE49-F238E27FC236}">
+                <a16:creationId xmlns:a16="http://schemas.microsoft.com/office/drawing/2014/main" id="{8FDE03B2-3048-4168-A45D-FA0252083450}"/>
+              </a:ext>
+            </a:extLst>
+          </p:cNvPr>
+          <p:cNvSpPr/>
+          <p:nvPr/>
+        </p:nvSpPr>
+        <p:spPr>
+          <a:xfrm>
+            <a:off x="0" y="0"/>
+            <a:ext cx="3247697" cy="6858000"/>
+          </a:xfrm>
+          <a:prstGeom prst="rect">
+            <a:avLst/>
+          </a:prstGeom>
+        </p:spPr>
+        <p:style>
+          <a:lnRef idx="2">
+            <a:schemeClr val="accent1">
+              <a:shade val="50000"/>
+            </a:schemeClr>
+          </a:lnRef>
+          <a:fillRef idx="1">
+            <a:schemeClr val="accent1"/>
+          </a:fillRef>
+          <a:effectRef idx="0">
+            <a:schemeClr val="accent1"/>
+          </a:effectRef>
+          <a:fontRef idx="minor">
+            <a:schemeClr val="lt1"/>
+          </a:fontRef>
+        </p:style>
+        <p:txBody>
+          <a:bodyPr rtlCol="0" anchor="ctr"/>
+          <a:lstStyle/>
+          <a:p>
+            <a:pPr algn="ctr"/>
+            <a:endParaRPr lang="pt-PT" dirty="0"/>
+          </a:p>
+        </p:txBody>
+      </p:sp>
+      <p:sp>
+        <p:nvSpPr>
+          <p:cNvPr id="4" name="CaixaDeTexto 3">
+            <a:extLst>
+              <a:ext uri="{FF2B5EF4-FFF2-40B4-BE49-F238E27FC236}">
+                <a16:creationId xmlns:a16="http://schemas.microsoft.com/office/drawing/2014/main" id="{820B690E-64F5-4469-A598-646BBB55FAA0}"/>
+              </a:ext>
+            </a:extLst>
+          </p:cNvPr>
+          <p:cNvSpPr txBox="1"/>
+          <p:nvPr/>
+        </p:nvSpPr>
+        <p:spPr>
+          <a:xfrm>
+            <a:off x="247824" y="788275"/>
+            <a:ext cx="2768708" cy="1323439"/>
+          </a:xfrm>
+          <a:prstGeom prst="rect">
+            <a:avLst/>
+          </a:prstGeom>
+          <a:noFill/>
+        </p:spPr>
+        <p:txBody>
+          <a:bodyPr wrap="square" rtlCol="0">
+            <a:spAutoFit/>
+          </a:bodyPr>
+          <a:lstStyle/>
+          <a:p>
+            <a:pPr algn="r"/>
+            <a:r>
+              <a:rPr lang="pt-PT" sz="4000" dirty="0">
+                <a:solidFill>
+                  <a:schemeClr val="bg1"/>
+                </a:solidFill>
+              </a:rPr>
+              <a:t>SINTONIZAR</a:t>
+            </a:r>
+          </a:p>
+          <a:p>
+            <a:pPr algn="r"/>
+            <a:r>
+              <a:rPr lang="pt-PT" sz="4000" dirty="0">
+                <a:solidFill>
+                  <a:schemeClr val="bg1"/>
+                </a:solidFill>
+              </a:rPr>
+              <a:t>FUTEBOL - A</a:t>
+            </a:r>
+          </a:p>
+        </p:txBody>
+      </p:sp>
+      <p:sp>
+        <p:nvSpPr>
+          <p:cNvPr id="2" name="CaixaDeTexto 1">
+            <a:extLst>
+              <a:ext uri="{FF2B5EF4-FFF2-40B4-BE49-F238E27FC236}">
+                <a16:creationId xmlns:a16="http://schemas.microsoft.com/office/drawing/2014/main" id="{0770053A-E01C-3F90-DEDA-68882C6D6E14}"/>
+              </a:ext>
+            </a:extLst>
+          </p:cNvPr>
+          <p:cNvSpPr txBox="1"/>
+          <p:nvPr/>
+        </p:nvSpPr>
+        <p:spPr>
+          <a:xfrm>
+            <a:off x="247824" y="2111714"/>
+            <a:ext cx="2768708" cy="2967415"/>
+          </a:xfrm>
+          <a:prstGeom prst="rect">
+            <a:avLst/>
+          </a:prstGeom>
+          <a:noFill/>
+        </p:spPr>
+        <p:txBody>
+          <a:bodyPr wrap="square" rtlCol="0">
+            <a:spAutoFit/>
+          </a:bodyPr>
+          <a:lstStyle/>
+          <a:p>
+            <a:pPr algn="r">
+              <a:lnSpc>
+                <a:spcPct val="150000"/>
+              </a:lnSpc>
+            </a:pPr>
+            <a:r>
+              <a:rPr lang="pt-BR" sz="1400" dirty="0">
+                <a:solidFill>
+                  <a:schemeClr val="bg1">
+                    <a:lumMod val="95000"/>
+                  </a:schemeClr>
+                </a:solidFill>
+              </a:rPr>
+              <a:t>Um aparelho de televisão tem 50 canais. É sabido que, neste momento, há pelo menos um canal que está a transmitir um jogo de futebol. Verifique em que circunstâncias será possível, com os algoritmos que se seguem, sintonizar um canal que esteja a transmitir futebol.</a:t>
+            </a:r>
+            <a:endParaRPr lang="pt-PT" sz="1400" dirty="0">
+              <a:solidFill>
+                <a:schemeClr val="bg1">
+                  <a:lumMod val="95000"/>
+                </a:schemeClr>
+              </a:solidFill>
+            </a:endParaRPr>
+          </a:p>
+        </p:txBody>
+      </p:sp>
+      <p:pic>
+        <p:nvPicPr>
+          <p:cNvPr id="8" name="Imagem 7">
+            <a:extLst>
+              <a:ext uri="{FF2B5EF4-FFF2-40B4-BE49-F238E27FC236}">
+                <a16:creationId xmlns:a16="http://schemas.microsoft.com/office/drawing/2014/main" id="{CFCCFC4D-3BA9-1E04-8CF4-67A4902EBE4F}"/>
+              </a:ext>
+            </a:extLst>
+          </p:cNvPr>
+          <p:cNvPicPr>
+            <a:picLocks noChangeAspect="1"/>
+          </p:cNvPicPr>
+          <p:nvPr/>
+        </p:nvPicPr>
+        <p:blipFill>
+          <a:blip r:embed="rId3"/>
+          <a:stretch>
+            <a:fillRect/>
+          </a:stretch>
+        </p:blipFill>
+        <p:spPr>
+          <a:xfrm>
+            <a:off x="7976290" y="105439"/>
+            <a:ext cx="4124901" cy="2934109"/>
+          </a:xfrm>
+          <a:prstGeom prst="rect">
+            <a:avLst/>
+          </a:prstGeom>
+          <a:ln w="28575">
+            <a:solidFill>
+              <a:schemeClr val="tx1"/>
+            </a:solidFill>
+          </a:ln>
+        </p:spPr>
+      </p:pic>
+    </p:spTree>
+    <p:extLst>
+      <p:ext uri="{BB962C8B-B14F-4D97-AF65-F5344CB8AC3E}">
+        <p14:creationId xmlns:p14="http://schemas.microsoft.com/office/powerpoint/2010/main" val="1476602619"/>
+      </p:ext>
+    </p:extLst>
+  </p:cSld>
+  <p:clrMapOvr>
+    <a:masterClrMapping/>
+  </p:clrMapOvr>
+</p:sld>
+</file>
+
+<file path=ppt/slides/slide23.xml><?xml version="1.0" encoding="utf-8"?>
+<p:sld xmlns:a="http://schemas.openxmlformats.org/drawingml/2006/main" xmlns:r="http://schemas.openxmlformats.org/officeDocument/2006/relationships" xmlns:p="http://schemas.openxmlformats.org/presentationml/2006/main">
+  <p:cSld>
+    <p:spTree>
+      <p:nvGrpSpPr>
+        <p:cNvPr id="1" name=""/>
+        <p:cNvGrpSpPr/>
+        <p:nvPr/>
+      </p:nvGrpSpPr>
+      <p:grpSpPr>
+        <a:xfrm>
+          <a:off x="0" y="0"/>
+          <a:ext cx="0" cy="0"/>
+          <a:chOff x="0" y="0"/>
+          <a:chExt cx="0" cy="0"/>
+        </a:xfrm>
+      </p:grpSpPr>
+      <p:pic>
+        <p:nvPicPr>
+          <p:cNvPr id="7" name="Imagem 6">
+            <a:extLst>
+              <a:ext uri="{FF2B5EF4-FFF2-40B4-BE49-F238E27FC236}">
+                <a16:creationId xmlns:a16="http://schemas.microsoft.com/office/drawing/2014/main" id="{71A76C42-F75B-41DC-A416-1399B3D2E328}"/>
+              </a:ext>
+            </a:extLst>
+          </p:cNvPr>
+          <p:cNvPicPr>
+            <a:picLocks noChangeAspect="1"/>
+          </p:cNvPicPr>
+          <p:nvPr/>
+        </p:nvPicPr>
+        <p:blipFill>
+          <a:blip r:embed="rId2">
+            <a:extLst>
+              <a:ext uri="{28A0092B-C50C-407E-A947-70E740481C1C}">
+                <a14:useLocalDpi xmlns:a14="http://schemas.microsoft.com/office/drawing/2010/main" val="0"/>
+              </a:ext>
+            </a:extLst>
+          </a:blip>
+          <a:stretch>
+            <a:fillRect/>
+          </a:stretch>
+        </p:blipFill>
+        <p:spPr>
+          <a:xfrm>
+            <a:off x="3495521" y="293281"/>
+            <a:ext cx="4657425" cy="6271437"/>
+          </a:xfrm>
+          <a:prstGeom prst="rect">
+            <a:avLst/>
+          </a:prstGeom>
+        </p:spPr>
+      </p:pic>
+      <p:sp>
+        <p:nvSpPr>
+          <p:cNvPr id="3" name="Retângulo 2">
+            <a:extLst>
+              <a:ext uri="{FF2B5EF4-FFF2-40B4-BE49-F238E27FC236}">
+                <a16:creationId xmlns:a16="http://schemas.microsoft.com/office/drawing/2014/main" id="{23390555-AF6E-47BB-8512-E09D4EDB7BE3}"/>
+              </a:ext>
+            </a:extLst>
+          </p:cNvPr>
+          <p:cNvSpPr/>
+          <p:nvPr/>
+        </p:nvSpPr>
+        <p:spPr>
+          <a:xfrm>
+            <a:off x="0" y="0"/>
+            <a:ext cx="3247697" cy="6858000"/>
+          </a:xfrm>
+          <a:prstGeom prst="rect">
+            <a:avLst/>
+          </a:prstGeom>
+        </p:spPr>
+        <p:style>
+          <a:lnRef idx="2">
+            <a:schemeClr val="accent1">
+              <a:shade val="50000"/>
+            </a:schemeClr>
+          </a:lnRef>
+          <a:fillRef idx="1">
+            <a:schemeClr val="accent1"/>
+          </a:fillRef>
+          <a:effectRef idx="0">
+            <a:schemeClr val="accent1"/>
+          </a:effectRef>
+          <a:fontRef idx="minor">
+            <a:schemeClr val="lt1"/>
+          </a:fontRef>
+        </p:style>
+        <p:txBody>
+          <a:bodyPr rtlCol="0" anchor="ctr"/>
+          <a:lstStyle/>
+          <a:p>
+            <a:pPr algn="ctr"/>
+            <a:endParaRPr lang="pt-PT" dirty="0"/>
+          </a:p>
+        </p:txBody>
+      </p:sp>
+      <p:sp>
+        <p:nvSpPr>
+          <p:cNvPr id="2" name="CaixaDeTexto 1">
+            <a:extLst>
+              <a:ext uri="{FF2B5EF4-FFF2-40B4-BE49-F238E27FC236}">
+                <a16:creationId xmlns:a16="http://schemas.microsoft.com/office/drawing/2014/main" id="{90296EB3-AE12-80A8-37F1-00B04942A0DB}"/>
+              </a:ext>
+            </a:extLst>
+          </p:cNvPr>
+          <p:cNvSpPr txBox="1"/>
+          <p:nvPr/>
+        </p:nvSpPr>
+        <p:spPr>
+          <a:xfrm>
+            <a:off x="247824" y="788275"/>
+            <a:ext cx="2768708" cy="1323439"/>
+          </a:xfrm>
+          <a:prstGeom prst="rect">
+            <a:avLst/>
+          </a:prstGeom>
+          <a:noFill/>
+        </p:spPr>
+        <p:txBody>
+          <a:bodyPr wrap="square" rtlCol="0">
+            <a:spAutoFit/>
+          </a:bodyPr>
+          <a:lstStyle/>
+          <a:p>
+            <a:pPr algn="r"/>
+            <a:r>
+              <a:rPr lang="pt-PT" sz="4000" dirty="0">
+                <a:solidFill>
+                  <a:schemeClr val="bg1"/>
+                </a:solidFill>
+              </a:rPr>
+              <a:t>SINTONIZAR</a:t>
+            </a:r>
+          </a:p>
+          <a:p>
+            <a:pPr algn="r"/>
+            <a:r>
+              <a:rPr lang="pt-PT" sz="4000" dirty="0">
+                <a:solidFill>
+                  <a:schemeClr val="bg1"/>
+                </a:solidFill>
+              </a:rPr>
+              <a:t>FUTEBOL - B</a:t>
+            </a:r>
+          </a:p>
+        </p:txBody>
+      </p:sp>
+      <p:sp>
+        <p:nvSpPr>
+          <p:cNvPr id="5" name="CaixaDeTexto 4">
+            <a:extLst>
+              <a:ext uri="{FF2B5EF4-FFF2-40B4-BE49-F238E27FC236}">
+                <a16:creationId xmlns:a16="http://schemas.microsoft.com/office/drawing/2014/main" id="{486D2F38-DAF1-A47D-57FB-AA92D3DCF5AB}"/>
+              </a:ext>
+            </a:extLst>
+          </p:cNvPr>
+          <p:cNvSpPr txBox="1"/>
+          <p:nvPr/>
+        </p:nvSpPr>
+        <p:spPr>
+          <a:xfrm>
+            <a:off x="247824" y="2111714"/>
+            <a:ext cx="2768708" cy="2967415"/>
+          </a:xfrm>
+          <a:prstGeom prst="rect">
+            <a:avLst/>
+          </a:prstGeom>
+          <a:noFill/>
+        </p:spPr>
+        <p:txBody>
+          <a:bodyPr wrap="square" rtlCol="0">
+            <a:spAutoFit/>
+          </a:bodyPr>
+          <a:lstStyle/>
+          <a:p>
+            <a:pPr algn="r">
+              <a:lnSpc>
+                <a:spcPct val="150000"/>
+              </a:lnSpc>
+            </a:pPr>
+            <a:r>
+              <a:rPr lang="pt-BR" sz="1400" dirty="0">
+                <a:solidFill>
+                  <a:schemeClr val="bg1">
+                    <a:lumMod val="95000"/>
+                  </a:schemeClr>
+                </a:solidFill>
+              </a:rPr>
+              <a:t>Um aparelho de televisão tem 50 canais. É sabido que, neste momento, há pelo menos um canal que está a transmitir um jogo de futebol. Verifique em que circunstâncias será possível, com os algoritmos que se seguem, sintonizar um canal que esteja a transmitir futebol.</a:t>
+            </a:r>
+            <a:endParaRPr lang="pt-PT" sz="1400" dirty="0">
+              <a:solidFill>
+                <a:schemeClr val="bg1">
+                  <a:lumMod val="95000"/>
+                </a:schemeClr>
+              </a:solidFill>
+            </a:endParaRPr>
+          </a:p>
+        </p:txBody>
+      </p:sp>
+      <p:pic>
+        <p:nvPicPr>
+          <p:cNvPr id="8" name="Imagem 7">
+            <a:extLst>
+              <a:ext uri="{FF2B5EF4-FFF2-40B4-BE49-F238E27FC236}">
+                <a16:creationId xmlns:a16="http://schemas.microsoft.com/office/drawing/2014/main" id="{B78E8A71-2927-3CE6-93AF-2A4297112DA4}"/>
+              </a:ext>
+            </a:extLst>
+          </p:cNvPr>
+          <p:cNvPicPr>
+            <a:picLocks noChangeAspect="1"/>
+          </p:cNvPicPr>
+          <p:nvPr/>
+        </p:nvPicPr>
+        <p:blipFill>
+          <a:blip r:embed="rId3"/>
+          <a:stretch>
+            <a:fillRect/>
+          </a:stretch>
+        </p:blipFill>
+        <p:spPr>
+          <a:xfrm>
+            <a:off x="7443755" y="138778"/>
+            <a:ext cx="4601217" cy="2867425"/>
+          </a:xfrm>
+          <a:prstGeom prst="rect">
+            <a:avLst/>
+          </a:prstGeom>
+          <a:ln w="28575">
+            <a:solidFill>
+              <a:schemeClr val="tx1"/>
+            </a:solidFill>
+          </a:ln>
+        </p:spPr>
+      </p:pic>
+    </p:spTree>
+    <p:extLst>
+      <p:ext uri="{BB962C8B-B14F-4D97-AF65-F5344CB8AC3E}">
+        <p14:creationId xmlns:p14="http://schemas.microsoft.com/office/powerpoint/2010/main" val="1672410301"/>
+      </p:ext>
+    </p:extLst>
+  </p:cSld>
+  <p:clrMapOvr>
+    <a:masterClrMapping/>
+  </p:clrMapOvr>
+</p:sld>
+</file>
+
+<file path=ppt/slides/slide24.xml><?xml version="1.0" encoding="utf-8"?>
+<p:sld xmlns:a="http://schemas.openxmlformats.org/drawingml/2006/main" xmlns:r="http://schemas.openxmlformats.org/officeDocument/2006/relationships" xmlns:p="http://schemas.openxmlformats.org/presentationml/2006/main">
+  <p:cSld>
+    <p:spTree>
+      <p:nvGrpSpPr>
+        <p:cNvPr id="1" name=""/>
+        <p:cNvGrpSpPr/>
+        <p:nvPr/>
+      </p:nvGrpSpPr>
+      <p:grpSpPr>
+        <a:xfrm>
+          <a:off x="0" y="0"/>
+          <a:ext cx="0" cy="0"/>
+          <a:chOff x="0" y="0"/>
+          <a:chExt cx="0" cy="0"/>
+        </a:xfrm>
+      </p:grpSpPr>
+      <p:pic>
+        <p:nvPicPr>
+          <p:cNvPr id="7" name="Imagem 6">
+            <a:extLst>
+              <a:ext uri="{FF2B5EF4-FFF2-40B4-BE49-F238E27FC236}">
+                <a16:creationId xmlns:a16="http://schemas.microsoft.com/office/drawing/2014/main" id="{71A76C42-F75B-41DC-A416-1399B3D2E328}"/>
+              </a:ext>
+            </a:extLst>
+          </p:cNvPr>
+          <p:cNvPicPr>
+            <a:picLocks noChangeAspect="1"/>
+          </p:cNvPicPr>
+          <p:nvPr/>
+        </p:nvPicPr>
+        <p:blipFill>
+          <a:blip r:embed="rId2">
+            <a:extLst>
+              <a:ext uri="{28A0092B-C50C-407E-A947-70E740481C1C}">
+                <a14:useLocalDpi xmlns:a14="http://schemas.microsoft.com/office/drawing/2010/main" val="0"/>
+              </a:ext>
+            </a:extLst>
+          </a:blip>
+          <a:stretch>
+            <a:fillRect/>
+          </a:stretch>
+        </p:blipFill>
+        <p:spPr>
+          <a:xfrm>
+            <a:off x="3495521" y="400530"/>
+            <a:ext cx="3341016" cy="6056940"/>
+          </a:xfrm>
+          <a:prstGeom prst="rect">
+            <a:avLst/>
+          </a:prstGeom>
+        </p:spPr>
+      </p:pic>
+      <p:sp>
+        <p:nvSpPr>
+          <p:cNvPr id="3" name="Retângulo 2">
+            <a:extLst>
+              <a:ext uri="{FF2B5EF4-FFF2-40B4-BE49-F238E27FC236}">
+                <a16:creationId xmlns:a16="http://schemas.microsoft.com/office/drawing/2014/main" id="{20630765-FEF3-4EE0-8EF8-95B3F8E6BF9E}"/>
+              </a:ext>
+            </a:extLst>
+          </p:cNvPr>
+          <p:cNvSpPr/>
+          <p:nvPr/>
+        </p:nvSpPr>
+        <p:spPr>
+          <a:xfrm>
+            <a:off x="0" y="0"/>
+            <a:ext cx="3247697" cy="6858000"/>
+          </a:xfrm>
+          <a:prstGeom prst="rect">
+            <a:avLst/>
+          </a:prstGeom>
+        </p:spPr>
+        <p:style>
+          <a:lnRef idx="2">
+            <a:schemeClr val="accent1">
+              <a:shade val="50000"/>
+            </a:schemeClr>
+          </a:lnRef>
+          <a:fillRef idx="1">
+            <a:schemeClr val="accent1"/>
+          </a:fillRef>
+          <a:effectRef idx="0">
+            <a:schemeClr val="accent1"/>
+          </a:effectRef>
+          <a:fontRef idx="minor">
+            <a:schemeClr val="lt1"/>
+          </a:fontRef>
+        </p:style>
+        <p:txBody>
+          <a:bodyPr rtlCol="0" anchor="ctr"/>
+          <a:lstStyle/>
+          <a:p>
+            <a:pPr algn="ctr"/>
+            <a:endParaRPr lang="pt-PT" dirty="0"/>
+          </a:p>
+        </p:txBody>
+      </p:sp>
+      <p:sp>
+        <p:nvSpPr>
+          <p:cNvPr id="6" name="CaixaDeTexto 5">
+            <a:extLst>
+              <a:ext uri="{FF2B5EF4-FFF2-40B4-BE49-F238E27FC236}">
+                <a16:creationId xmlns:a16="http://schemas.microsoft.com/office/drawing/2014/main" id="{66B210FA-DEF8-FEFF-CDA7-E656EFC92A5F}"/>
+              </a:ext>
+            </a:extLst>
+          </p:cNvPr>
+          <p:cNvSpPr txBox="1"/>
+          <p:nvPr/>
+        </p:nvSpPr>
+        <p:spPr>
+          <a:xfrm>
+            <a:off x="247824" y="788275"/>
+            <a:ext cx="2768708" cy="1323439"/>
+          </a:xfrm>
+          <a:prstGeom prst="rect">
+            <a:avLst/>
+          </a:prstGeom>
+          <a:noFill/>
+        </p:spPr>
+        <p:txBody>
+          <a:bodyPr wrap="square" rtlCol="0">
+            <a:spAutoFit/>
+          </a:bodyPr>
+          <a:lstStyle/>
+          <a:p>
+            <a:pPr algn="r"/>
+            <a:r>
+              <a:rPr lang="pt-PT" sz="4000" dirty="0">
+                <a:solidFill>
+                  <a:schemeClr val="bg1"/>
+                </a:solidFill>
+              </a:rPr>
+              <a:t>SINTONIZAR</a:t>
+            </a:r>
+          </a:p>
+          <a:p>
+            <a:pPr algn="r"/>
+            <a:r>
+              <a:rPr lang="pt-PT" sz="4000" dirty="0">
+                <a:solidFill>
+                  <a:schemeClr val="bg1"/>
+                </a:solidFill>
+              </a:rPr>
+              <a:t>FUTEBOL - C</a:t>
+            </a:r>
+          </a:p>
+        </p:txBody>
+      </p:sp>
+      <p:sp>
+        <p:nvSpPr>
+          <p:cNvPr id="8" name="CaixaDeTexto 7">
+            <a:extLst>
+              <a:ext uri="{FF2B5EF4-FFF2-40B4-BE49-F238E27FC236}">
+                <a16:creationId xmlns:a16="http://schemas.microsoft.com/office/drawing/2014/main" id="{6D236C2E-D340-672E-3359-881430F96561}"/>
+              </a:ext>
+            </a:extLst>
+          </p:cNvPr>
+          <p:cNvSpPr txBox="1"/>
+          <p:nvPr/>
+        </p:nvSpPr>
+        <p:spPr>
+          <a:xfrm>
+            <a:off x="247824" y="2111714"/>
+            <a:ext cx="2768708" cy="2967415"/>
+          </a:xfrm>
+          <a:prstGeom prst="rect">
+            <a:avLst/>
+          </a:prstGeom>
+          <a:noFill/>
+        </p:spPr>
+        <p:txBody>
+          <a:bodyPr wrap="square" rtlCol="0">
+            <a:spAutoFit/>
+          </a:bodyPr>
+          <a:lstStyle/>
+          <a:p>
+            <a:pPr algn="r">
+              <a:lnSpc>
+                <a:spcPct val="150000"/>
+              </a:lnSpc>
+            </a:pPr>
+            <a:r>
+              <a:rPr lang="pt-BR" sz="1400" dirty="0">
+                <a:solidFill>
+                  <a:schemeClr val="bg1">
+                    <a:lumMod val="95000"/>
+                  </a:schemeClr>
+                </a:solidFill>
+              </a:rPr>
+              <a:t>Um aparelho de televisão tem 50 canais. É sabido que, neste momento, há pelo menos um canal que está a transmitir um jogo de futebol. Verifique em que circunstâncias será possível, com os algoritmos que se seguem, sintonizar um canal que esteja a transmitir futebol.</a:t>
+            </a:r>
+            <a:endParaRPr lang="pt-PT" sz="1400" dirty="0">
+              <a:solidFill>
+                <a:schemeClr val="bg1">
+                  <a:lumMod val="95000"/>
+                </a:schemeClr>
+              </a:solidFill>
+            </a:endParaRPr>
+          </a:p>
+        </p:txBody>
+      </p:sp>
+      <p:pic>
+        <p:nvPicPr>
+          <p:cNvPr id="10" name="Imagem 9">
+            <a:extLst>
+              <a:ext uri="{FF2B5EF4-FFF2-40B4-BE49-F238E27FC236}">
+                <a16:creationId xmlns:a16="http://schemas.microsoft.com/office/drawing/2014/main" id="{0F088557-8279-1111-2C5B-A5BE13A01397}"/>
+              </a:ext>
+            </a:extLst>
+          </p:cNvPr>
+          <p:cNvPicPr>
+            <a:picLocks noChangeAspect="1"/>
+          </p:cNvPicPr>
+          <p:nvPr/>
+        </p:nvPicPr>
+        <p:blipFill>
+          <a:blip r:embed="rId3"/>
+          <a:stretch>
+            <a:fillRect/>
+          </a:stretch>
+        </p:blipFill>
+        <p:spPr>
+          <a:xfrm>
+            <a:off x="6836537" y="132847"/>
+            <a:ext cx="5182323" cy="3791479"/>
+          </a:xfrm>
+          <a:prstGeom prst="rect">
+            <a:avLst/>
+          </a:prstGeom>
+          <a:ln w="28575">
+            <a:solidFill>
+              <a:schemeClr val="tx1"/>
+            </a:solidFill>
+          </a:ln>
+        </p:spPr>
+      </p:pic>
+    </p:spTree>
+    <p:extLst>
+      <p:ext uri="{BB962C8B-B14F-4D97-AF65-F5344CB8AC3E}">
+        <p14:creationId xmlns:p14="http://schemas.microsoft.com/office/powerpoint/2010/main" val="1712990965"/>
+      </p:ext>
+    </p:extLst>
+  </p:cSld>
+  <p:clrMapOvr>
+    <a:masterClrMapping/>
+  </p:clrMapOvr>
+</p:sld>
+</file>
+
+<file path=ppt/slides/slide25.xml><?xml version="1.0" encoding="utf-8"?>
+<p:sld xmlns:a="http://schemas.openxmlformats.org/drawingml/2006/main" xmlns:r="http://schemas.openxmlformats.org/officeDocument/2006/relationships" xmlns:p="http://schemas.openxmlformats.org/presentationml/2006/main">
+  <p:cSld>
+    <p:spTree>
+      <p:nvGrpSpPr>
+        <p:cNvPr id="1" name=""/>
+        <p:cNvGrpSpPr/>
+        <p:nvPr/>
+      </p:nvGrpSpPr>
+      <p:grpSpPr>
+        <a:xfrm>
+          <a:off x="0" y="0"/>
+          <a:ext cx="0" cy="0"/>
+          <a:chOff x="0" y="0"/>
+          <a:chExt cx="0" cy="0"/>
+        </a:xfrm>
+      </p:grpSpPr>
+      <p:sp>
+        <p:nvSpPr>
+          <p:cNvPr id="3" name="Retângulo 2">
+            <a:extLst>
+              <a:ext uri="{FF2B5EF4-FFF2-40B4-BE49-F238E27FC236}">
+                <a16:creationId xmlns:a16="http://schemas.microsoft.com/office/drawing/2014/main" id="{20630765-FEF3-4EE0-8EF8-95B3F8E6BF9E}"/>
+              </a:ext>
+            </a:extLst>
+          </p:cNvPr>
+          <p:cNvSpPr/>
+          <p:nvPr/>
+        </p:nvSpPr>
+        <p:spPr>
+          <a:xfrm>
+            <a:off x="0" y="0"/>
+            <a:ext cx="3247697" cy="6858000"/>
+          </a:xfrm>
+          <a:prstGeom prst="rect">
+            <a:avLst/>
+          </a:prstGeom>
+        </p:spPr>
+        <p:style>
+          <a:lnRef idx="2">
+            <a:schemeClr val="accent1">
+              <a:shade val="50000"/>
+            </a:schemeClr>
+          </a:lnRef>
+          <a:fillRef idx="1">
+            <a:schemeClr val="accent1"/>
+          </a:fillRef>
+          <a:effectRef idx="0">
+            <a:schemeClr val="accent1"/>
+          </a:effectRef>
+          <a:fontRef idx="minor">
+            <a:schemeClr val="lt1"/>
+          </a:fontRef>
+        </p:style>
+        <p:txBody>
+          <a:bodyPr rtlCol="0" anchor="ctr"/>
+          <a:lstStyle/>
+          <a:p>
+            <a:pPr algn="ctr"/>
+            <a:endParaRPr lang="pt-PT" dirty="0"/>
+          </a:p>
+        </p:txBody>
+      </p:sp>
+      <p:sp>
+        <p:nvSpPr>
+          <p:cNvPr id="6" name="CaixaDeTexto 5">
+            <a:extLst>
+              <a:ext uri="{FF2B5EF4-FFF2-40B4-BE49-F238E27FC236}">
+                <a16:creationId xmlns:a16="http://schemas.microsoft.com/office/drawing/2014/main" id="{66B210FA-DEF8-FEFF-CDA7-E656EFC92A5F}"/>
+              </a:ext>
+            </a:extLst>
+          </p:cNvPr>
+          <p:cNvSpPr txBox="1"/>
+          <p:nvPr/>
+        </p:nvSpPr>
+        <p:spPr>
+          <a:xfrm>
+            <a:off x="247824" y="788275"/>
+            <a:ext cx="2768708" cy="1323439"/>
+          </a:xfrm>
+          <a:prstGeom prst="rect">
+            <a:avLst/>
+          </a:prstGeom>
+          <a:noFill/>
+        </p:spPr>
+        <p:txBody>
+          <a:bodyPr wrap="square" rtlCol="0">
+            <a:spAutoFit/>
+          </a:bodyPr>
+          <a:lstStyle/>
+          <a:p>
+            <a:pPr algn="r"/>
+            <a:r>
+              <a:rPr lang="pt-PT" sz="4000" dirty="0">
+                <a:solidFill>
+                  <a:schemeClr val="bg1"/>
+                </a:solidFill>
+              </a:rPr>
+              <a:t>SINTONIZAR</a:t>
+            </a:r>
+          </a:p>
+          <a:p>
+            <a:pPr algn="r"/>
+            <a:r>
+              <a:rPr lang="pt-PT" sz="4000" dirty="0">
+                <a:solidFill>
+                  <a:schemeClr val="bg1"/>
+                </a:solidFill>
+              </a:rPr>
+              <a:t>FUTEBOL - D</a:t>
+            </a:r>
+          </a:p>
+        </p:txBody>
+      </p:sp>
+      <p:sp>
+        <p:nvSpPr>
+          <p:cNvPr id="8" name="CaixaDeTexto 7">
+            <a:extLst>
+              <a:ext uri="{FF2B5EF4-FFF2-40B4-BE49-F238E27FC236}">
+                <a16:creationId xmlns:a16="http://schemas.microsoft.com/office/drawing/2014/main" id="{6D236C2E-D340-672E-3359-881430F96561}"/>
+              </a:ext>
+            </a:extLst>
+          </p:cNvPr>
+          <p:cNvSpPr txBox="1"/>
+          <p:nvPr/>
+        </p:nvSpPr>
+        <p:spPr>
+          <a:xfrm>
+            <a:off x="247824" y="2111714"/>
+            <a:ext cx="2768708" cy="2967415"/>
+          </a:xfrm>
+          <a:prstGeom prst="rect">
+            <a:avLst/>
+          </a:prstGeom>
+          <a:noFill/>
+        </p:spPr>
+        <p:txBody>
+          <a:bodyPr wrap="square" rtlCol="0">
+            <a:spAutoFit/>
+          </a:bodyPr>
+          <a:lstStyle/>
+          <a:p>
+            <a:pPr algn="r">
+              <a:lnSpc>
+                <a:spcPct val="150000"/>
+              </a:lnSpc>
+            </a:pPr>
+            <a:r>
+              <a:rPr lang="pt-BR" sz="1400" dirty="0">
+                <a:solidFill>
+                  <a:schemeClr val="bg1">
+                    <a:lumMod val="95000"/>
+                  </a:schemeClr>
+                </a:solidFill>
+              </a:rPr>
+              <a:t>Um aparelho de televisão tem 50 canais. É sabido que, neste momento, há pelo menos um canal que está a transmitir um jogo de futebol. Verifique em que circunstâncias será possível, com os algoritmos que se seguem, sintonizar um canal que esteja a transmitir futebol.</a:t>
+            </a:r>
+            <a:endParaRPr lang="pt-PT" sz="1400" dirty="0">
+              <a:solidFill>
+                <a:schemeClr val="bg1">
+                  <a:lumMod val="95000"/>
+                </a:schemeClr>
+              </a:solidFill>
+            </a:endParaRPr>
+          </a:p>
+        </p:txBody>
+      </p:sp>
+      <p:pic>
+        <p:nvPicPr>
+          <p:cNvPr id="4" name="Imagem 3">
+            <a:extLst>
+              <a:ext uri="{FF2B5EF4-FFF2-40B4-BE49-F238E27FC236}">
+                <a16:creationId xmlns:a16="http://schemas.microsoft.com/office/drawing/2014/main" id="{1C72DF52-0D7F-1182-762F-B73F576E2582}"/>
+              </a:ext>
+            </a:extLst>
+          </p:cNvPr>
+          <p:cNvPicPr>
+            <a:picLocks noChangeAspect="1"/>
+          </p:cNvPicPr>
+          <p:nvPr/>
+        </p:nvPicPr>
+        <p:blipFill>
+          <a:blip r:embed="rId2"/>
+          <a:stretch>
+            <a:fillRect/>
+          </a:stretch>
+        </p:blipFill>
+        <p:spPr>
+          <a:xfrm>
+            <a:off x="6836537" y="155553"/>
+            <a:ext cx="5163271" cy="3610479"/>
+          </a:xfrm>
+          <a:prstGeom prst="rect">
+            <a:avLst/>
+          </a:prstGeom>
+          <a:ln w="28575">
+            <a:solidFill>
+              <a:schemeClr val="tx1"/>
+            </a:solidFill>
+          </a:ln>
+        </p:spPr>
+      </p:pic>
+    </p:spTree>
+    <p:extLst>
+      <p:ext uri="{BB962C8B-B14F-4D97-AF65-F5344CB8AC3E}">
+        <p14:creationId xmlns:p14="http://schemas.microsoft.com/office/powerpoint/2010/main" val="935913432"/>
+      </p:ext>
+    </p:extLst>
+  </p:cSld>
+  <p:clrMapOvr>
+    <a:masterClrMapping/>
+  </p:clrMapOvr>
+</p:sld>
+</file>
+
+<file path=ppt/slides/slide26.xml><?xml version="1.0" encoding="utf-8"?>
+<p:sld xmlns:a="http://schemas.openxmlformats.org/drawingml/2006/main" xmlns:r="http://schemas.openxmlformats.org/officeDocument/2006/relationships" xmlns:p="http://schemas.openxmlformats.org/presentationml/2006/main">
+  <p:cSld>
+    <p:spTree>
+      <p:nvGrpSpPr>
+        <p:cNvPr id="1" name=""/>
+        <p:cNvGrpSpPr/>
+        <p:nvPr/>
+      </p:nvGrpSpPr>
+      <p:grpSpPr>
+        <a:xfrm>
+          <a:off x="0" y="0"/>
+          <a:ext cx="0" cy="0"/>
+          <a:chOff x="0" y="0"/>
+          <a:chExt cx="0" cy="0"/>
+        </a:xfrm>
+      </p:grpSpPr>
+      <p:sp>
+        <p:nvSpPr>
+          <p:cNvPr id="3" name="Retângulo 2">
+            <a:extLst>
+              <a:ext uri="{FF2B5EF4-FFF2-40B4-BE49-F238E27FC236}">
+                <a16:creationId xmlns:a16="http://schemas.microsoft.com/office/drawing/2014/main" id="{20630765-FEF3-4EE0-8EF8-95B3F8E6BF9E}"/>
+              </a:ext>
+            </a:extLst>
+          </p:cNvPr>
+          <p:cNvSpPr/>
+          <p:nvPr/>
+        </p:nvSpPr>
+        <p:spPr>
+          <a:xfrm>
+            <a:off x="0" y="0"/>
+            <a:ext cx="3247697" cy="6858000"/>
+          </a:xfrm>
+          <a:prstGeom prst="rect">
+            <a:avLst/>
+          </a:prstGeom>
+        </p:spPr>
+        <p:style>
+          <a:lnRef idx="2">
+            <a:schemeClr val="accent1">
+              <a:shade val="50000"/>
+            </a:schemeClr>
+          </a:lnRef>
+          <a:fillRef idx="1">
+            <a:schemeClr val="accent1"/>
+          </a:fillRef>
+          <a:effectRef idx="0">
+            <a:schemeClr val="accent1"/>
+          </a:effectRef>
+          <a:fontRef idx="minor">
+            <a:schemeClr val="lt1"/>
+          </a:fontRef>
+        </p:style>
+        <p:txBody>
+          <a:bodyPr rtlCol="0" anchor="ctr"/>
+          <a:lstStyle/>
+          <a:p>
+            <a:pPr algn="ctr"/>
+            <a:endParaRPr lang="pt-PT" dirty="0"/>
+          </a:p>
+        </p:txBody>
+      </p:sp>
+      <p:sp>
+        <p:nvSpPr>
+          <p:cNvPr id="6" name="CaixaDeTexto 5">
+            <a:extLst>
+              <a:ext uri="{FF2B5EF4-FFF2-40B4-BE49-F238E27FC236}">
+                <a16:creationId xmlns:a16="http://schemas.microsoft.com/office/drawing/2014/main" id="{66B210FA-DEF8-FEFF-CDA7-E656EFC92A5F}"/>
+              </a:ext>
+            </a:extLst>
+          </p:cNvPr>
+          <p:cNvSpPr txBox="1"/>
+          <p:nvPr/>
+        </p:nvSpPr>
+        <p:spPr>
+          <a:xfrm>
+            <a:off x="247824" y="788275"/>
+            <a:ext cx="2768708" cy="1323439"/>
+          </a:xfrm>
+          <a:prstGeom prst="rect">
+            <a:avLst/>
+          </a:prstGeom>
+          <a:noFill/>
+        </p:spPr>
+        <p:txBody>
+          <a:bodyPr wrap="square" rtlCol="0">
+            <a:spAutoFit/>
+          </a:bodyPr>
+          <a:lstStyle/>
+          <a:p>
+            <a:pPr algn="r"/>
+            <a:r>
+              <a:rPr lang="pt-PT" sz="4000" dirty="0">
+                <a:solidFill>
+                  <a:schemeClr val="bg1"/>
+                </a:solidFill>
+              </a:rPr>
+              <a:t>ACHAR MÉDIA</a:t>
+            </a:r>
+          </a:p>
+        </p:txBody>
+      </p:sp>
+      <p:sp>
+        <p:nvSpPr>
+          <p:cNvPr id="8" name="CaixaDeTexto 7">
+            <a:extLst>
+              <a:ext uri="{FF2B5EF4-FFF2-40B4-BE49-F238E27FC236}">
+                <a16:creationId xmlns:a16="http://schemas.microsoft.com/office/drawing/2014/main" id="{6D236C2E-D340-672E-3359-881430F96561}"/>
+              </a:ext>
+            </a:extLst>
+          </p:cNvPr>
+          <p:cNvSpPr txBox="1"/>
+          <p:nvPr/>
+        </p:nvSpPr>
+        <p:spPr>
+          <a:xfrm>
+            <a:off x="247824" y="2111714"/>
+            <a:ext cx="2768708" cy="1028423"/>
+          </a:xfrm>
+          <a:prstGeom prst="rect">
+            <a:avLst/>
+          </a:prstGeom>
+          <a:noFill/>
+        </p:spPr>
+        <p:txBody>
+          <a:bodyPr wrap="square" rtlCol="0">
+            <a:spAutoFit/>
+          </a:bodyPr>
+          <a:lstStyle/>
+          <a:p>
+            <a:pPr algn="r">
+              <a:lnSpc>
+                <a:spcPct val="150000"/>
+              </a:lnSpc>
+            </a:pPr>
+            <a:r>
+              <a:rPr lang="pt-BR" sz="1400" dirty="0">
+                <a:solidFill>
+                  <a:schemeClr val="bg1">
+                    <a:lumMod val="95000"/>
+                  </a:schemeClr>
+                </a:solidFill>
+              </a:rPr>
+              <a:t>O algoritmo que se segue pretende ler 2 valores inteiros maiores do que zero e imprimir a sua média.</a:t>
+            </a:r>
+            <a:endParaRPr lang="pt-PT" sz="1400" dirty="0">
+              <a:solidFill>
+                <a:schemeClr val="bg1">
+                  <a:lumMod val="95000"/>
+                </a:schemeClr>
+              </a:solidFill>
+            </a:endParaRPr>
+          </a:p>
+        </p:txBody>
+      </p:sp>
+      <p:pic>
+        <p:nvPicPr>
+          <p:cNvPr id="5" name="Imagem 4">
+            <a:extLst>
+              <a:ext uri="{FF2B5EF4-FFF2-40B4-BE49-F238E27FC236}">
+                <a16:creationId xmlns:a16="http://schemas.microsoft.com/office/drawing/2014/main" id="{131A67C6-6B8F-66D2-21DF-A52B693A6F40}"/>
+              </a:ext>
+            </a:extLst>
+          </p:cNvPr>
+          <p:cNvPicPr>
+            <a:picLocks noChangeAspect="1"/>
+          </p:cNvPicPr>
+          <p:nvPr/>
+        </p:nvPicPr>
+        <p:blipFill>
+          <a:blip r:embed="rId2"/>
+          <a:stretch>
+            <a:fillRect/>
+          </a:stretch>
+        </p:blipFill>
+        <p:spPr>
+          <a:xfrm>
+            <a:off x="8586438" y="1285575"/>
+            <a:ext cx="3238952" cy="4286848"/>
+          </a:xfrm>
+          <a:prstGeom prst="rect">
+            <a:avLst/>
+          </a:prstGeom>
+          <a:ln w="28575">
+            <a:solidFill>
+              <a:schemeClr val="tx1"/>
+            </a:solidFill>
+          </a:ln>
+        </p:spPr>
+      </p:pic>
+      <p:sp>
+        <p:nvSpPr>
+          <p:cNvPr id="7" name="CaixaDeTexto 6">
+            <a:extLst>
+              <a:ext uri="{FF2B5EF4-FFF2-40B4-BE49-F238E27FC236}">
+                <a16:creationId xmlns:a16="http://schemas.microsoft.com/office/drawing/2014/main" id="{3AFE8EAF-0D97-C090-FD35-927B059E8445}"/>
+              </a:ext>
+            </a:extLst>
+          </p:cNvPr>
+          <p:cNvSpPr txBox="1"/>
+          <p:nvPr/>
+        </p:nvSpPr>
+        <p:spPr>
+          <a:xfrm>
+            <a:off x="3495521" y="1742320"/>
+            <a:ext cx="4843093" cy="3373359"/>
+          </a:xfrm>
+          <a:prstGeom prst="rect">
+            <a:avLst/>
+          </a:prstGeom>
+          <a:noFill/>
+        </p:spPr>
+        <p:txBody>
+          <a:bodyPr wrap="square" rtlCol="0">
+            <a:spAutoFit/>
+          </a:bodyPr>
+          <a:lstStyle/>
+          <a:p>
+            <a:pPr marL="342900" indent="-342900">
+              <a:lnSpc>
+                <a:spcPct val="150000"/>
+              </a:lnSpc>
+              <a:buFont typeface="+mj-lt"/>
+              <a:buAutoNum type="arabicPeriod"/>
+            </a:pPr>
+            <a:r>
+              <a:rPr lang="en-GB" dirty="0" err="1"/>
+              <a:t>Desenha</a:t>
+            </a:r>
+            <a:r>
+              <a:rPr lang="en-GB" dirty="0"/>
+              <a:t> o </a:t>
+            </a:r>
+            <a:r>
+              <a:rPr lang="en-GB" dirty="0" err="1"/>
+              <a:t>algoritmo</a:t>
+            </a:r>
+            <a:r>
+              <a:rPr lang="en-GB" dirty="0"/>
+              <a:t> </a:t>
+            </a:r>
+            <a:r>
+              <a:rPr lang="en-GB" dirty="0" err="1"/>
+              <a:t>apresentado</a:t>
+            </a:r>
+            <a:r>
+              <a:rPr lang="en-GB" dirty="0"/>
+              <a:t>.</a:t>
+            </a:r>
+          </a:p>
+          <a:p>
+            <a:pPr marL="342900" indent="-342900">
+              <a:lnSpc>
+                <a:spcPct val="150000"/>
+              </a:lnSpc>
+              <a:buFont typeface="+mj-lt"/>
+              <a:buAutoNum type="arabicPeriod"/>
+            </a:pPr>
+            <a:r>
+              <a:rPr lang="en-GB" dirty="0"/>
+              <a:t>Podemos trocar as </a:t>
+            </a:r>
+            <a:r>
+              <a:rPr lang="en-GB" dirty="0" err="1"/>
+              <a:t>etapas</a:t>
+            </a:r>
+            <a:r>
+              <a:rPr lang="en-GB" dirty="0"/>
+              <a:t> 1 e 2?</a:t>
+            </a:r>
+          </a:p>
+          <a:p>
+            <a:pPr marL="342900" indent="-342900">
+              <a:lnSpc>
+                <a:spcPct val="150000"/>
+              </a:lnSpc>
+              <a:buFont typeface="+mj-lt"/>
+              <a:buAutoNum type="arabicPeriod"/>
+            </a:pPr>
+            <a:r>
+              <a:rPr lang="en-GB" dirty="0"/>
+              <a:t>Podemos trocar as </a:t>
+            </a:r>
+            <a:r>
+              <a:rPr lang="en-GB" dirty="0" err="1"/>
+              <a:t>etapas</a:t>
+            </a:r>
+            <a:r>
+              <a:rPr lang="en-GB" dirty="0"/>
+              <a:t> 1 e 3?</a:t>
+            </a:r>
+          </a:p>
+          <a:p>
+            <a:pPr marL="342900" indent="-342900">
+              <a:lnSpc>
+                <a:spcPct val="150000"/>
+              </a:lnSpc>
+              <a:buFont typeface="+mj-lt"/>
+              <a:buAutoNum type="arabicPeriod"/>
+            </a:pPr>
+            <a:r>
+              <a:rPr lang="en-GB" dirty="0"/>
+              <a:t>Podemos </a:t>
+            </a:r>
+            <a:r>
+              <a:rPr lang="en-GB" dirty="0" err="1"/>
+              <a:t>fundir</a:t>
+            </a:r>
+            <a:r>
+              <a:rPr lang="en-GB" dirty="0"/>
+              <a:t> as </a:t>
+            </a:r>
+            <a:r>
+              <a:rPr lang="en-GB" dirty="0" err="1"/>
+              <a:t>etapas</a:t>
+            </a:r>
+            <a:r>
+              <a:rPr lang="en-GB" dirty="0"/>
+              <a:t> 1 e 2?</a:t>
+            </a:r>
+          </a:p>
+          <a:p>
+            <a:pPr marL="342900" indent="-342900">
+              <a:lnSpc>
+                <a:spcPct val="150000"/>
+              </a:lnSpc>
+              <a:buFont typeface="+mj-lt"/>
+              <a:buAutoNum type="arabicPeriod"/>
+            </a:pPr>
+            <a:r>
+              <a:rPr lang="en-GB" dirty="0"/>
+              <a:t>Podemos </a:t>
+            </a:r>
+            <a:r>
+              <a:rPr lang="en-GB" dirty="0" err="1"/>
+              <a:t>substituir</a:t>
+            </a:r>
+            <a:r>
+              <a:rPr lang="en-GB" dirty="0"/>
+              <a:t> as </a:t>
+            </a:r>
+            <a:r>
+              <a:rPr lang="en-GB" dirty="0" err="1"/>
+              <a:t>repetições</a:t>
+            </a:r>
+            <a:r>
+              <a:rPr lang="en-GB" dirty="0"/>
+              <a:t> das </a:t>
+            </a:r>
+            <a:r>
+              <a:rPr lang="en-GB" dirty="0" err="1"/>
+              <a:t>etapas</a:t>
+            </a:r>
+            <a:r>
+              <a:rPr lang="en-GB" dirty="0"/>
+              <a:t> 1 e 3 </a:t>
+            </a:r>
+            <a:r>
+              <a:rPr lang="en-GB" dirty="0" err="1"/>
+              <a:t>por</a:t>
+            </a:r>
+            <a:r>
+              <a:rPr lang="en-GB" dirty="0"/>
+              <a:t> </a:t>
+            </a:r>
+            <a:r>
+              <a:rPr lang="en-GB" dirty="0" err="1"/>
+              <a:t>decisões</a:t>
+            </a:r>
+            <a:r>
+              <a:rPr lang="en-GB" dirty="0"/>
+              <a:t> do </a:t>
+            </a:r>
+            <a:r>
+              <a:rPr lang="en-GB" dirty="0" err="1"/>
+              <a:t>tipo</a:t>
+            </a:r>
+            <a:r>
+              <a:rPr lang="en-GB" dirty="0"/>
+              <a:t> </a:t>
+            </a:r>
+            <a:r>
+              <a:rPr lang="en-GB" b="1" dirty="0"/>
+              <a:t>Se... </a:t>
+            </a:r>
+            <a:r>
+              <a:rPr lang="en-GB" b="1" dirty="0" err="1"/>
+              <a:t>Então</a:t>
+            </a:r>
+            <a:r>
+              <a:rPr lang="en-GB" b="1" dirty="0"/>
+              <a:t>... </a:t>
+            </a:r>
+            <a:r>
+              <a:rPr lang="en-GB" b="1" dirty="0" err="1"/>
+              <a:t>Senão</a:t>
+            </a:r>
+            <a:r>
+              <a:rPr lang="en-GB" dirty="0"/>
+              <a:t>?</a:t>
+            </a:r>
+          </a:p>
+          <a:p>
+            <a:pPr marL="342900" indent="-342900">
+              <a:lnSpc>
+                <a:spcPct val="150000"/>
+              </a:lnSpc>
+              <a:buFont typeface="+mj-lt"/>
+              <a:buAutoNum type="arabicPeriod"/>
+            </a:pPr>
+            <a:r>
+              <a:rPr lang="en-GB" dirty="0"/>
+              <a:t>Como </a:t>
+            </a:r>
+            <a:r>
+              <a:rPr lang="en-GB" dirty="0" err="1"/>
+              <a:t>substituir</a:t>
+            </a:r>
+            <a:r>
+              <a:rPr lang="en-GB" dirty="0"/>
+              <a:t> as </a:t>
+            </a:r>
+            <a:r>
+              <a:rPr lang="en-GB" dirty="0" err="1"/>
+              <a:t>repetições</a:t>
+            </a:r>
+            <a:r>
+              <a:rPr lang="en-GB" dirty="0"/>
+              <a:t> das </a:t>
+            </a:r>
+            <a:r>
+              <a:rPr lang="en-GB" dirty="0" err="1"/>
+              <a:t>etapas</a:t>
+            </a:r>
+            <a:r>
+              <a:rPr lang="en-GB" dirty="0"/>
+              <a:t> 1 e 2 </a:t>
+            </a:r>
+            <a:r>
+              <a:rPr lang="en-GB" dirty="0" err="1"/>
+              <a:t>por</a:t>
+            </a:r>
+            <a:r>
+              <a:rPr lang="en-GB" dirty="0"/>
+              <a:t> </a:t>
+            </a:r>
+            <a:r>
+              <a:rPr lang="en-GB" dirty="0" err="1"/>
+              <a:t>repetições</a:t>
+            </a:r>
+            <a:r>
+              <a:rPr lang="en-GB" dirty="0"/>
+              <a:t> do </a:t>
+            </a:r>
+            <a:r>
+              <a:rPr lang="en-GB" dirty="0" err="1"/>
+              <a:t>tipo</a:t>
+            </a:r>
+            <a:r>
+              <a:rPr lang="en-GB" dirty="0"/>
+              <a:t> </a:t>
+            </a:r>
+            <a:r>
+              <a:rPr lang="en-GB" b="1" dirty="0" err="1"/>
+              <a:t>Enquanto</a:t>
+            </a:r>
+            <a:r>
+              <a:rPr lang="en-GB" dirty="0"/>
+              <a:t>?</a:t>
+            </a:r>
+          </a:p>
+        </p:txBody>
+      </p:sp>
+    </p:spTree>
+    <p:extLst>
+      <p:ext uri="{BB962C8B-B14F-4D97-AF65-F5344CB8AC3E}">
+        <p14:creationId xmlns:p14="http://schemas.microsoft.com/office/powerpoint/2010/main" val="254707023"/>
+      </p:ext>
+    </p:extLst>
+  </p:cSld>
+  <p:clrMapOvr>
+    <a:masterClrMapping/>
+  </p:clrMapOvr>
+</p:sld>
+</file>
+
+<file path=ppt/slides/slide27.xml><?xml version="1.0" encoding="utf-8"?>
+<p:sld xmlns:a="http://schemas.openxmlformats.org/drawingml/2006/main" xmlns:r="http://schemas.openxmlformats.org/officeDocument/2006/relationships" xmlns:p="http://schemas.openxmlformats.org/presentationml/2006/main">
+  <p:cSld>
+    <p:spTree>
+      <p:nvGrpSpPr>
+        <p:cNvPr id="1" name=""/>
+        <p:cNvGrpSpPr/>
+        <p:nvPr/>
+      </p:nvGrpSpPr>
+      <p:grpSpPr>
+        <a:xfrm>
+          <a:off x="0" y="0"/>
+          <a:ext cx="0" cy="0"/>
+          <a:chOff x="0" y="0"/>
+          <a:chExt cx="0" cy="0"/>
+        </a:xfrm>
+      </p:grpSpPr>
+      <p:sp>
+        <p:nvSpPr>
+          <p:cNvPr id="3" name="Retângulo 2">
+            <a:extLst>
+              <a:ext uri="{FF2B5EF4-FFF2-40B4-BE49-F238E27FC236}">
+                <a16:creationId xmlns:a16="http://schemas.microsoft.com/office/drawing/2014/main" id="{20630765-FEF3-4EE0-8EF8-95B3F8E6BF9E}"/>
+              </a:ext>
+            </a:extLst>
+          </p:cNvPr>
+          <p:cNvSpPr/>
+          <p:nvPr/>
+        </p:nvSpPr>
+        <p:spPr>
+          <a:xfrm>
+            <a:off x="0" y="0"/>
+            <a:ext cx="3247697" cy="6858000"/>
+          </a:xfrm>
+          <a:prstGeom prst="rect">
+            <a:avLst/>
+          </a:prstGeom>
+        </p:spPr>
+        <p:style>
+          <a:lnRef idx="2">
+            <a:schemeClr val="accent1">
+              <a:shade val="50000"/>
+            </a:schemeClr>
+          </a:lnRef>
+          <a:fillRef idx="1">
+            <a:schemeClr val="accent1"/>
+          </a:fillRef>
+          <a:effectRef idx="0">
+            <a:schemeClr val="accent1"/>
+          </a:effectRef>
+          <a:fontRef idx="minor">
+            <a:schemeClr val="lt1"/>
+          </a:fontRef>
+        </p:style>
+        <p:txBody>
+          <a:bodyPr rtlCol="0" anchor="ctr"/>
+          <a:lstStyle/>
+          <a:p>
+            <a:pPr algn="ctr"/>
+            <a:endParaRPr lang="pt-PT" sz="1400" dirty="0"/>
+          </a:p>
+        </p:txBody>
+      </p:sp>
+      <p:sp>
+        <p:nvSpPr>
+          <p:cNvPr id="6" name="CaixaDeTexto 5">
+            <a:extLst>
+              <a:ext uri="{FF2B5EF4-FFF2-40B4-BE49-F238E27FC236}">
+                <a16:creationId xmlns:a16="http://schemas.microsoft.com/office/drawing/2014/main" id="{66B210FA-DEF8-FEFF-CDA7-E656EFC92A5F}"/>
+              </a:ext>
+            </a:extLst>
+          </p:cNvPr>
+          <p:cNvSpPr txBox="1"/>
+          <p:nvPr/>
+        </p:nvSpPr>
+        <p:spPr>
+          <a:xfrm>
+            <a:off x="247824" y="788275"/>
+            <a:ext cx="2768708" cy="1200329"/>
+          </a:xfrm>
+          <a:prstGeom prst="rect">
+            <a:avLst/>
+          </a:prstGeom>
+          <a:noFill/>
+        </p:spPr>
+        <p:txBody>
+          <a:bodyPr wrap="square" rtlCol="0">
+            <a:spAutoFit/>
+          </a:bodyPr>
+          <a:lstStyle/>
+          <a:p>
+            <a:pPr algn="r"/>
+            <a:r>
+              <a:rPr lang="pt-PT" sz="3600" dirty="0">
+                <a:solidFill>
+                  <a:schemeClr val="bg1"/>
+                </a:solidFill>
+              </a:rPr>
+              <a:t>RECTÂNGULO </a:t>
+            </a:r>
+          </a:p>
+          <a:p>
+            <a:pPr algn="r"/>
+            <a:r>
+              <a:rPr lang="pt-PT" sz="3600" dirty="0">
+                <a:solidFill>
+                  <a:schemeClr val="bg1"/>
+                </a:solidFill>
+              </a:rPr>
+              <a:t>1.0</a:t>
+            </a:r>
+          </a:p>
+        </p:txBody>
+      </p:sp>
+      <p:sp>
+        <p:nvSpPr>
+          <p:cNvPr id="8" name="CaixaDeTexto 7">
+            <a:extLst>
+              <a:ext uri="{FF2B5EF4-FFF2-40B4-BE49-F238E27FC236}">
+                <a16:creationId xmlns:a16="http://schemas.microsoft.com/office/drawing/2014/main" id="{6D236C2E-D340-672E-3359-881430F96561}"/>
+              </a:ext>
+            </a:extLst>
+          </p:cNvPr>
+          <p:cNvSpPr txBox="1"/>
+          <p:nvPr/>
+        </p:nvSpPr>
+        <p:spPr>
+          <a:xfrm>
+            <a:off x="247824" y="1939502"/>
+            <a:ext cx="2768708" cy="1674754"/>
+          </a:xfrm>
+          <a:prstGeom prst="rect">
+            <a:avLst/>
+          </a:prstGeom>
+          <a:noFill/>
+        </p:spPr>
+        <p:txBody>
+          <a:bodyPr wrap="square" rtlCol="0">
+            <a:spAutoFit/>
+          </a:bodyPr>
+          <a:lstStyle/>
+          <a:p>
+            <a:pPr algn="r">
+              <a:lnSpc>
+                <a:spcPct val="150000"/>
+              </a:lnSpc>
+            </a:pPr>
+            <a:r>
+              <a:rPr lang="pt-BR" sz="1400" dirty="0">
+                <a:solidFill>
+                  <a:schemeClr val="bg1">
+                    <a:lumMod val="95000"/>
+                  </a:schemeClr>
+                </a:solidFill>
+              </a:rPr>
+              <a:t>Escreve um algoritmo e desenha o seu fluxograma para o seguinte problema: dados os lados válidos dum retângulo, calcular e imprimir o valor da área e do perímetro.</a:t>
+            </a:r>
+            <a:endParaRPr lang="pt-PT" sz="1400" dirty="0">
+              <a:solidFill>
+                <a:schemeClr val="bg1">
+                  <a:lumMod val="95000"/>
+                </a:schemeClr>
+              </a:solidFill>
+            </a:endParaRPr>
+          </a:p>
+        </p:txBody>
+      </p:sp>
+    </p:spTree>
+    <p:extLst>
+      <p:ext uri="{BB962C8B-B14F-4D97-AF65-F5344CB8AC3E}">
+        <p14:creationId xmlns:p14="http://schemas.microsoft.com/office/powerpoint/2010/main" val="3430730523"/>
+      </p:ext>
+    </p:extLst>
+  </p:cSld>
+  <p:clrMapOvr>
+    <a:masterClrMapping/>
+  </p:clrMapOvr>
+</p:sld>
+</file>
+
+<file path=ppt/slides/slide28.xml><?xml version="1.0" encoding="utf-8"?>
+<p:sld xmlns:a="http://schemas.openxmlformats.org/drawingml/2006/main" xmlns:r="http://schemas.openxmlformats.org/officeDocument/2006/relationships" xmlns:p="http://schemas.openxmlformats.org/presentationml/2006/main">
+  <p:cSld>
+    <p:spTree>
+      <p:nvGrpSpPr>
+        <p:cNvPr id="1" name=""/>
+        <p:cNvGrpSpPr/>
+        <p:nvPr/>
+      </p:nvGrpSpPr>
+      <p:grpSpPr>
+        <a:xfrm>
+          <a:off x="0" y="0"/>
+          <a:ext cx="0" cy="0"/>
+          <a:chOff x="0" y="0"/>
+          <a:chExt cx="0" cy="0"/>
+        </a:xfrm>
+      </p:grpSpPr>
+      <p:sp>
+        <p:nvSpPr>
+          <p:cNvPr id="3" name="Retângulo 2">
+            <a:extLst>
+              <a:ext uri="{FF2B5EF4-FFF2-40B4-BE49-F238E27FC236}">
+                <a16:creationId xmlns:a16="http://schemas.microsoft.com/office/drawing/2014/main" id="{20630765-FEF3-4EE0-8EF8-95B3F8E6BF9E}"/>
+              </a:ext>
+            </a:extLst>
+          </p:cNvPr>
+          <p:cNvSpPr/>
+          <p:nvPr/>
+        </p:nvSpPr>
+        <p:spPr>
+          <a:xfrm>
+            <a:off x="0" y="0"/>
+            <a:ext cx="3247697" cy="6858000"/>
+          </a:xfrm>
+          <a:prstGeom prst="rect">
+            <a:avLst/>
+          </a:prstGeom>
+        </p:spPr>
+        <p:style>
+          <a:lnRef idx="2">
+            <a:schemeClr val="accent1">
+              <a:shade val="50000"/>
+            </a:schemeClr>
+          </a:lnRef>
+          <a:fillRef idx="1">
+            <a:schemeClr val="accent1"/>
+          </a:fillRef>
+          <a:effectRef idx="0">
+            <a:schemeClr val="accent1"/>
+          </a:effectRef>
+          <a:fontRef idx="minor">
+            <a:schemeClr val="lt1"/>
+          </a:fontRef>
+        </p:style>
+        <p:txBody>
+          <a:bodyPr rtlCol="0" anchor="ctr"/>
+          <a:lstStyle/>
+          <a:p>
+            <a:pPr algn="ctr"/>
+            <a:endParaRPr lang="pt-PT" sz="1400" dirty="0"/>
+          </a:p>
+        </p:txBody>
+      </p:sp>
+      <p:sp>
+        <p:nvSpPr>
+          <p:cNvPr id="6" name="CaixaDeTexto 5">
+            <a:extLst>
+              <a:ext uri="{FF2B5EF4-FFF2-40B4-BE49-F238E27FC236}">
+                <a16:creationId xmlns:a16="http://schemas.microsoft.com/office/drawing/2014/main" id="{66B210FA-DEF8-FEFF-CDA7-E656EFC92A5F}"/>
+              </a:ext>
+            </a:extLst>
+          </p:cNvPr>
+          <p:cNvSpPr txBox="1"/>
+          <p:nvPr/>
+        </p:nvSpPr>
+        <p:spPr>
+          <a:xfrm>
+            <a:off x="247824" y="788275"/>
+            <a:ext cx="2768708" cy="1200329"/>
+          </a:xfrm>
+          <a:prstGeom prst="rect">
+            <a:avLst/>
+          </a:prstGeom>
+          <a:noFill/>
+        </p:spPr>
+        <p:txBody>
+          <a:bodyPr wrap="square" rtlCol="0">
+            <a:spAutoFit/>
+          </a:bodyPr>
+          <a:lstStyle/>
+          <a:p>
+            <a:pPr algn="r"/>
+            <a:r>
+              <a:rPr lang="pt-PT" sz="3600" dirty="0">
+                <a:solidFill>
+                  <a:schemeClr val="bg1"/>
+                </a:solidFill>
+              </a:rPr>
+              <a:t>RECTÂNGULO </a:t>
+            </a:r>
+          </a:p>
+          <a:p>
+            <a:pPr algn="r"/>
+            <a:r>
+              <a:rPr lang="pt-PT" sz="3600" dirty="0">
+                <a:solidFill>
+                  <a:schemeClr val="bg1"/>
+                </a:solidFill>
+              </a:rPr>
+              <a:t>2.0</a:t>
+            </a:r>
+          </a:p>
+        </p:txBody>
+      </p:sp>
+      <p:sp>
+        <p:nvSpPr>
+          <p:cNvPr id="8" name="CaixaDeTexto 7">
+            <a:extLst>
+              <a:ext uri="{FF2B5EF4-FFF2-40B4-BE49-F238E27FC236}">
+                <a16:creationId xmlns:a16="http://schemas.microsoft.com/office/drawing/2014/main" id="{6D236C2E-D340-672E-3359-881430F96561}"/>
+              </a:ext>
+            </a:extLst>
+          </p:cNvPr>
+          <p:cNvSpPr txBox="1"/>
+          <p:nvPr/>
+        </p:nvSpPr>
+        <p:spPr>
+          <a:xfrm>
+            <a:off x="247824" y="1939502"/>
+            <a:ext cx="2768708" cy="1674754"/>
+          </a:xfrm>
+          <a:prstGeom prst="rect">
+            <a:avLst/>
+          </a:prstGeom>
+          <a:noFill/>
+        </p:spPr>
+        <p:txBody>
+          <a:bodyPr wrap="square" rtlCol="0">
+            <a:spAutoFit/>
+          </a:bodyPr>
+          <a:lstStyle/>
+          <a:p>
+            <a:pPr algn="r">
+              <a:lnSpc>
+                <a:spcPct val="150000"/>
+              </a:lnSpc>
+            </a:pPr>
+            <a:r>
+              <a:rPr lang="pt-BR" sz="1400" dirty="0">
+                <a:solidFill>
+                  <a:schemeClr val="bg1">
+                    <a:lumMod val="95000"/>
+                  </a:schemeClr>
+                </a:solidFill>
+              </a:rPr>
+              <a:t>Escreve um algoritmo e desenha o seu fluxograma para o seguinte problema: dados os lados </a:t>
+            </a:r>
+            <a:r>
+              <a:rPr lang="pt-BR" sz="1400" strike="sngStrike" dirty="0">
+                <a:solidFill>
+                  <a:schemeClr val="bg1">
+                    <a:lumMod val="95000"/>
+                  </a:schemeClr>
+                </a:solidFill>
+              </a:rPr>
+              <a:t>válidos</a:t>
+            </a:r>
+            <a:r>
+              <a:rPr lang="pt-BR" sz="1400" dirty="0">
+                <a:solidFill>
+                  <a:schemeClr val="bg1">
+                    <a:lumMod val="95000"/>
+                  </a:schemeClr>
+                </a:solidFill>
+              </a:rPr>
+              <a:t> dum retângulo, calcular e imprimir o valor da área e do perímetro.</a:t>
+            </a:r>
+            <a:endParaRPr lang="pt-PT" sz="1400" dirty="0">
+              <a:solidFill>
+                <a:schemeClr val="bg1">
+                  <a:lumMod val="95000"/>
+                </a:schemeClr>
+              </a:solidFill>
+            </a:endParaRPr>
+          </a:p>
+        </p:txBody>
+      </p:sp>
+    </p:spTree>
+    <p:extLst>
+      <p:ext uri="{BB962C8B-B14F-4D97-AF65-F5344CB8AC3E}">
+        <p14:creationId xmlns:p14="http://schemas.microsoft.com/office/powerpoint/2010/main" val="4213226250"/>
+      </p:ext>
+    </p:extLst>
+  </p:cSld>
+  <p:clrMapOvr>
+    <a:masterClrMapping/>
+  </p:clrMapOvr>
+</p:sld>
+</file>
+
+<file path=ppt/slides/slide29.xml><?xml version="1.0" encoding="utf-8"?>
+<p:sld xmlns:a="http://schemas.openxmlformats.org/drawingml/2006/main" xmlns:r="http://schemas.openxmlformats.org/officeDocument/2006/relationships" xmlns:p="http://schemas.openxmlformats.org/presentationml/2006/main">
+  <p:cSld>
+    <p:spTree>
+      <p:nvGrpSpPr>
+        <p:cNvPr id="1" name=""/>
+        <p:cNvGrpSpPr/>
+        <p:nvPr/>
+      </p:nvGrpSpPr>
+      <p:grpSpPr>
+        <a:xfrm>
+          <a:off x="0" y="0"/>
+          <a:ext cx="0" cy="0"/>
+          <a:chOff x="0" y="0"/>
+          <a:chExt cx="0" cy="0"/>
+        </a:xfrm>
+      </p:grpSpPr>
+      <p:sp>
+        <p:nvSpPr>
+          <p:cNvPr id="3" name="Retângulo 2">
+            <a:extLst>
+              <a:ext uri="{FF2B5EF4-FFF2-40B4-BE49-F238E27FC236}">
+                <a16:creationId xmlns:a16="http://schemas.microsoft.com/office/drawing/2014/main" id="{20630765-FEF3-4EE0-8EF8-95B3F8E6BF9E}"/>
+              </a:ext>
+            </a:extLst>
+          </p:cNvPr>
+          <p:cNvSpPr/>
+          <p:nvPr/>
+        </p:nvSpPr>
+        <p:spPr>
+          <a:xfrm>
+            <a:off x="0" y="0"/>
+            <a:ext cx="3247697" cy="6858000"/>
+          </a:xfrm>
+          <a:prstGeom prst="rect">
+            <a:avLst/>
+          </a:prstGeom>
+        </p:spPr>
+        <p:style>
+          <a:lnRef idx="2">
+            <a:schemeClr val="accent1">
+              <a:shade val="50000"/>
+            </a:schemeClr>
+          </a:lnRef>
+          <a:fillRef idx="1">
+            <a:schemeClr val="accent1"/>
+          </a:fillRef>
+          <a:effectRef idx="0">
+            <a:schemeClr val="accent1"/>
+          </a:effectRef>
+          <a:fontRef idx="minor">
+            <a:schemeClr val="lt1"/>
+          </a:fontRef>
+        </p:style>
+        <p:txBody>
+          <a:bodyPr rtlCol="0" anchor="ctr"/>
+          <a:lstStyle/>
+          <a:p>
+            <a:pPr algn="ctr"/>
+            <a:endParaRPr lang="pt-PT" sz="1400" dirty="0"/>
+          </a:p>
+        </p:txBody>
+      </p:sp>
+      <p:sp>
+        <p:nvSpPr>
+          <p:cNvPr id="6" name="CaixaDeTexto 5">
+            <a:extLst>
+              <a:ext uri="{FF2B5EF4-FFF2-40B4-BE49-F238E27FC236}">
+                <a16:creationId xmlns:a16="http://schemas.microsoft.com/office/drawing/2014/main" id="{66B210FA-DEF8-FEFF-CDA7-E656EFC92A5F}"/>
+              </a:ext>
+            </a:extLst>
+          </p:cNvPr>
+          <p:cNvSpPr txBox="1"/>
+          <p:nvPr/>
+        </p:nvSpPr>
+        <p:spPr>
+          <a:xfrm>
+            <a:off x="247824" y="788275"/>
+            <a:ext cx="2768708" cy="646331"/>
+          </a:xfrm>
+          <a:prstGeom prst="rect">
+            <a:avLst/>
+          </a:prstGeom>
+          <a:noFill/>
+        </p:spPr>
+        <p:txBody>
+          <a:bodyPr wrap="square" rtlCol="0">
+            <a:spAutoFit/>
+          </a:bodyPr>
+          <a:lstStyle/>
+          <a:p>
+            <a:pPr algn="r"/>
+            <a:r>
+              <a:rPr lang="pt-PT" sz="3600" dirty="0">
+                <a:solidFill>
+                  <a:schemeClr val="bg1"/>
+                </a:solidFill>
+              </a:rPr>
+              <a:t>PESOS 1.0</a:t>
+            </a:r>
+          </a:p>
+        </p:txBody>
+      </p:sp>
+      <p:sp>
+        <p:nvSpPr>
+          <p:cNvPr id="8" name="CaixaDeTexto 7">
+            <a:extLst>
+              <a:ext uri="{FF2B5EF4-FFF2-40B4-BE49-F238E27FC236}">
+                <a16:creationId xmlns:a16="http://schemas.microsoft.com/office/drawing/2014/main" id="{6D236C2E-D340-672E-3359-881430F96561}"/>
+              </a:ext>
+            </a:extLst>
+          </p:cNvPr>
+          <p:cNvSpPr txBox="1"/>
+          <p:nvPr/>
+        </p:nvSpPr>
+        <p:spPr>
+          <a:xfrm>
+            <a:off x="247824" y="1434606"/>
+            <a:ext cx="2768708" cy="4260077"/>
+          </a:xfrm>
+          <a:prstGeom prst="rect">
+            <a:avLst/>
+          </a:prstGeom>
+          <a:noFill/>
+        </p:spPr>
+        <p:txBody>
+          <a:bodyPr wrap="square" rtlCol="0">
+            <a:spAutoFit/>
+          </a:bodyPr>
+          <a:lstStyle/>
+          <a:p>
+            <a:pPr algn="r">
+              <a:lnSpc>
+                <a:spcPct val="150000"/>
+              </a:lnSpc>
+            </a:pPr>
+            <a:r>
+              <a:rPr lang="pt-BR" sz="1400" dirty="0">
+                <a:solidFill>
+                  <a:schemeClr val="bg1">
+                    <a:lumMod val="95000"/>
+                  </a:schemeClr>
+                </a:solidFill>
+              </a:rPr>
+              <a:t>Escreve um algoritmo e desenha o seu fluxograma para o seguinte problema: foi feito um inquérito a 50 pessoas, as quais tiveram de indicar a sua idade e o seu peso.</a:t>
+            </a:r>
+          </a:p>
+          <a:p>
+            <a:pPr algn="r">
+              <a:lnSpc>
+                <a:spcPct val="150000"/>
+              </a:lnSpc>
+            </a:pPr>
+            <a:r>
+              <a:rPr lang="pt-BR" sz="1400" dirty="0">
+                <a:solidFill>
+                  <a:schemeClr val="bg1">
+                    <a:lumMod val="95000"/>
+                  </a:schemeClr>
+                </a:solidFill>
+              </a:rPr>
+              <a:t>Pretende-se saber a média das idades, quantas pessoas pesam mais do que 50 kg, quantas</a:t>
+            </a:r>
+          </a:p>
+          <a:p>
+            <a:pPr algn="r">
+              <a:lnSpc>
+                <a:spcPct val="150000"/>
+              </a:lnSpc>
+            </a:pPr>
+            <a:r>
+              <a:rPr lang="pt-BR" sz="1400" dirty="0">
+                <a:solidFill>
+                  <a:schemeClr val="bg1">
+                    <a:lumMod val="95000"/>
+                  </a:schemeClr>
+                </a:solidFill>
+              </a:rPr>
+              <a:t>pessoas pesam mais do que 100 kg e quantas pessoas pesam menos de 30 kg. Apresente a</a:t>
+            </a:r>
+          </a:p>
+          <a:p>
+            <a:pPr algn="r">
+              <a:lnSpc>
+                <a:spcPct val="150000"/>
+              </a:lnSpc>
+            </a:pPr>
+            <a:r>
+              <a:rPr lang="pt-BR" sz="1400" dirty="0">
+                <a:solidFill>
+                  <a:schemeClr val="bg1">
+                    <a:lumMod val="95000"/>
+                  </a:schemeClr>
+                </a:solidFill>
+              </a:rPr>
+              <a:t>especificação e o algoritmo para resolver o problema.</a:t>
+            </a:r>
+            <a:endParaRPr lang="pt-PT" sz="1400" dirty="0">
+              <a:solidFill>
+                <a:schemeClr val="bg1">
+                  <a:lumMod val="95000"/>
+                </a:schemeClr>
+              </a:solidFill>
+            </a:endParaRPr>
+          </a:p>
+        </p:txBody>
+      </p:sp>
+    </p:spTree>
+    <p:extLst>
+      <p:ext uri="{BB962C8B-B14F-4D97-AF65-F5344CB8AC3E}">
+        <p14:creationId xmlns:p14="http://schemas.microsoft.com/office/powerpoint/2010/main" val="1324640753"/>
       </p:ext>
     </p:extLst>
   </p:cSld>
@@ -3939,48 +8600,12 @@
           <a:chExt cx="0" cy="0"/>
         </a:xfrm>
       </p:grpSpPr>
-      <p:pic>
-        <p:nvPicPr>
-          <p:cNvPr id="7" name="Imagem 6">
-            <a:extLst>
-              <a:ext uri="{FF2B5EF4-FFF2-40B4-BE49-F238E27FC236}">
-                <a16:creationId xmlns:a16="http://schemas.microsoft.com/office/drawing/2014/main" id="{71A76C42-F75B-41DC-A416-1399B3D2E328}"/>
-              </a:ext>
-            </a:extLst>
-          </p:cNvPr>
-          <p:cNvPicPr>
-            <a:picLocks noChangeAspect="1"/>
-          </p:cNvPicPr>
-          <p:nvPr/>
-        </p:nvPicPr>
-        <p:blipFill>
-          <a:blip r:embed="rId2">
-            <a:extLst>
-              <a:ext uri="{28A0092B-C50C-407E-A947-70E740481C1C}">
-                <a14:useLocalDpi xmlns:a14="http://schemas.microsoft.com/office/drawing/2010/main" val="0"/>
-              </a:ext>
-            </a:extLst>
-          </a:blip>
-          <a:stretch>
-            <a:fillRect/>
-          </a:stretch>
-        </p:blipFill>
-        <p:spPr>
-          <a:xfrm>
-            <a:off x="5184446" y="400530"/>
-            <a:ext cx="4984312" cy="6056940"/>
-          </a:xfrm>
-          <a:prstGeom prst="rect">
-            <a:avLst/>
-          </a:prstGeom>
-        </p:spPr>
-      </p:pic>
-      <p:sp>
-        <p:nvSpPr>
-          <p:cNvPr id="3" name="Retângulo 2">
-            <a:extLst>
-              <a:ext uri="{FF2B5EF4-FFF2-40B4-BE49-F238E27FC236}">
-                <a16:creationId xmlns:a16="http://schemas.microsoft.com/office/drawing/2014/main" id="{8FDE03B2-3048-4168-A45D-FA0252083450}"/>
+      <p:sp>
+        <p:nvSpPr>
+          <p:cNvPr id="8" name="Retângulo 7">
+            <a:extLst>
+              <a:ext uri="{FF2B5EF4-FFF2-40B4-BE49-F238E27FC236}">
+                <a16:creationId xmlns:a16="http://schemas.microsoft.com/office/drawing/2014/main" id="{F6941BB2-163C-44BC-BB17-BDCE14728A10}"/>
               </a:ext>
             </a:extLst>
           </p:cNvPr>
@@ -4023,10 +8648,10 @@
       </p:sp>
       <p:sp>
         <p:nvSpPr>
-          <p:cNvPr id="4" name="CaixaDeTexto 3">
-            <a:extLst>
-              <a:ext uri="{FF2B5EF4-FFF2-40B4-BE49-F238E27FC236}">
-                <a16:creationId xmlns:a16="http://schemas.microsoft.com/office/drawing/2014/main" id="{820B690E-64F5-4469-A598-646BBB55FAA0}"/>
+          <p:cNvPr id="9" name="CaixaDeTexto 8">
+            <a:extLst>
+              <a:ext uri="{FF2B5EF4-FFF2-40B4-BE49-F238E27FC236}">
+                <a16:creationId xmlns:a16="http://schemas.microsoft.com/office/drawing/2014/main" id="{CC5477A7-B874-44B2-970F-630E9EAEDF7B}"/>
               </a:ext>
             </a:extLst>
           </p:cNvPr>
@@ -4035,8 +8660,8 @@
         </p:nvSpPr>
         <p:spPr>
           <a:xfrm>
-            <a:off x="2290051" y="788275"/>
-            <a:ext cx="726481" cy="707886"/>
+            <a:off x="1092094" y="788275"/>
+            <a:ext cx="1935145" cy="707886"/>
           </a:xfrm>
           <a:prstGeom prst="rect">
             <a:avLst/>
@@ -4056,15 +8681,248 @@
                   <a:schemeClr val="bg1"/>
                 </a:solidFill>
               </a:rPr>
-              <a:t>TV</a:t>
-            </a:r>
-          </a:p>
-        </p:txBody>
-      </p:sp>
+              <a:t>LEITURA</a:t>
+            </a:r>
+          </a:p>
+        </p:txBody>
+      </p:sp>
+      <p:pic>
+        <p:nvPicPr>
+          <p:cNvPr id="5" name="Imagem 4">
+            <a:extLst>
+              <a:ext uri="{FF2B5EF4-FFF2-40B4-BE49-F238E27FC236}">
+                <a16:creationId xmlns:a16="http://schemas.microsoft.com/office/drawing/2014/main" id="{76F05246-148B-0F5F-1A1D-0279CE82614C}"/>
+              </a:ext>
+            </a:extLst>
+          </p:cNvPr>
+          <p:cNvPicPr>
+            <a:picLocks noChangeAspect="1"/>
+          </p:cNvPicPr>
+          <p:nvPr/>
+        </p:nvPicPr>
+        <p:blipFill>
+          <a:blip r:embed="rId2"/>
+          <a:stretch>
+            <a:fillRect/>
+          </a:stretch>
+        </p:blipFill>
+        <p:spPr>
+          <a:xfrm>
+            <a:off x="3506228" y="1777566"/>
+            <a:ext cx="8699897" cy="3302868"/>
+          </a:xfrm>
+          <a:prstGeom prst="rect">
+            <a:avLst/>
+          </a:prstGeom>
+        </p:spPr>
+      </p:pic>
     </p:spTree>
     <p:extLst>
       <p:ext uri="{BB962C8B-B14F-4D97-AF65-F5344CB8AC3E}">
-        <p14:creationId xmlns:p14="http://schemas.microsoft.com/office/powerpoint/2010/main" val="1476602619"/>
+        <p14:creationId xmlns:p14="http://schemas.microsoft.com/office/powerpoint/2010/main" val="3130673688"/>
+      </p:ext>
+    </p:extLst>
+  </p:cSld>
+  <p:clrMapOvr>
+    <a:masterClrMapping/>
+  </p:clrMapOvr>
+</p:sld>
+</file>
+
+<file path=ppt/slides/slide30.xml><?xml version="1.0" encoding="utf-8"?>
+<p:sld xmlns:a="http://schemas.openxmlformats.org/drawingml/2006/main" xmlns:r="http://schemas.openxmlformats.org/officeDocument/2006/relationships" xmlns:p="http://schemas.openxmlformats.org/presentationml/2006/main">
+  <p:cSld>
+    <p:spTree>
+      <p:nvGrpSpPr>
+        <p:cNvPr id="1" name=""/>
+        <p:cNvGrpSpPr/>
+        <p:nvPr/>
+      </p:nvGrpSpPr>
+      <p:grpSpPr>
+        <a:xfrm>
+          <a:off x="0" y="0"/>
+          <a:ext cx="0" cy="0"/>
+          <a:chOff x="0" y="0"/>
+          <a:chExt cx="0" cy="0"/>
+        </a:xfrm>
+      </p:grpSpPr>
+      <p:sp>
+        <p:nvSpPr>
+          <p:cNvPr id="3" name="Retângulo 2">
+            <a:extLst>
+              <a:ext uri="{FF2B5EF4-FFF2-40B4-BE49-F238E27FC236}">
+                <a16:creationId xmlns:a16="http://schemas.microsoft.com/office/drawing/2014/main" id="{20630765-FEF3-4EE0-8EF8-95B3F8E6BF9E}"/>
+              </a:ext>
+            </a:extLst>
+          </p:cNvPr>
+          <p:cNvSpPr/>
+          <p:nvPr/>
+        </p:nvSpPr>
+        <p:spPr>
+          <a:xfrm>
+            <a:off x="0" y="0"/>
+            <a:ext cx="3247697" cy="6858000"/>
+          </a:xfrm>
+          <a:prstGeom prst="rect">
+            <a:avLst/>
+          </a:prstGeom>
+        </p:spPr>
+        <p:style>
+          <a:lnRef idx="2">
+            <a:schemeClr val="accent1">
+              <a:shade val="50000"/>
+            </a:schemeClr>
+          </a:lnRef>
+          <a:fillRef idx="1">
+            <a:schemeClr val="accent1"/>
+          </a:fillRef>
+          <a:effectRef idx="0">
+            <a:schemeClr val="accent1"/>
+          </a:effectRef>
+          <a:fontRef idx="minor">
+            <a:schemeClr val="lt1"/>
+          </a:fontRef>
+        </p:style>
+        <p:txBody>
+          <a:bodyPr rtlCol="0" anchor="ctr"/>
+          <a:lstStyle/>
+          <a:p>
+            <a:pPr algn="ctr"/>
+            <a:endParaRPr lang="pt-PT" sz="1400" dirty="0"/>
+          </a:p>
+        </p:txBody>
+      </p:sp>
+      <p:sp>
+        <p:nvSpPr>
+          <p:cNvPr id="6" name="CaixaDeTexto 5">
+            <a:extLst>
+              <a:ext uri="{FF2B5EF4-FFF2-40B4-BE49-F238E27FC236}">
+                <a16:creationId xmlns:a16="http://schemas.microsoft.com/office/drawing/2014/main" id="{66B210FA-DEF8-FEFF-CDA7-E656EFC92A5F}"/>
+              </a:ext>
+            </a:extLst>
+          </p:cNvPr>
+          <p:cNvSpPr txBox="1"/>
+          <p:nvPr/>
+        </p:nvSpPr>
+        <p:spPr>
+          <a:xfrm>
+            <a:off x="247824" y="788275"/>
+            <a:ext cx="2768708" cy="646331"/>
+          </a:xfrm>
+          <a:prstGeom prst="rect">
+            <a:avLst/>
+          </a:prstGeom>
+          <a:noFill/>
+        </p:spPr>
+        <p:txBody>
+          <a:bodyPr wrap="square" rtlCol="0">
+            <a:spAutoFit/>
+          </a:bodyPr>
+          <a:lstStyle/>
+          <a:p>
+            <a:pPr algn="r"/>
+            <a:r>
+              <a:rPr lang="pt-PT" sz="3600" dirty="0">
+                <a:solidFill>
+                  <a:schemeClr val="bg1"/>
+                </a:solidFill>
+              </a:rPr>
+              <a:t>PESOS 2.0</a:t>
+            </a:r>
+          </a:p>
+        </p:txBody>
+      </p:sp>
+      <p:sp>
+        <p:nvSpPr>
+          <p:cNvPr id="8" name="CaixaDeTexto 7">
+            <a:extLst>
+              <a:ext uri="{FF2B5EF4-FFF2-40B4-BE49-F238E27FC236}">
+                <a16:creationId xmlns:a16="http://schemas.microsoft.com/office/drawing/2014/main" id="{6D236C2E-D340-672E-3359-881430F96561}"/>
+              </a:ext>
+            </a:extLst>
+          </p:cNvPr>
+          <p:cNvSpPr txBox="1"/>
+          <p:nvPr/>
+        </p:nvSpPr>
+        <p:spPr>
+          <a:xfrm>
+            <a:off x="247824" y="1434606"/>
+            <a:ext cx="2768708" cy="3613746"/>
+          </a:xfrm>
+          <a:prstGeom prst="rect">
+            <a:avLst/>
+          </a:prstGeom>
+          <a:noFill/>
+        </p:spPr>
+        <p:txBody>
+          <a:bodyPr wrap="square" rtlCol="0">
+            <a:spAutoFit/>
+          </a:bodyPr>
+          <a:lstStyle/>
+          <a:p>
+            <a:pPr algn="r">
+              <a:lnSpc>
+                <a:spcPct val="150000"/>
+              </a:lnSpc>
+            </a:pPr>
+            <a:r>
+              <a:rPr lang="pt-BR" sz="1400" dirty="0">
+                <a:solidFill>
+                  <a:schemeClr val="bg1">
+                    <a:lumMod val="95000"/>
+                  </a:schemeClr>
+                </a:solidFill>
+              </a:rPr>
+              <a:t>Escreve um algoritmo e desenha o seu fluxograma para o seguinte problema: foi feito um inquérito a 50 pessoas, as quais tiveram de indicar a sua idade e o seu peso.</a:t>
+            </a:r>
+          </a:p>
+          <a:p>
+            <a:pPr algn="r">
+              <a:lnSpc>
+                <a:spcPct val="150000"/>
+              </a:lnSpc>
+            </a:pPr>
+            <a:r>
+              <a:rPr lang="pt-BR" sz="1400" dirty="0">
+                <a:solidFill>
+                  <a:schemeClr val="bg1">
+                    <a:lumMod val="95000"/>
+                  </a:schemeClr>
+                </a:solidFill>
+              </a:rPr>
+              <a:t>Pretende-se saber a média das idades e quantas pessoas pesam mais do que a média.</a:t>
+            </a:r>
+          </a:p>
+          <a:p>
+            <a:pPr algn="r">
+              <a:lnSpc>
+                <a:spcPct val="150000"/>
+              </a:lnSpc>
+            </a:pPr>
+            <a:r>
+              <a:rPr lang="pt-BR" sz="1400" dirty="0">
+                <a:solidFill>
+                  <a:schemeClr val="bg1">
+                    <a:lumMod val="95000"/>
+                  </a:schemeClr>
+                </a:solidFill>
+              </a:rPr>
+              <a:t>Apresente a especificação e o algoritmo para resolver o problema.</a:t>
+            </a:r>
+            <a:endParaRPr lang="pt-PT" sz="1400" dirty="0">
+              <a:solidFill>
+                <a:schemeClr val="bg1">
+                  <a:lumMod val="95000"/>
+                </a:schemeClr>
+              </a:solidFill>
+            </a:endParaRPr>
+          </a:p>
+        </p:txBody>
+      </p:sp>
+    </p:spTree>
+    <p:extLst>
+      <p:ext uri="{BB962C8B-B14F-4D97-AF65-F5344CB8AC3E}">
+        <p14:creationId xmlns:p14="http://schemas.microsoft.com/office/powerpoint/2010/main" val="3947917195"/>
       </p:ext>
     </p:extLst>
   </p:cSld>
@@ -4091,48 +8949,12 @@
           <a:chExt cx="0" cy="0"/>
         </a:xfrm>
       </p:grpSpPr>
-      <p:pic>
-        <p:nvPicPr>
-          <p:cNvPr id="7" name="Imagem 6">
-            <a:extLst>
-              <a:ext uri="{FF2B5EF4-FFF2-40B4-BE49-F238E27FC236}">
-                <a16:creationId xmlns:a16="http://schemas.microsoft.com/office/drawing/2014/main" id="{71A76C42-F75B-41DC-A416-1399B3D2E328}"/>
-              </a:ext>
-            </a:extLst>
-          </p:cNvPr>
-          <p:cNvPicPr>
-            <a:picLocks noChangeAspect="1"/>
-          </p:cNvPicPr>
-          <p:nvPr/>
-        </p:nvPicPr>
-        <p:blipFill>
-          <a:blip r:embed="rId2">
-            <a:extLst>
-              <a:ext uri="{28A0092B-C50C-407E-A947-70E740481C1C}">
-                <a14:useLocalDpi xmlns:a14="http://schemas.microsoft.com/office/drawing/2010/main" val="0"/>
-              </a:ext>
-            </a:extLst>
-          </a:blip>
-          <a:stretch>
-            <a:fillRect/>
-          </a:stretch>
-        </p:blipFill>
-        <p:spPr>
-          <a:xfrm>
-            <a:off x="5537748" y="400530"/>
-            <a:ext cx="4498131" cy="6056940"/>
-          </a:xfrm>
-          <a:prstGeom prst="rect">
-            <a:avLst/>
-          </a:prstGeom>
-        </p:spPr>
-      </p:pic>
-      <p:sp>
-        <p:nvSpPr>
-          <p:cNvPr id="3" name="Retângulo 2">
-            <a:extLst>
-              <a:ext uri="{FF2B5EF4-FFF2-40B4-BE49-F238E27FC236}">
-                <a16:creationId xmlns:a16="http://schemas.microsoft.com/office/drawing/2014/main" id="{23390555-AF6E-47BB-8512-E09D4EDB7BE3}"/>
+      <p:sp>
+        <p:nvSpPr>
+          <p:cNvPr id="8" name="Retângulo 7">
+            <a:extLst>
+              <a:ext uri="{FF2B5EF4-FFF2-40B4-BE49-F238E27FC236}">
+                <a16:creationId xmlns:a16="http://schemas.microsoft.com/office/drawing/2014/main" id="{F6941BB2-163C-44BC-BB17-BDCE14728A10}"/>
               </a:ext>
             </a:extLst>
           </p:cNvPr>
@@ -4175,10 +8997,10 @@
       </p:sp>
       <p:sp>
         <p:nvSpPr>
-          <p:cNvPr id="4" name="CaixaDeTexto 3">
-            <a:extLst>
-              <a:ext uri="{FF2B5EF4-FFF2-40B4-BE49-F238E27FC236}">
-                <a16:creationId xmlns:a16="http://schemas.microsoft.com/office/drawing/2014/main" id="{385BAD6B-AF4E-4133-A0A9-061143F2688B}"/>
+          <p:cNvPr id="9" name="CaixaDeTexto 8">
+            <a:extLst>
+              <a:ext uri="{FF2B5EF4-FFF2-40B4-BE49-F238E27FC236}">
+                <a16:creationId xmlns:a16="http://schemas.microsoft.com/office/drawing/2014/main" id="{CC5477A7-B874-44B2-970F-630E9EAEDF7B}"/>
               </a:ext>
             </a:extLst>
           </p:cNvPr>
@@ -4187,8 +9009,8 @@
         </p:nvSpPr>
         <p:spPr>
           <a:xfrm>
-            <a:off x="2290051" y="788275"/>
-            <a:ext cx="726481" cy="707886"/>
+            <a:off x="1172436" y="788275"/>
+            <a:ext cx="1854803" cy="707886"/>
           </a:xfrm>
           <a:prstGeom prst="rect">
             <a:avLst/>
@@ -4208,15 +9030,45 @@
                   <a:schemeClr val="bg1"/>
                 </a:solidFill>
               </a:rPr>
-              <a:t>TV</a:t>
-            </a:r>
-          </a:p>
-        </p:txBody>
-      </p:sp>
+              <a:t>ESCRITA</a:t>
+            </a:r>
+          </a:p>
+        </p:txBody>
+      </p:sp>
+      <p:pic>
+        <p:nvPicPr>
+          <p:cNvPr id="3" name="Imagem 2">
+            <a:extLst>
+              <a:ext uri="{FF2B5EF4-FFF2-40B4-BE49-F238E27FC236}">
+                <a16:creationId xmlns:a16="http://schemas.microsoft.com/office/drawing/2014/main" id="{97771C52-DFD4-BDEE-2DF9-ABADDFDBD159}"/>
+              </a:ext>
+            </a:extLst>
+          </p:cNvPr>
+          <p:cNvPicPr>
+            <a:picLocks noChangeAspect="1"/>
+          </p:cNvPicPr>
+          <p:nvPr/>
+        </p:nvPicPr>
+        <p:blipFill>
+          <a:blip r:embed="rId2"/>
+          <a:stretch>
+            <a:fillRect/>
+          </a:stretch>
+        </p:blipFill>
+        <p:spPr>
+          <a:xfrm>
+            <a:off x="3355839" y="1580772"/>
+            <a:ext cx="8710037" cy="3696455"/>
+          </a:xfrm>
+          <a:prstGeom prst="rect">
+            <a:avLst/>
+          </a:prstGeom>
+        </p:spPr>
+      </p:pic>
     </p:spTree>
     <p:extLst>
       <p:ext uri="{BB962C8B-B14F-4D97-AF65-F5344CB8AC3E}">
-        <p14:creationId xmlns:p14="http://schemas.microsoft.com/office/powerpoint/2010/main" val="1672410301"/>
+        <p14:creationId xmlns:p14="http://schemas.microsoft.com/office/powerpoint/2010/main" val="2397242849"/>
       </p:ext>
     </p:extLst>
   </p:cSld>
@@ -4243,48 +9095,12 @@
           <a:chExt cx="0" cy="0"/>
         </a:xfrm>
       </p:grpSpPr>
-      <p:pic>
-        <p:nvPicPr>
-          <p:cNvPr id="7" name="Imagem 6">
-            <a:extLst>
-              <a:ext uri="{FF2B5EF4-FFF2-40B4-BE49-F238E27FC236}">
-                <a16:creationId xmlns:a16="http://schemas.microsoft.com/office/drawing/2014/main" id="{71A76C42-F75B-41DC-A416-1399B3D2E328}"/>
-              </a:ext>
-            </a:extLst>
-          </p:cNvPr>
-          <p:cNvPicPr>
-            <a:picLocks noChangeAspect="1"/>
-          </p:cNvPicPr>
-          <p:nvPr/>
-        </p:nvPicPr>
-        <p:blipFill>
-          <a:blip r:embed="rId2">
-            <a:extLst>
-              <a:ext uri="{28A0092B-C50C-407E-A947-70E740481C1C}">
-                <a14:useLocalDpi xmlns:a14="http://schemas.microsoft.com/office/drawing/2010/main" val="0"/>
-              </a:ext>
-            </a:extLst>
-          </a:blip>
-          <a:stretch>
-            <a:fillRect/>
-          </a:stretch>
-        </p:blipFill>
-        <p:spPr>
-          <a:xfrm>
-            <a:off x="6096000" y="400530"/>
-            <a:ext cx="3341016" cy="6056940"/>
-          </a:xfrm>
-          <a:prstGeom prst="rect">
-            <a:avLst/>
-          </a:prstGeom>
-        </p:spPr>
-      </p:pic>
-      <p:sp>
-        <p:nvSpPr>
-          <p:cNvPr id="3" name="Retângulo 2">
-            <a:extLst>
-              <a:ext uri="{FF2B5EF4-FFF2-40B4-BE49-F238E27FC236}">
-                <a16:creationId xmlns:a16="http://schemas.microsoft.com/office/drawing/2014/main" id="{20630765-FEF3-4EE0-8EF8-95B3F8E6BF9E}"/>
+      <p:sp>
+        <p:nvSpPr>
+          <p:cNvPr id="8" name="Retângulo 7">
+            <a:extLst>
+              <a:ext uri="{FF2B5EF4-FFF2-40B4-BE49-F238E27FC236}">
+                <a16:creationId xmlns:a16="http://schemas.microsoft.com/office/drawing/2014/main" id="{F6941BB2-163C-44BC-BB17-BDCE14728A10}"/>
               </a:ext>
             </a:extLst>
           </p:cNvPr>
@@ -4327,10 +9143,10 @@
       </p:sp>
       <p:sp>
         <p:nvSpPr>
-          <p:cNvPr id="4" name="CaixaDeTexto 3">
-            <a:extLst>
-              <a:ext uri="{FF2B5EF4-FFF2-40B4-BE49-F238E27FC236}">
-                <a16:creationId xmlns:a16="http://schemas.microsoft.com/office/drawing/2014/main" id="{F1B5B5B0-E049-4CEF-A376-76E444117356}"/>
+          <p:cNvPr id="9" name="CaixaDeTexto 8">
+            <a:extLst>
+              <a:ext uri="{FF2B5EF4-FFF2-40B4-BE49-F238E27FC236}">
+                <a16:creationId xmlns:a16="http://schemas.microsoft.com/office/drawing/2014/main" id="{CC5477A7-B874-44B2-970F-630E9EAEDF7B}"/>
               </a:ext>
             </a:extLst>
           </p:cNvPr>
@@ -4339,8 +9155,8 @@
         </p:nvSpPr>
         <p:spPr>
           <a:xfrm>
-            <a:off x="2290051" y="788275"/>
-            <a:ext cx="726481" cy="707886"/>
+            <a:off x="1076256" y="788275"/>
+            <a:ext cx="1950983" cy="1323439"/>
           </a:xfrm>
           <a:prstGeom prst="rect">
             <a:avLst/>
@@ -4360,15 +9176,56 @@
                   <a:schemeClr val="bg1"/>
                 </a:solidFill>
               </a:rPr>
-              <a:t>TV</a:t>
-            </a:r>
-          </a:p>
-        </p:txBody>
-      </p:sp>
+              <a:t>AÇÕES</a:t>
+            </a:r>
+          </a:p>
+          <a:p>
+            <a:pPr algn="r"/>
+            <a:r>
+              <a:rPr lang="pt-PT" sz="4000" dirty="0">
+                <a:solidFill>
+                  <a:schemeClr val="bg1"/>
+                </a:solidFill>
+              </a:rPr>
+              <a:t>SIMPLES</a:t>
+            </a:r>
+          </a:p>
+        </p:txBody>
+      </p:sp>
+      <p:pic>
+        <p:nvPicPr>
+          <p:cNvPr id="4" name="Imagem 3">
+            <a:extLst>
+              <a:ext uri="{FF2B5EF4-FFF2-40B4-BE49-F238E27FC236}">
+                <a16:creationId xmlns:a16="http://schemas.microsoft.com/office/drawing/2014/main" id="{46A973A1-5489-6C3F-800A-26827549D0B9}"/>
+              </a:ext>
+            </a:extLst>
+          </p:cNvPr>
+          <p:cNvPicPr>
+            <a:picLocks noChangeAspect="1"/>
+          </p:cNvPicPr>
+          <p:nvPr/>
+        </p:nvPicPr>
+        <p:blipFill>
+          <a:blip r:embed="rId2"/>
+          <a:stretch>
+            <a:fillRect/>
+          </a:stretch>
+        </p:blipFill>
+        <p:spPr>
+          <a:xfrm>
+            <a:off x="3438616" y="1778659"/>
+            <a:ext cx="8674870" cy="3300682"/>
+          </a:xfrm>
+          <a:prstGeom prst="rect">
+            <a:avLst/>
+          </a:prstGeom>
+        </p:spPr>
+      </p:pic>
     </p:spTree>
     <p:extLst>
       <p:ext uri="{BB962C8B-B14F-4D97-AF65-F5344CB8AC3E}">
-        <p14:creationId xmlns:p14="http://schemas.microsoft.com/office/powerpoint/2010/main" val="1712990965"/>
+        <p14:creationId xmlns:p14="http://schemas.microsoft.com/office/powerpoint/2010/main" val="4266769829"/>
       </p:ext>
     </p:extLst>
   </p:cSld>
@@ -4395,48 +9252,12 @@
           <a:chExt cx="0" cy="0"/>
         </a:xfrm>
       </p:grpSpPr>
-      <p:pic>
-        <p:nvPicPr>
-          <p:cNvPr id="7" name="Imagem 6">
-            <a:extLst>
-              <a:ext uri="{FF2B5EF4-FFF2-40B4-BE49-F238E27FC236}">
-                <a16:creationId xmlns:a16="http://schemas.microsoft.com/office/drawing/2014/main" id="{71A76C42-F75B-41DC-A416-1399B3D2E328}"/>
-              </a:ext>
-            </a:extLst>
-          </p:cNvPr>
-          <p:cNvPicPr>
-            <a:picLocks noChangeAspect="1"/>
-          </p:cNvPicPr>
-          <p:nvPr/>
-        </p:nvPicPr>
-        <p:blipFill>
-          <a:blip r:embed="rId2">
-            <a:extLst>
-              <a:ext uri="{28A0092B-C50C-407E-A947-70E740481C1C}">
-                <a14:useLocalDpi xmlns:a14="http://schemas.microsoft.com/office/drawing/2010/main" val="0"/>
-              </a:ext>
-            </a:extLst>
-          </a:blip>
-          <a:stretch>
-            <a:fillRect/>
-          </a:stretch>
-        </p:blipFill>
-        <p:spPr>
-          <a:xfrm>
-            <a:off x="5848438" y="1110849"/>
-            <a:ext cx="3341016" cy="4636302"/>
-          </a:xfrm>
-          <a:prstGeom prst="rect">
-            <a:avLst/>
-          </a:prstGeom>
-        </p:spPr>
-      </p:pic>
-      <p:sp>
-        <p:nvSpPr>
-          <p:cNvPr id="3" name="Retângulo 2">
-            <a:extLst>
-              <a:ext uri="{FF2B5EF4-FFF2-40B4-BE49-F238E27FC236}">
-                <a16:creationId xmlns:a16="http://schemas.microsoft.com/office/drawing/2014/main" id="{61DC775C-550C-4DE8-88DC-7975BAB46F72}"/>
+      <p:sp>
+        <p:nvSpPr>
+          <p:cNvPr id="8" name="Retângulo 7">
+            <a:extLst>
+              <a:ext uri="{FF2B5EF4-FFF2-40B4-BE49-F238E27FC236}">
+                <a16:creationId xmlns:a16="http://schemas.microsoft.com/office/drawing/2014/main" id="{F6941BB2-163C-44BC-BB17-BDCE14728A10}"/>
               </a:ext>
             </a:extLst>
           </p:cNvPr>
@@ -4479,10 +9300,10 @@
       </p:sp>
       <p:sp>
         <p:nvSpPr>
-          <p:cNvPr id="4" name="CaixaDeTexto 3">
-            <a:extLst>
-              <a:ext uri="{FF2B5EF4-FFF2-40B4-BE49-F238E27FC236}">
-                <a16:creationId xmlns:a16="http://schemas.microsoft.com/office/drawing/2014/main" id="{7BC07592-3346-406E-AA01-6ED88FD65CCD}"/>
+          <p:cNvPr id="9" name="CaixaDeTexto 8">
+            <a:extLst>
+              <a:ext uri="{FF2B5EF4-FFF2-40B4-BE49-F238E27FC236}">
+                <a16:creationId xmlns:a16="http://schemas.microsoft.com/office/drawing/2014/main" id="{CC5477A7-B874-44B2-970F-630E9EAEDF7B}"/>
               </a:ext>
             </a:extLst>
           </p:cNvPr>
@@ -4491,8 +9312,8 @@
         </p:nvSpPr>
         <p:spPr>
           <a:xfrm>
-            <a:off x="1230466" y="788275"/>
-            <a:ext cx="1786066" cy="707886"/>
+            <a:off x="822597" y="788275"/>
+            <a:ext cx="2204642" cy="707886"/>
           </a:xfrm>
           <a:prstGeom prst="rect">
             <a:avLst/>
@@ -4512,15 +9333,98 @@
                   <a:schemeClr val="bg1"/>
                 </a:solidFill>
               </a:rPr>
-              <a:t>MAZE 1</a:t>
-            </a:r>
-          </a:p>
-        </p:txBody>
-      </p:sp>
+              <a:t>DECISÕES</a:t>
+            </a:r>
+          </a:p>
+        </p:txBody>
+      </p:sp>
+      <p:sp>
+        <p:nvSpPr>
+          <p:cNvPr id="2" name="CaixaDeTexto 1">
+            <a:extLst>
+              <a:ext uri="{FF2B5EF4-FFF2-40B4-BE49-F238E27FC236}">
+                <a16:creationId xmlns:a16="http://schemas.microsoft.com/office/drawing/2014/main" id="{5934AFDF-CEDB-66F5-D026-93E12F1D142E}"/>
+              </a:ext>
+            </a:extLst>
+          </p:cNvPr>
+          <p:cNvSpPr txBox="1"/>
+          <p:nvPr/>
+        </p:nvSpPr>
+        <p:spPr>
+          <a:xfrm>
+            <a:off x="258531" y="1496161"/>
+            <a:ext cx="2768708" cy="382092"/>
+          </a:xfrm>
+          <a:prstGeom prst="rect">
+            <a:avLst/>
+          </a:prstGeom>
+          <a:noFill/>
+        </p:spPr>
+        <p:txBody>
+          <a:bodyPr wrap="square" rtlCol="0">
+            <a:spAutoFit/>
+          </a:bodyPr>
+          <a:lstStyle/>
+          <a:p>
+            <a:pPr algn="r">
+              <a:lnSpc>
+                <a:spcPct val="150000"/>
+              </a:lnSpc>
+            </a:pPr>
+            <a:r>
+              <a:rPr lang="pt-BR" sz="1400" dirty="0">
+                <a:solidFill>
+                  <a:schemeClr val="bg1">
+                    <a:lumMod val="95000"/>
+                  </a:schemeClr>
+                </a:solidFill>
+              </a:rPr>
+              <a:t>Se … Então … Senão</a:t>
+            </a:r>
+            <a:endParaRPr lang="pt-PT" sz="1400" dirty="0">
+              <a:solidFill>
+                <a:schemeClr val="bg1">
+                  <a:lumMod val="95000"/>
+                </a:schemeClr>
+              </a:solidFill>
+            </a:endParaRPr>
+          </a:p>
+        </p:txBody>
+      </p:sp>
+      <p:pic>
+        <p:nvPicPr>
+          <p:cNvPr id="5" name="Imagem 4">
+            <a:extLst>
+              <a:ext uri="{FF2B5EF4-FFF2-40B4-BE49-F238E27FC236}">
+                <a16:creationId xmlns:a16="http://schemas.microsoft.com/office/drawing/2014/main" id="{081CB804-9479-F988-974E-A963B31A56CE}"/>
+              </a:ext>
+            </a:extLst>
+          </p:cNvPr>
+          <p:cNvPicPr>
+            <a:picLocks noChangeAspect="1"/>
+          </p:cNvPicPr>
+          <p:nvPr/>
+        </p:nvPicPr>
+        <p:blipFill>
+          <a:blip r:embed="rId2"/>
+          <a:stretch>
+            <a:fillRect/>
+          </a:stretch>
+        </p:blipFill>
+        <p:spPr>
+          <a:xfrm>
+            <a:off x="3515755" y="556507"/>
+            <a:ext cx="8417714" cy="5744986"/>
+          </a:xfrm>
+          <a:prstGeom prst="rect">
+            <a:avLst/>
+          </a:prstGeom>
+        </p:spPr>
+      </p:pic>
     </p:spTree>
     <p:extLst>
       <p:ext uri="{BB962C8B-B14F-4D97-AF65-F5344CB8AC3E}">
-        <p14:creationId xmlns:p14="http://schemas.microsoft.com/office/powerpoint/2010/main" val="3618305838"/>
+        <p14:creationId xmlns:p14="http://schemas.microsoft.com/office/powerpoint/2010/main" val="3782883759"/>
       </p:ext>
     </p:extLst>
   </p:cSld>
@@ -4547,48 +9451,12 @@
           <a:chExt cx="0" cy="0"/>
         </a:xfrm>
       </p:grpSpPr>
-      <p:pic>
-        <p:nvPicPr>
-          <p:cNvPr id="7" name="Imagem 6">
-            <a:extLst>
-              <a:ext uri="{FF2B5EF4-FFF2-40B4-BE49-F238E27FC236}">
-                <a16:creationId xmlns:a16="http://schemas.microsoft.com/office/drawing/2014/main" id="{71A76C42-F75B-41DC-A416-1399B3D2E328}"/>
-              </a:ext>
-            </a:extLst>
-          </p:cNvPr>
-          <p:cNvPicPr>
-            <a:picLocks noChangeAspect="1"/>
-          </p:cNvPicPr>
-          <p:nvPr/>
-        </p:nvPicPr>
-        <p:blipFill>
-          <a:blip r:embed="rId2">
-            <a:extLst>
-              <a:ext uri="{28A0092B-C50C-407E-A947-70E740481C1C}">
-                <a14:useLocalDpi xmlns:a14="http://schemas.microsoft.com/office/drawing/2010/main" val="0"/>
-              </a:ext>
-            </a:extLst>
-          </a:blip>
-          <a:stretch>
-            <a:fillRect/>
-          </a:stretch>
-        </p:blipFill>
-        <p:spPr>
-          <a:xfrm>
-            <a:off x="6610141" y="1110849"/>
-            <a:ext cx="1817609" cy="4636302"/>
-          </a:xfrm>
-          <a:prstGeom prst="rect">
-            <a:avLst/>
-          </a:prstGeom>
-        </p:spPr>
-      </p:pic>
-      <p:sp>
-        <p:nvSpPr>
-          <p:cNvPr id="3" name="Retângulo 2">
-            <a:extLst>
-              <a:ext uri="{FF2B5EF4-FFF2-40B4-BE49-F238E27FC236}">
-                <a16:creationId xmlns:a16="http://schemas.microsoft.com/office/drawing/2014/main" id="{002C2AD8-5C59-4CA9-AF8F-22A91B1F2841}"/>
+      <p:sp>
+        <p:nvSpPr>
+          <p:cNvPr id="8" name="Retângulo 7">
+            <a:extLst>
+              <a:ext uri="{FF2B5EF4-FFF2-40B4-BE49-F238E27FC236}">
+                <a16:creationId xmlns:a16="http://schemas.microsoft.com/office/drawing/2014/main" id="{F6941BB2-163C-44BC-BB17-BDCE14728A10}"/>
               </a:ext>
             </a:extLst>
           </p:cNvPr>
@@ -4631,10 +9499,10 @@
       </p:sp>
       <p:sp>
         <p:nvSpPr>
-          <p:cNvPr id="4" name="CaixaDeTexto 3">
-            <a:extLst>
-              <a:ext uri="{FF2B5EF4-FFF2-40B4-BE49-F238E27FC236}">
-                <a16:creationId xmlns:a16="http://schemas.microsoft.com/office/drawing/2014/main" id="{B8AAE748-A093-42AD-B794-F1FC374EBD7F}"/>
+          <p:cNvPr id="9" name="CaixaDeTexto 8">
+            <a:extLst>
+              <a:ext uri="{FF2B5EF4-FFF2-40B4-BE49-F238E27FC236}">
+                <a16:creationId xmlns:a16="http://schemas.microsoft.com/office/drawing/2014/main" id="{CC5477A7-B874-44B2-970F-630E9EAEDF7B}"/>
               </a:ext>
             </a:extLst>
           </p:cNvPr>
@@ -4643,8 +9511,8 @@
         </p:nvSpPr>
         <p:spPr>
           <a:xfrm>
-            <a:off x="1230466" y="788275"/>
-            <a:ext cx="1786066" cy="707886"/>
+            <a:off x="822597" y="788275"/>
+            <a:ext cx="2204642" cy="707886"/>
           </a:xfrm>
           <a:prstGeom prst="rect">
             <a:avLst/>
@@ -4664,15 +9532,149 @@
                   <a:schemeClr val="bg1"/>
                 </a:solidFill>
               </a:rPr>
-              <a:t>MAZE 2</a:t>
-            </a:r>
-          </a:p>
-        </p:txBody>
-      </p:sp>
+              <a:t>DECISÕES</a:t>
+            </a:r>
+          </a:p>
+        </p:txBody>
+      </p:sp>
+      <p:sp>
+        <p:nvSpPr>
+          <p:cNvPr id="2" name="CaixaDeTexto 1">
+            <a:extLst>
+              <a:ext uri="{FF2B5EF4-FFF2-40B4-BE49-F238E27FC236}">
+                <a16:creationId xmlns:a16="http://schemas.microsoft.com/office/drawing/2014/main" id="{5934AFDF-CEDB-66F5-D026-93E12F1D142E}"/>
+              </a:ext>
+            </a:extLst>
+          </p:cNvPr>
+          <p:cNvSpPr txBox="1"/>
+          <p:nvPr/>
+        </p:nvSpPr>
+        <p:spPr>
+          <a:xfrm>
+            <a:off x="258531" y="1496161"/>
+            <a:ext cx="2768708" cy="382092"/>
+          </a:xfrm>
+          <a:prstGeom prst="rect">
+            <a:avLst/>
+          </a:prstGeom>
+          <a:noFill/>
+        </p:spPr>
+        <p:txBody>
+          <a:bodyPr wrap="square" rtlCol="0">
+            <a:spAutoFit/>
+          </a:bodyPr>
+          <a:lstStyle/>
+          <a:p>
+            <a:pPr algn="r">
+              <a:lnSpc>
+                <a:spcPct val="150000"/>
+              </a:lnSpc>
+            </a:pPr>
+            <a:r>
+              <a:rPr lang="pt-BR" sz="1400" dirty="0">
+                <a:solidFill>
+                  <a:schemeClr val="bg1">
+                    <a:lumMod val="95000"/>
+                  </a:schemeClr>
+                </a:solidFill>
+              </a:rPr>
+              <a:t>Caso … Seja</a:t>
+            </a:r>
+            <a:endParaRPr lang="pt-PT" sz="1400" dirty="0">
+              <a:solidFill>
+                <a:schemeClr val="bg1">
+                  <a:lumMod val="95000"/>
+                </a:schemeClr>
+              </a:solidFill>
+            </a:endParaRPr>
+          </a:p>
+        </p:txBody>
+      </p:sp>
+      <p:grpSp>
+        <p:nvGrpSpPr>
+          <p:cNvPr id="11" name="Agrupar 10">
+            <a:extLst>
+              <a:ext uri="{FF2B5EF4-FFF2-40B4-BE49-F238E27FC236}">
+                <a16:creationId xmlns:a16="http://schemas.microsoft.com/office/drawing/2014/main" id="{D7CF4D4E-8345-6267-AC41-C84E2CA4A098}"/>
+              </a:ext>
+            </a:extLst>
+          </p:cNvPr>
+          <p:cNvGrpSpPr/>
+          <p:nvPr/>
+        </p:nvGrpSpPr>
+        <p:grpSpPr>
+          <a:xfrm>
+            <a:off x="3288288" y="745310"/>
+            <a:ext cx="8784000" cy="5367380"/>
+            <a:chOff x="3288288" y="745310"/>
+            <a:chExt cx="8784000" cy="5367380"/>
+          </a:xfrm>
+        </p:grpSpPr>
+        <p:pic>
+          <p:nvPicPr>
+            <p:cNvPr id="4" name="Imagem 3">
+              <a:extLst>
+                <a:ext uri="{FF2B5EF4-FFF2-40B4-BE49-F238E27FC236}">
+                  <a16:creationId xmlns:a16="http://schemas.microsoft.com/office/drawing/2014/main" id="{7C66250C-CE3E-1897-D5E2-08729295DADA}"/>
+                </a:ext>
+              </a:extLst>
+            </p:cNvPr>
+            <p:cNvPicPr>
+              <a:picLocks noChangeAspect="1"/>
+            </p:cNvPicPr>
+            <p:nvPr/>
+          </p:nvPicPr>
+          <p:blipFill>
+            <a:blip r:embed="rId2"/>
+            <a:stretch>
+              <a:fillRect/>
+            </a:stretch>
+          </p:blipFill>
+          <p:spPr>
+            <a:xfrm>
+              <a:off x="3447062" y="745310"/>
+              <a:ext cx="8570264" cy="4515066"/>
+            </a:xfrm>
+            <a:prstGeom prst="rect">
+              <a:avLst/>
+            </a:prstGeom>
+          </p:spPr>
+        </p:pic>
+        <p:pic>
+          <p:nvPicPr>
+            <p:cNvPr id="7" name="Imagem 6">
+              <a:extLst>
+                <a:ext uri="{FF2B5EF4-FFF2-40B4-BE49-F238E27FC236}">
+                  <a16:creationId xmlns:a16="http://schemas.microsoft.com/office/drawing/2014/main" id="{FB414DF5-D7F6-EFF4-E124-B01316632B40}"/>
+                </a:ext>
+              </a:extLst>
+            </p:cNvPr>
+            <p:cNvPicPr>
+              <a:picLocks noChangeAspect="1"/>
+            </p:cNvPicPr>
+            <p:nvPr/>
+          </p:nvPicPr>
+          <p:blipFill>
+            <a:blip r:embed="rId3"/>
+            <a:stretch>
+              <a:fillRect/>
+            </a:stretch>
+          </p:blipFill>
+          <p:spPr>
+            <a:xfrm>
+              <a:off x="3288288" y="5108805"/>
+              <a:ext cx="8784000" cy="1003885"/>
+            </a:xfrm>
+            <a:prstGeom prst="rect">
+              <a:avLst/>
+            </a:prstGeom>
+          </p:spPr>
+        </p:pic>
+      </p:grpSp>
     </p:spTree>
     <p:extLst>
       <p:ext uri="{BB962C8B-B14F-4D97-AF65-F5344CB8AC3E}">
-        <p14:creationId xmlns:p14="http://schemas.microsoft.com/office/powerpoint/2010/main" val="3267855121"/>
+        <p14:creationId xmlns:p14="http://schemas.microsoft.com/office/powerpoint/2010/main" val="2511540924"/>
       </p:ext>
     </p:extLst>
   </p:cSld>
@@ -4699,48 +9701,12 @@
           <a:chExt cx="0" cy="0"/>
         </a:xfrm>
       </p:grpSpPr>
-      <p:pic>
-        <p:nvPicPr>
-          <p:cNvPr id="7" name="Imagem 6">
-            <a:extLst>
-              <a:ext uri="{FF2B5EF4-FFF2-40B4-BE49-F238E27FC236}">
-                <a16:creationId xmlns:a16="http://schemas.microsoft.com/office/drawing/2014/main" id="{71A76C42-F75B-41DC-A416-1399B3D2E328}"/>
-              </a:ext>
-            </a:extLst>
-          </p:cNvPr>
-          <p:cNvPicPr>
-            <a:picLocks noChangeAspect="1"/>
-          </p:cNvPicPr>
-          <p:nvPr/>
-        </p:nvPicPr>
-        <p:blipFill>
-          <a:blip r:embed="rId2">
-            <a:extLst>
-              <a:ext uri="{28A0092B-C50C-407E-A947-70E740481C1C}">
-                <a14:useLocalDpi xmlns:a14="http://schemas.microsoft.com/office/drawing/2010/main" val="0"/>
-              </a:ext>
-            </a:extLst>
-          </a:blip>
-          <a:stretch>
-            <a:fillRect/>
-          </a:stretch>
-        </p:blipFill>
-        <p:spPr>
-          <a:xfrm>
-            <a:off x="4923231" y="1224250"/>
-            <a:ext cx="5927112" cy="4409500"/>
-          </a:xfrm>
-          <a:prstGeom prst="rect">
-            <a:avLst/>
-          </a:prstGeom>
-        </p:spPr>
-      </p:pic>
-      <p:sp>
-        <p:nvSpPr>
-          <p:cNvPr id="3" name="Retângulo 2">
-            <a:extLst>
-              <a:ext uri="{FF2B5EF4-FFF2-40B4-BE49-F238E27FC236}">
-                <a16:creationId xmlns:a16="http://schemas.microsoft.com/office/drawing/2014/main" id="{69C67544-0726-45EE-8C8A-256C18C09390}"/>
+      <p:sp>
+        <p:nvSpPr>
+          <p:cNvPr id="8" name="Retângulo 7">
+            <a:extLst>
+              <a:ext uri="{FF2B5EF4-FFF2-40B4-BE49-F238E27FC236}">
+                <a16:creationId xmlns:a16="http://schemas.microsoft.com/office/drawing/2014/main" id="{F6941BB2-163C-44BC-BB17-BDCE14728A10}"/>
               </a:ext>
             </a:extLst>
           </p:cNvPr>
@@ -4783,10 +9749,10 @@
       </p:sp>
       <p:sp>
         <p:nvSpPr>
-          <p:cNvPr id="4" name="CaixaDeTexto 3">
-            <a:extLst>
-              <a:ext uri="{FF2B5EF4-FFF2-40B4-BE49-F238E27FC236}">
-                <a16:creationId xmlns:a16="http://schemas.microsoft.com/office/drawing/2014/main" id="{C834E58C-66C5-445B-B90A-64A730CECB94}"/>
+          <p:cNvPr id="9" name="CaixaDeTexto 8">
+            <a:extLst>
+              <a:ext uri="{FF2B5EF4-FFF2-40B4-BE49-F238E27FC236}">
+                <a16:creationId xmlns:a16="http://schemas.microsoft.com/office/drawing/2014/main" id="{CC5477A7-B874-44B2-970F-630E9EAEDF7B}"/>
               </a:ext>
             </a:extLst>
           </p:cNvPr>
@@ -4795,8 +9761,8 @@
         </p:nvSpPr>
         <p:spPr>
           <a:xfrm>
-            <a:off x="1230466" y="788275"/>
-            <a:ext cx="1786066" cy="707886"/>
+            <a:off x="328935" y="788275"/>
+            <a:ext cx="2698304" cy="707886"/>
           </a:xfrm>
           <a:prstGeom prst="rect">
             <a:avLst/>
@@ -4816,15 +9782,98 @@
                   <a:schemeClr val="bg1"/>
                 </a:solidFill>
               </a:rPr>
-              <a:t>MAZE 3</a:t>
-            </a:r>
-          </a:p>
-        </p:txBody>
-      </p:sp>
+              <a:t>REPETIÇÕES</a:t>
+            </a:r>
+          </a:p>
+        </p:txBody>
+      </p:sp>
+      <p:sp>
+        <p:nvSpPr>
+          <p:cNvPr id="2" name="CaixaDeTexto 1">
+            <a:extLst>
+              <a:ext uri="{FF2B5EF4-FFF2-40B4-BE49-F238E27FC236}">
+                <a16:creationId xmlns:a16="http://schemas.microsoft.com/office/drawing/2014/main" id="{5934AFDF-CEDB-66F5-D026-93E12F1D142E}"/>
+              </a:ext>
+            </a:extLst>
+          </p:cNvPr>
+          <p:cNvSpPr txBox="1"/>
+          <p:nvPr/>
+        </p:nvSpPr>
+        <p:spPr>
+          <a:xfrm>
+            <a:off x="258531" y="1496161"/>
+            <a:ext cx="2768708" cy="382092"/>
+          </a:xfrm>
+          <a:prstGeom prst="rect">
+            <a:avLst/>
+          </a:prstGeom>
+          <a:noFill/>
+        </p:spPr>
+        <p:txBody>
+          <a:bodyPr wrap="square" rtlCol="0">
+            <a:spAutoFit/>
+          </a:bodyPr>
+          <a:lstStyle/>
+          <a:p>
+            <a:pPr algn="r">
+              <a:lnSpc>
+                <a:spcPct val="150000"/>
+              </a:lnSpc>
+            </a:pPr>
+            <a:r>
+              <a:rPr lang="pt-BR" sz="1400" dirty="0">
+                <a:solidFill>
+                  <a:schemeClr val="bg1">
+                    <a:lumMod val="95000"/>
+                  </a:schemeClr>
+                </a:solidFill>
+              </a:rPr>
+              <a:t>REPETIR … ATÉ</a:t>
+            </a:r>
+            <a:endParaRPr lang="pt-PT" sz="1400" dirty="0">
+              <a:solidFill>
+                <a:schemeClr val="bg1">
+                  <a:lumMod val="95000"/>
+                </a:schemeClr>
+              </a:solidFill>
+            </a:endParaRPr>
+          </a:p>
+        </p:txBody>
+      </p:sp>
+      <p:pic>
+        <p:nvPicPr>
+          <p:cNvPr id="5" name="Imagem 4">
+            <a:extLst>
+              <a:ext uri="{FF2B5EF4-FFF2-40B4-BE49-F238E27FC236}">
+                <a16:creationId xmlns:a16="http://schemas.microsoft.com/office/drawing/2014/main" id="{B38227EB-EE4F-4143-9658-B6EECCE22723}"/>
+              </a:ext>
+            </a:extLst>
+          </p:cNvPr>
+          <p:cNvPicPr>
+            <a:picLocks noChangeAspect="1"/>
+          </p:cNvPicPr>
+          <p:nvPr/>
+        </p:nvPicPr>
+        <p:blipFill>
+          <a:blip r:embed="rId2"/>
+          <a:stretch>
+            <a:fillRect/>
+          </a:stretch>
+        </p:blipFill>
+        <p:spPr>
+          <a:xfrm>
+            <a:off x="3506228" y="1005720"/>
+            <a:ext cx="8589726" cy="4846560"/>
+          </a:xfrm>
+          <a:prstGeom prst="rect">
+            <a:avLst/>
+          </a:prstGeom>
+        </p:spPr>
+      </p:pic>
     </p:spTree>
     <p:extLst>
       <p:ext uri="{BB962C8B-B14F-4D97-AF65-F5344CB8AC3E}">
-        <p14:creationId xmlns:p14="http://schemas.microsoft.com/office/powerpoint/2010/main" val="4260068151"/>
+        <p14:creationId xmlns:p14="http://schemas.microsoft.com/office/powerpoint/2010/main" val="524589887"/>
       </p:ext>
     </p:extLst>
   </p:cSld>
@@ -4851,48 +9900,12 @@
           <a:chExt cx="0" cy="0"/>
         </a:xfrm>
       </p:grpSpPr>
-      <p:pic>
-        <p:nvPicPr>
-          <p:cNvPr id="7" name="Imagem 6">
-            <a:extLst>
-              <a:ext uri="{FF2B5EF4-FFF2-40B4-BE49-F238E27FC236}">
-                <a16:creationId xmlns:a16="http://schemas.microsoft.com/office/drawing/2014/main" id="{71A76C42-F75B-41DC-A416-1399B3D2E328}"/>
-              </a:ext>
-            </a:extLst>
-          </p:cNvPr>
-          <p:cNvPicPr>
-            <a:picLocks noChangeAspect="1"/>
-          </p:cNvPicPr>
-          <p:nvPr/>
-        </p:nvPicPr>
-        <p:blipFill>
-          <a:blip r:embed="rId2">
-            <a:extLst>
-              <a:ext uri="{28A0092B-C50C-407E-A947-70E740481C1C}">
-                <a14:useLocalDpi xmlns:a14="http://schemas.microsoft.com/office/drawing/2010/main" val="0"/>
-              </a:ext>
-            </a:extLst>
-          </a:blip>
-          <a:stretch>
-            <a:fillRect/>
-          </a:stretch>
-        </p:blipFill>
-        <p:spPr>
-          <a:xfrm>
-            <a:off x="5725107" y="281077"/>
-            <a:ext cx="4617071" cy="5917471"/>
-          </a:xfrm>
-          <a:prstGeom prst="rect">
-            <a:avLst/>
-          </a:prstGeom>
-        </p:spPr>
-      </p:pic>
-      <p:sp>
-        <p:nvSpPr>
-          <p:cNvPr id="3" name="Retângulo 2">
-            <a:extLst>
-              <a:ext uri="{FF2B5EF4-FFF2-40B4-BE49-F238E27FC236}">
-                <a16:creationId xmlns:a16="http://schemas.microsoft.com/office/drawing/2014/main" id="{D8EA5D82-17F3-46E5-B477-815603C807B0}"/>
+      <p:sp>
+        <p:nvSpPr>
+          <p:cNvPr id="8" name="Retângulo 7">
+            <a:extLst>
+              <a:ext uri="{FF2B5EF4-FFF2-40B4-BE49-F238E27FC236}">
+                <a16:creationId xmlns:a16="http://schemas.microsoft.com/office/drawing/2014/main" id="{F6941BB2-163C-44BC-BB17-BDCE14728A10}"/>
               </a:ext>
             </a:extLst>
           </p:cNvPr>
@@ -4935,10 +9948,10 @@
       </p:sp>
       <p:sp>
         <p:nvSpPr>
-          <p:cNvPr id="4" name="CaixaDeTexto 3">
-            <a:extLst>
-              <a:ext uri="{FF2B5EF4-FFF2-40B4-BE49-F238E27FC236}">
-                <a16:creationId xmlns:a16="http://schemas.microsoft.com/office/drawing/2014/main" id="{4AADB2BB-AC53-4CE1-A7E5-3E2473B5A70F}"/>
+          <p:cNvPr id="9" name="CaixaDeTexto 8">
+            <a:extLst>
+              <a:ext uri="{FF2B5EF4-FFF2-40B4-BE49-F238E27FC236}">
+                <a16:creationId xmlns:a16="http://schemas.microsoft.com/office/drawing/2014/main" id="{CC5477A7-B874-44B2-970F-630E9EAEDF7B}"/>
               </a:ext>
             </a:extLst>
           </p:cNvPr>
@@ -4947,8 +9960,8 @@
         </p:nvSpPr>
         <p:spPr>
           <a:xfrm>
-            <a:off x="1230466" y="788275"/>
-            <a:ext cx="1786066" cy="707886"/>
+            <a:off x="328935" y="788275"/>
+            <a:ext cx="2698304" cy="707886"/>
           </a:xfrm>
           <a:prstGeom prst="rect">
             <a:avLst/>
@@ -4968,15 +9981,98 @@
                   <a:schemeClr val="bg1"/>
                 </a:solidFill>
               </a:rPr>
-              <a:t>MAZE 4</a:t>
-            </a:r>
-          </a:p>
-        </p:txBody>
-      </p:sp>
+              <a:t>REPETIÇÕES</a:t>
+            </a:r>
+          </a:p>
+        </p:txBody>
+      </p:sp>
+      <p:sp>
+        <p:nvSpPr>
+          <p:cNvPr id="2" name="CaixaDeTexto 1">
+            <a:extLst>
+              <a:ext uri="{FF2B5EF4-FFF2-40B4-BE49-F238E27FC236}">
+                <a16:creationId xmlns:a16="http://schemas.microsoft.com/office/drawing/2014/main" id="{5934AFDF-CEDB-66F5-D026-93E12F1D142E}"/>
+              </a:ext>
+            </a:extLst>
+          </p:cNvPr>
+          <p:cNvSpPr txBox="1"/>
+          <p:nvPr/>
+        </p:nvSpPr>
+        <p:spPr>
+          <a:xfrm>
+            <a:off x="258531" y="1496161"/>
+            <a:ext cx="2768708" cy="382092"/>
+          </a:xfrm>
+          <a:prstGeom prst="rect">
+            <a:avLst/>
+          </a:prstGeom>
+          <a:noFill/>
+        </p:spPr>
+        <p:txBody>
+          <a:bodyPr wrap="square" rtlCol="0">
+            <a:spAutoFit/>
+          </a:bodyPr>
+          <a:lstStyle/>
+          <a:p>
+            <a:pPr algn="r">
+              <a:lnSpc>
+                <a:spcPct val="150000"/>
+              </a:lnSpc>
+            </a:pPr>
+            <a:r>
+              <a:rPr lang="pt-BR" sz="1400" dirty="0">
+                <a:solidFill>
+                  <a:schemeClr val="bg1">
+                    <a:lumMod val="95000"/>
+                  </a:schemeClr>
+                </a:solidFill>
+              </a:rPr>
+              <a:t>ENQUANTO … FAZER</a:t>
+            </a:r>
+            <a:endParaRPr lang="pt-PT" sz="1400" dirty="0">
+              <a:solidFill>
+                <a:schemeClr val="bg1">
+                  <a:lumMod val="95000"/>
+                </a:schemeClr>
+              </a:solidFill>
+            </a:endParaRPr>
+          </a:p>
+        </p:txBody>
+      </p:sp>
+      <p:pic>
+        <p:nvPicPr>
+          <p:cNvPr id="4" name="Imagem 3">
+            <a:extLst>
+              <a:ext uri="{FF2B5EF4-FFF2-40B4-BE49-F238E27FC236}">
+                <a16:creationId xmlns:a16="http://schemas.microsoft.com/office/drawing/2014/main" id="{4C5E55F6-A7DA-0EC3-ED9E-DD223496EF19}"/>
+              </a:ext>
+            </a:extLst>
+          </p:cNvPr>
+          <p:cNvPicPr>
+            <a:picLocks noChangeAspect="1"/>
+          </p:cNvPicPr>
+          <p:nvPr/>
+        </p:nvPicPr>
+        <p:blipFill>
+          <a:blip r:embed="rId2"/>
+          <a:stretch>
+            <a:fillRect/>
+          </a:stretch>
+        </p:blipFill>
+        <p:spPr>
+          <a:xfrm>
+            <a:off x="3356174" y="1018754"/>
+            <a:ext cx="8679712" cy="4820491"/>
+          </a:xfrm>
+          <a:prstGeom prst="rect">
+            <a:avLst/>
+          </a:prstGeom>
+        </p:spPr>
+      </p:pic>
     </p:spTree>
     <p:extLst>
       <p:ext uri="{BB962C8B-B14F-4D97-AF65-F5344CB8AC3E}">
-        <p14:creationId xmlns:p14="http://schemas.microsoft.com/office/powerpoint/2010/main" val="1941665871"/>
+        <p14:creationId xmlns:p14="http://schemas.microsoft.com/office/powerpoint/2010/main" val="992357002"/>
       </p:ext>
     </p:extLst>
   </p:cSld>
@@ -4989,7 +10085,7 @@
 <file path=ppt/theme/theme1.xml><?xml version="1.0" encoding="utf-8"?>
 <a:theme xmlns:a="http://schemas.openxmlformats.org/drawingml/2006/main" name="Tema do Office">
   <a:themeElements>
-    <a:clrScheme name="Office">
+    <a:clrScheme name="Verde">
       <a:dk1>
         <a:sysClr val="windowText" lastClr="000000"/>
       </a:dk1>
@@ -4997,34 +10093,34 @@
         <a:sysClr val="window" lastClr="FFFFFF"/>
       </a:lt1>
       <a:dk2>
-        <a:srgbClr val="44546A"/>
+        <a:srgbClr val="455F51"/>
       </a:dk2>
       <a:lt2>
-        <a:srgbClr val="E7E6E6"/>
+        <a:srgbClr val="E3DED1"/>
       </a:lt2>
       <a:accent1>
-        <a:srgbClr val="4472C4"/>
+        <a:srgbClr val="549E39"/>
       </a:accent1>
       <a:accent2>
-        <a:srgbClr val="ED7D31"/>
+        <a:srgbClr val="8AB833"/>
       </a:accent2>
       <a:accent3>
-        <a:srgbClr val="A5A5A5"/>
+        <a:srgbClr val="C0CF3A"/>
       </a:accent3>
       <a:accent4>
-        <a:srgbClr val="FFC000"/>
+        <a:srgbClr val="029676"/>
       </a:accent4>
       <a:accent5>
-        <a:srgbClr val="5B9BD5"/>
+        <a:srgbClr val="4AB5C4"/>
       </a:accent5>
       <a:accent6>
-        <a:srgbClr val="70AD47"/>
+        <a:srgbClr val="0989B1"/>
       </a:accent6>
       <a:hlink>
-        <a:srgbClr val="0563C1"/>
+        <a:srgbClr val="6B9F25"/>
       </a:hlink>
       <a:folHlink>
-        <a:srgbClr val="954F72"/>
+        <a:srgbClr val="BA6906"/>
       </a:folHlink>
     </a:clrScheme>
     <a:fontScheme name="Office">
